--- a/Slides/On-Campus/02_02-StringsAndAmazingGrace.pptx
+++ b/Slides/On-Campus/02_02-StringsAndAmazingGrace.pptx
@@ -5,24 +5,25 @@
     <p:sldMasterId id="2147483648" r:id="rId1"/>
   </p:sldMasterIdLst>
   <p:notesMasterIdLst>
-    <p:notesMasterId r:id="rId14"/>
+    <p:notesMasterId r:id="rId15"/>
   </p:notesMasterIdLst>
   <p:handoutMasterIdLst>
-    <p:handoutMasterId r:id="rId15"/>
+    <p:handoutMasterId r:id="rId16"/>
   </p:handoutMasterIdLst>
   <p:sldIdLst>
     <p:sldId id="256" r:id="rId2"/>
-    <p:sldId id="266" r:id="rId3"/>
-    <p:sldId id="257" r:id="rId4"/>
-    <p:sldId id="261" r:id="rId5"/>
-    <p:sldId id="262" r:id="rId6"/>
-    <p:sldId id="267" r:id="rId7"/>
-    <p:sldId id="263" r:id="rId8"/>
-    <p:sldId id="264" r:id="rId9"/>
-    <p:sldId id="265" r:id="rId10"/>
-    <p:sldId id="258" r:id="rId11"/>
-    <p:sldId id="259" r:id="rId12"/>
-    <p:sldId id="260" r:id="rId13"/>
+    <p:sldId id="274" r:id="rId3"/>
+    <p:sldId id="258" r:id="rId4"/>
+    <p:sldId id="259" r:id="rId5"/>
+    <p:sldId id="257" r:id="rId6"/>
+    <p:sldId id="261" r:id="rId7"/>
+    <p:sldId id="262" r:id="rId8"/>
+    <p:sldId id="267" r:id="rId9"/>
+    <p:sldId id="263" r:id="rId10"/>
+    <p:sldId id="264" r:id="rId11"/>
+    <p:sldId id="265" r:id="rId12"/>
+    <p:sldId id="275" r:id="rId13"/>
+    <p:sldId id="260" r:id="rId14"/>
   </p:sldIdLst>
   <p:sldSz cx="13817600" cy="7772400"/>
   <p:notesSz cx="6858000" cy="9144000"/>
@@ -225,7 +226,7 @@
           <a:p>
             <a:fld id="{4D7E51A5-B478-1E40-8CBB-0DAA8831E99D}" type="datetimeFigureOut">
               <a:rPr lang="en-US" smtClean="0"/>
-              <a:t>8/18/21</a:t>
+              <a:t>9/1/21</a:t>
             </a:fld>
             <a:endParaRPr lang="en-US"/>
           </a:p>
@@ -444,7 +445,7 @@
           <a:p>
             <a:fld id="{D0ED587F-861E-6740-9643-E3DDAE89B8D6}" type="datetimeFigureOut">
               <a:rPr lang="en-US" smtClean="0"/>
-              <a:t>8/18/21</a:t>
+              <a:t>9/1/21</a:t>
             </a:fld>
             <a:endParaRPr lang="en-US"/>
           </a:p>
@@ -716,110 +717,6 @@
   <p:cSld>
     <p:spTree>
       <p:nvGrpSpPr>
-        <p:cNvPr id="1" name="Shape 188"/>
-        <p:cNvGrpSpPr/>
-        <p:nvPr/>
-      </p:nvGrpSpPr>
-      <p:grpSpPr>
-        <a:xfrm>
-          <a:off x="0" y="0"/>
-          <a:ext cx="0" cy="0"/>
-          <a:chOff x="0" y="0"/>
-          <a:chExt cx="0" cy="0"/>
-        </a:xfrm>
-      </p:grpSpPr>
-      <p:sp>
-        <p:nvSpPr>
-          <p:cNvPr id="189" name="Google Shape;189;g7cf647abce_0_5:notes"/>
-          <p:cNvSpPr>
-            <a:spLocks noGrp="1" noRot="1" noChangeAspect="1"/>
-          </p:cNvSpPr>
-          <p:nvPr>
-            <p:ph type="sldImg" idx="2"/>
-          </p:nvPr>
-        </p:nvSpPr>
-        <p:spPr>
-          <a:xfrm>
-            <a:off x="381000" y="685800"/>
-            <a:ext cx="6096000" cy="3429000"/>
-          </a:xfrm>
-          <a:custGeom>
-            <a:avLst/>
-            <a:gdLst/>
-            <a:ahLst/>
-            <a:cxnLst/>
-            <a:rect l="l" t="t" r="r" b="b"/>
-            <a:pathLst>
-              <a:path w="120000" h="120000" extrusionOk="0">
-                <a:moveTo>
-                  <a:pt x="0" y="0"/>
-                </a:moveTo>
-                <a:lnTo>
-                  <a:pt x="120000" y="0"/>
-                </a:lnTo>
-                <a:lnTo>
-                  <a:pt x="120000" y="120000"/>
-                </a:lnTo>
-                <a:lnTo>
-                  <a:pt x="0" y="120000"/>
-                </a:lnTo>
-                <a:close/>
-              </a:path>
-            </a:pathLst>
-          </a:custGeom>
-        </p:spPr>
-      </p:sp>
-      <p:sp>
-        <p:nvSpPr>
-          <p:cNvPr id="190" name="Google Shape;190;g7cf647abce_0_5:notes"/>
-          <p:cNvSpPr txBox="1">
-            <a:spLocks noGrp="1"/>
-          </p:cNvSpPr>
-          <p:nvPr>
-            <p:ph type="body" idx="1"/>
-          </p:nvPr>
-        </p:nvSpPr>
-        <p:spPr>
-          <a:xfrm>
-            <a:off x="685800" y="4343400"/>
-            <a:ext cx="5486400" cy="4114800"/>
-          </a:xfrm>
-          <a:prstGeom prst="rect">
-            <a:avLst/>
-          </a:prstGeom>
-        </p:spPr>
-        <p:txBody>
-          <a:bodyPr spcFirstLastPara="1" wrap="square" lIns="91425" tIns="91425" rIns="91425" bIns="91425" anchor="t" anchorCtr="0">
-            <a:noAutofit/>
-          </a:bodyPr>
-          <a:lstStyle/>
-          <a:p>
-            <a:pPr marL="0" lvl="0" indent="0" algn="l" rtl="0">
-              <a:spcBef>
-                <a:spcPts val="0"/>
-              </a:spcBef>
-              <a:spcAft>
-                <a:spcPts val="0"/>
-              </a:spcAft>
-              <a:buNone/>
-            </a:pPr>
-            <a:endParaRPr dirty="0"/>
-          </a:p>
-        </p:txBody>
-      </p:sp>
-    </p:spTree>
-  </p:cSld>
-  <p:clrMapOvr>
-    <a:masterClrMapping/>
-  </p:clrMapOvr>
-</p:notes>
-</file>
-
-<file path=ppt/notesSlides/notesSlide2.xml><?xml version="1.0" encoding="utf-8"?>
-<p:notes xmlns:a="http://schemas.openxmlformats.org/drawingml/2006/main" xmlns:r="http://schemas.openxmlformats.org/officeDocument/2006/relationships" xmlns:p="http://schemas.openxmlformats.org/presentationml/2006/main" showMasterSp="0" showMasterPhAnim="0">
-  <p:cSld>
-    <p:spTree>
-      <p:nvGrpSpPr>
         <p:cNvPr id="1" name="Shape 200"/>
         <p:cNvGrpSpPr/>
         <p:nvPr/>
@@ -844,7 +741,7 @@
         </p:nvSpPr>
         <p:spPr>
           <a:xfrm>
-            <a:off x="381300" y="685800"/>
+            <a:off x="381000" y="685800"/>
             <a:ext cx="6096000" cy="3429000"/>
           </a:xfrm>
           <a:custGeom>
@@ -919,7 +816,7 @@
 </p:notes>
 </file>
 
-<file path=ppt/notesSlides/notesSlide3.xml><?xml version="1.0" encoding="utf-8"?>
+<file path=ppt/notesSlides/notesSlide2.xml><?xml version="1.0" encoding="utf-8"?>
 <p:notes xmlns:a="http://schemas.openxmlformats.org/drawingml/2006/main" xmlns:r="http://schemas.openxmlformats.org/officeDocument/2006/relationships" xmlns:p="http://schemas.openxmlformats.org/presentationml/2006/main" showMasterSp="0" showMasterPhAnim="0">
   <p:cSld>
     <p:spTree>
@@ -980,6 +877,110 @@
       <p:sp>
         <p:nvSpPr>
           <p:cNvPr id="210" name="Google Shape;210;g7cf647abce_0_23:notes"/>
+          <p:cNvSpPr txBox="1">
+            <a:spLocks noGrp="1"/>
+          </p:cNvSpPr>
+          <p:nvPr>
+            <p:ph type="body" idx="1"/>
+          </p:nvPr>
+        </p:nvSpPr>
+        <p:spPr>
+          <a:xfrm>
+            <a:off x="685800" y="4343400"/>
+            <a:ext cx="5486400" cy="4114800"/>
+          </a:xfrm>
+          <a:prstGeom prst="rect">
+            <a:avLst/>
+          </a:prstGeom>
+        </p:spPr>
+        <p:txBody>
+          <a:bodyPr spcFirstLastPara="1" wrap="square" lIns="91425" tIns="91425" rIns="91425" bIns="91425" anchor="t" anchorCtr="0">
+            <a:noAutofit/>
+          </a:bodyPr>
+          <a:lstStyle/>
+          <a:p>
+            <a:pPr marL="0" lvl="0" indent="0" algn="l" rtl="0">
+              <a:spcBef>
+                <a:spcPts val="0"/>
+              </a:spcBef>
+              <a:spcAft>
+                <a:spcPts val="0"/>
+              </a:spcAft>
+              <a:buNone/>
+            </a:pPr>
+            <a:endParaRPr dirty="0"/>
+          </a:p>
+        </p:txBody>
+      </p:sp>
+    </p:spTree>
+  </p:cSld>
+  <p:clrMapOvr>
+    <a:masterClrMapping/>
+  </p:clrMapOvr>
+</p:notes>
+</file>
+
+<file path=ppt/notesSlides/notesSlide3.xml><?xml version="1.0" encoding="utf-8"?>
+<p:notes xmlns:a="http://schemas.openxmlformats.org/drawingml/2006/main" xmlns:r="http://schemas.openxmlformats.org/officeDocument/2006/relationships" xmlns:p="http://schemas.openxmlformats.org/presentationml/2006/main" showMasterSp="0" showMasterPhAnim="0">
+  <p:cSld>
+    <p:spTree>
+      <p:nvGrpSpPr>
+        <p:cNvPr id="1" name="Shape 188"/>
+        <p:cNvGrpSpPr/>
+        <p:nvPr/>
+      </p:nvGrpSpPr>
+      <p:grpSpPr>
+        <a:xfrm>
+          <a:off x="0" y="0"/>
+          <a:ext cx="0" cy="0"/>
+          <a:chOff x="0" y="0"/>
+          <a:chExt cx="0" cy="0"/>
+        </a:xfrm>
+      </p:grpSpPr>
+      <p:sp>
+        <p:nvSpPr>
+          <p:cNvPr id="189" name="Google Shape;189;g7cf647abce_0_5:notes"/>
+          <p:cNvSpPr>
+            <a:spLocks noGrp="1" noRot="1" noChangeAspect="1"/>
+          </p:cNvSpPr>
+          <p:nvPr>
+            <p:ph type="sldImg" idx="2"/>
+          </p:nvPr>
+        </p:nvSpPr>
+        <p:spPr>
+          <a:xfrm>
+            <a:off x="381000" y="685800"/>
+            <a:ext cx="6096000" cy="3429000"/>
+          </a:xfrm>
+          <a:custGeom>
+            <a:avLst/>
+            <a:gdLst/>
+            <a:ahLst/>
+            <a:cxnLst/>
+            <a:rect l="l" t="t" r="r" b="b"/>
+            <a:pathLst>
+              <a:path w="120000" h="120000" extrusionOk="0">
+                <a:moveTo>
+                  <a:pt x="0" y="0"/>
+                </a:moveTo>
+                <a:lnTo>
+                  <a:pt x="120000" y="0"/>
+                </a:lnTo>
+                <a:lnTo>
+                  <a:pt x="120000" y="120000"/>
+                </a:lnTo>
+                <a:lnTo>
+                  <a:pt x="0" y="120000"/>
+                </a:lnTo>
+                <a:close/>
+              </a:path>
+            </a:pathLst>
+          </a:custGeom>
+        </p:spPr>
+      </p:sp>
+      <p:sp>
+        <p:nvSpPr>
+          <p:cNvPr id="190" name="Google Shape;190;g7cf647abce_0_5:notes"/>
           <p:cNvSpPr txBox="1">
             <a:spLocks noGrp="1"/>
           </p:cNvSpPr>
@@ -7786,7 +7787,7 @@
   <p:cSld>
     <p:spTree>
       <p:nvGrpSpPr>
-        <p:cNvPr id="1" name="Shape 203"/>
+        <p:cNvPr id="1" name=""/>
         <p:cNvGrpSpPr/>
         <p:nvPr/>
       </p:nvGrpSpPr>
@@ -7800,421 +7801,496 @@
       </p:grpSpPr>
       <p:sp>
         <p:nvSpPr>
-          <p:cNvPr id="204" name="Google Shape;204;p41"/>
-          <p:cNvSpPr txBox="1">
+          <p:cNvPr id="2" name="Title 1">
+            <a:extLst>
+              <a:ext uri="{FF2B5EF4-FFF2-40B4-BE49-F238E27FC236}">
+                <a16:creationId xmlns:a16="http://schemas.microsoft.com/office/drawing/2014/main" id="{C66C17A0-EADA-8946-9A5B-E244739A3578}"/>
+              </a:ext>
+            </a:extLst>
+          </p:cNvPr>
+          <p:cNvSpPr>
             <a:spLocks noGrp="1"/>
           </p:cNvSpPr>
           <p:nvPr>
             <p:ph type="title"/>
           </p:nvPr>
         </p:nvSpPr>
+        <p:spPr/>
+        <p:txBody>
+          <a:bodyPr/>
+          <a:lstStyle/>
+          <a:p>
+            <a:r>
+              <a:rPr lang="en-US" dirty="0"/>
+              <a:t>String Formatting</a:t>
+            </a:r>
+          </a:p>
+        </p:txBody>
+      </p:sp>
+      <p:sp>
+        <p:nvSpPr>
+          <p:cNvPr id="3" name="Text Placeholder 2">
+            <a:extLst>
+              <a:ext uri="{FF2B5EF4-FFF2-40B4-BE49-F238E27FC236}">
+                <a16:creationId xmlns:a16="http://schemas.microsoft.com/office/drawing/2014/main" id="{A93B9A90-28B0-684D-801C-4AA0EEE8FFDC}"/>
+              </a:ext>
+            </a:extLst>
+          </p:cNvPr>
+          <p:cNvSpPr>
+            <a:spLocks noGrp="1"/>
+          </p:cNvSpPr>
+          <p:nvPr>
+            <p:ph type="body" sz="quarter" idx="10"/>
+          </p:nvPr>
+        </p:nvSpPr>
         <p:spPr>
           <a:xfrm>
-            <a:off x="628075" y="751389"/>
-            <a:ext cx="12561413" cy="1015467"/>
+            <a:off x="628075" y="2185844"/>
+            <a:ext cx="6750625" cy="2426498"/>
+          </a:xfrm>
+        </p:spPr>
+        <p:txBody>
+          <a:bodyPr/>
+          <a:lstStyle/>
+          <a:p>
+            <a:r>
+              <a:rPr lang="en-US" dirty="0"/>
+              <a:t>The above code is messy! </a:t>
+            </a:r>
+          </a:p>
+          <a:p>
+            <a:r>
+              <a:rPr lang="en-US" dirty="0"/>
+              <a:t>String has built in formatting options (very extensive)</a:t>
+            </a:r>
+          </a:p>
+          <a:p>
+            <a:r>
+              <a:rPr lang="en-US" dirty="0"/>
+              <a:t>{} – means fill in this location with a variable</a:t>
+            </a:r>
+          </a:p>
+          <a:p>
+            <a:r>
+              <a:rPr lang="en-US" dirty="0"/>
+              <a:t>{0} – take the first variable in the list, and use that</a:t>
+            </a:r>
+          </a:p>
+          <a:p>
+            <a:r>
+              <a:rPr lang="en-US" dirty="0"/>
+              <a:t>{name} – uses the variable name</a:t>
+            </a:r>
+          </a:p>
+        </p:txBody>
+      </p:sp>
+      <p:sp>
+        <p:nvSpPr>
+          <p:cNvPr id="5" name="Rectangle 4">
+            <a:extLst>
+              <a:ext uri="{FF2B5EF4-FFF2-40B4-BE49-F238E27FC236}">
+                <a16:creationId xmlns:a16="http://schemas.microsoft.com/office/drawing/2014/main" id="{1C71EBB2-9A46-644C-99D4-D23F21950992}"/>
+              </a:ext>
+            </a:extLst>
+          </p:cNvPr>
+          <p:cNvSpPr/>
+          <p:nvPr/>
+        </p:nvSpPr>
+        <p:spPr>
+          <a:xfrm>
+            <a:off x="1034474" y="1537592"/>
+            <a:ext cx="10738425" cy="400110"/>
           </a:xfrm>
           <a:prstGeom prst="rect">
             <a:avLst/>
           </a:prstGeom>
         </p:spPr>
         <p:txBody>
-          <a:bodyPr spcFirstLastPara="1" vert="horz" wrap="square" lIns="91422" tIns="91422" rIns="91422" bIns="91422" rtlCol="0" anchor="b" anchorCtr="0">
-            <a:noAutofit/>
+          <a:bodyPr wrap="square">
+            <a:spAutoFit/>
           </a:bodyPr>
           <a:lstStyle/>
           <a:p>
             <a:r>
-              <a:rPr lang="en"/>
-              <a:t>Pioneer of Compiled Code </a:t>
-            </a:r>
-            <a:endParaRPr dirty="0"/>
+              <a:rPr lang="en-US" dirty="0">
+                <a:solidFill>
+                  <a:srgbClr val="8888C6"/>
+                </a:solidFill>
+                <a:latin typeface="Consolas" panose="020B0609020204030204" pitchFamily="49" charset="0"/>
+                <a:cs typeface="Consolas" panose="020B0609020204030204" pitchFamily="49" charset="0"/>
+              </a:rPr>
+              <a:t>print</a:t>
+            </a:r>
+            <a:r>
+              <a:rPr lang="en-US" dirty="0">
+                <a:latin typeface="Consolas" panose="020B0609020204030204" pitchFamily="49" charset="0"/>
+                <a:cs typeface="Consolas" panose="020B0609020204030204" pitchFamily="49" charset="0"/>
+              </a:rPr>
+              <a:t>(</a:t>
+            </a:r>
+            <a:r>
+              <a:rPr lang="en-US" dirty="0" err="1">
+                <a:latin typeface="Consolas" panose="020B0609020204030204" pitchFamily="49" charset="0"/>
+                <a:cs typeface="Consolas" panose="020B0609020204030204" pitchFamily="49" charset="0"/>
+              </a:rPr>
+              <a:t>finitial</a:t>
+            </a:r>
+            <a:r>
+              <a:rPr lang="en-US" dirty="0">
+                <a:latin typeface="Consolas" panose="020B0609020204030204" pitchFamily="49" charset="0"/>
+                <a:cs typeface="Consolas" panose="020B0609020204030204" pitchFamily="49" charset="0"/>
+              </a:rPr>
+              <a:t> + </a:t>
+            </a:r>
+            <a:r>
+              <a:rPr lang="en-US" dirty="0">
+                <a:solidFill>
+                  <a:srgbClr val="6A8759"/>
+                </a:solidFill>
+                <a:latin typeface="Consolas" panose="020B0609020204030204" pitchFamily="49" charset="0"/>
+                <a:cs typeface="Consolas" panose="020B0609020204030204" pitchFamily="49" charset="0"/>
+              </a:rPr>
+              <a:t>"." </a:t>
+            </a:r>
+            <a:r>
+              <a:rPr lang="en-US" dirty="0">
+                <a:latin typeface="Consolas" panose="020B0609020204030204" pitchFamily="49" charset="0"/>
+                <a:cs typeface="Consolas" panose="020B0609020204030204" pitchFamily="49" charset="0"/>
+              </a:rPr>
+              <a:t>+ </a:t>
+            </a:r>
+            <a:r>
+              <a:rPr lang="en-US" dirty="0" err="1">
+                <a:latin typeface="Consolas" panose="020B0609020204030204" pitchFamily="49" charset="0"/>
+                <a:cs typeface="Consolas" panose="020B0609020204030204" pitchFamily="49" charset="0"/>
+              </a:rPr>
+              <a:t>minitial</a:t>
+            </a:r>
+            <a:r>
+              <a:rPr lang="en-US" dirty="0">
+                <a:latin typeface="Consolas" panose="020B0609020204030204" pitchFamily="49" charset="0"/>
+                <a:cs typeface="Consolas" panose="020B0609020204030204" pitchFamily="49" charset="0"/>
+              </a:rPr>
+              <a:t> + </a:t>
+            </a:r>
+            <a:r>
+              <a:rPr lang="en-US" dirty="0">
+                <a:solidFill>
+                  <a:srgbClr val="6A8759"/>
+                </a:solidFill>
+                <a:latin typeface="Consolas" panose="020B0609020204030204" pitchFamily="49" charset="0"/>
+                <a:cs typeface="Consolas" panose="020B0609020204030204" pitchFamily="49" charset="0"/>
+              </a:rPr>
+              <a:t>". " </a:t>
+            </a:r>
+            <a:r>
+              <a:rPr lang="en-US" dirty="0">
+                <a:latin typeface="Consolas" panose="020B0609020204030204" pitchFamily="49" charset="0"/>
+                <a:cs typeface="Consolas" panose="020B0609020204030204" pitchFamily="49" charset="0"/>
+              </a:rPr>
+              <a:t>+ </a:t>
+            </a:r>
+            <a:r>
+              <a:rPr lang="en-US" dirty="0" err="1">
+                <a:latin typeface="Consolas" panose="020B0609020204030204" pitchFamily="49" charset="0"/>
+                <a:cs typeface="Consolas" panose="020B0609020204030204" pitchFamily="49" charset="0"/>
+              </a:rPr>
+              <a:t>lname</a:t>
+            </a:r>
+            <a:r>
+              <a:rPr lang="en-US" dirty="0">
+                <a:latin typeface="Consolas" panose="020B0609020204030204" pitchFamily="49" charset="0"/>
+                <a:cs typeface="Consolas" panose="020B0609020204030204" pitchFamily="49" charset="0"/>
+              </a:rPr>
+              <a:t> + str(</a:t>
+            </a:r>
+            <a:r>
+              <a:rPr lang="en-US" dirty="0" err="1">
+                <a:latin typeface="Consolas" panose="020B0609020204030204" pitchFamily="49" charset="0"/>
+                <a:cs typeface="Consolas" panose="020B0609020204030204" pitchFamily="49" charset="0"/>
+              </a:rPr>
+              <a:t>len</a:t>
+            </a:r>
+            <a:r>
+              <a:rPr lang="en-US" dirty="0">
+                <a:latin typeface="Consolas" panose="020B0609020204030204" pitchFamily="49" charset="0"/>
+                <a:cs typeface="Consolas" panose="020B0609020204030204" pitchFamily="49" charset="0"/>
+              </a:rPr>
+              <a:t>(</a:t>
+            </a:r>
+            <a:r>
+              <a:rPr lang="en-US" dirty="0" err="1">
+                <a:latin typeface="Consolas" panose="020B0609020204030204" pitchFamily="49" charset="0"/>
+                <a:cs typeface="Consolas" panose="020B0609020204030204" pitchFamily="49" charset="0"/>
+              </a:rPr>
+              <a:t>lname</a:t>
+            </a:r>
+            <a:r>
+              <a:rPr lang="en-US" dirty="0">
+                <a:latin typeface="Consolas" panose="020B0609020204030204" pitchFamily="49" charset="0"/>
+                <a:cs typeface="Consolas" panose="020B0609020204030204" pitchFamily="49" charset="0"/>
+              </a:rPr>
+              <a:t>)))</a:t>
+            </a:r>
+            <a:endParaRPr lang="en-US" dirty="0"/>
           </a:p>
         </p:txBody>
       </p:sp>
       <p:sp>
         <p:nvSpPr>
-          <p:cNvPr id="205" name="Google Shape;205;p41"/>
-          <p:cNvSpPr txBox="1">
-            <a:spLocks noGrp="1"/>
-          </p:cNvSpPr>
-          <p:nvPr>
-            <p:ph type="body" idx="1"/>
-          </p:nvPr>
+          <p:cNvPr id="6" name="Rectangle 5">
+            <a:extLst>
+              <a:ext uri="{FF2B5EF4-FFF2-40B4-BE49-F238E27FC236}">
+                <a16:creationId xmlns:a16="http://schemas.microsoft.com/office/drawing/2014/main" id="{7DFD6745-21F2-454A-9040-19CD789E8C2C}"/>
+              </a:ext>
+            </a:extLst>
+          </p:cNvPr>
+          <p:cNvSpPr/>
+          <p:nvPr/>
         </p:nvSpPr>
         <p:spPr>
           <a:xfrm>
-            <a:off x="628093" y="2009096"/>
-            <a:ext cx="8345867" cy="4753653"/>
+            <a:off x="1034474" y="4918965"/>
+            <a:ext cx="9052213" cy="830997"/>
           </a:xfrm>
           <a:prstGeom prst="rect">
             <a:avLst/>
           </a:prstGeom>
         </p:spPr>
         <p:txBody>
-          <a:bodyPr spcFirstLastPara="1" vert="horz" wrap="square" lIns="91422" tIns="91422" rIns="91422" bIns="91422" rtlCol="0" anchor="t" anchorCtr="0">
-            <a:noAutofit/>
+          <a:bodyPr wrap="square">
+            <a:spAutoFit/>
           </a:bodyPr>
           <a:lstStyle/>
           <a:p>
             <a:r>
-              <a:rPr lang="en">
-                <a:solidFill>
-                  <a:srgbClr val="000000"/>
-                </a:solidFill>
-              </a:rPr>
-              <a:t>Admiral Grace Murray Hopper</a:t>
-            </a:r>
-            <a:endParaRPr dirty="0">
-              <a:solidFill>
-                <a:srgbClr val="000000"/>
-              </a:solidFill>
-            </a:endParaRPr>
-          </a:p>
-          <a:p>
-            <a:pPr lvl="1">
-              <a:spcBef>
-                <a:spcPts val="0"/>
-              </a:spcBef>
-            </a:pPr>
-            <a:r>
-              <a:rPr lang="en">
-                <a:solidFill>
-                  <a:srgbClr val="000000"/>
-                </a:solidFill>
-              </a:rPr>
-              <a:t>Nicknames, Amazing Grace, Grandma COBOL</a:t>
-            </a:r>
-            <a:endParaRPr dirty="0">
-              <a:solidFill>
-                <a:srgbClr val="000000"/>
-              </a:solidFill>
-            </a:endParaRPr>
-          </a:p>
-          <a:p>
-            <a:pPr>
-              <a:spcBef>
-                <a:spcPts val="0"/>
-              </a:spcBef>
-            </a:pPr>
-            <a:r>
-              <a:rPr lang="en">
-                <a:solidFill>
-                  <a:srgbClr val="000000"/>
-                </a:solidFill>
-              </a:rPr>
-              <a:t>Mark I computer</a:t>
-            </a:r>
-            <a:endParaRPr dirty="0">
-              <a:solidFill>
-                <a:srgbClr val="000000"/>
-              </a:solidFill>
-            </a:endParaRPr>
-          </a:p>
-          <a:p>
-            <a:pPr lvl="1">
-              <a:spcBef>
-                <a:spcPts val="0"/>
-              </a:spcBef>
-            </a:pPr>
-            <a:r>
-              <a:rPr lang="en">
-                <a:solidFill>
-                  <a:srgbClr val="000000"/>
-                </a:solidFill>
-              </a:rPr>
-              <a:t>Built by Howard Aiken,</a:t>
-            </a:r>
-            <a:endParaRPr dirty="0">
-              <a:solidFill>
-                <a:srgbClr val="000000"/>
-              </a:solidFill>
-            </a:endParaRPr>
-          </a:p>
-          <a:p>
-            <a:pPr lvl="1">
-              <a:spcBef>
-                <a:spcPts val="0"/>
-              </a:spcBef>
-            </a:pPr>
-            <a:r>
-              <a:rPr lang="en">
-                <a:solidFill>
-                  <a:srgbClr val="000000"/>
-                </a:solidFill>
-              </a:rPr>
-              <a:t>Programming by Grace Murray Hopper (and others). </a:t>
-            </a:r>
-            <a:endParaRPr dirty="0">
-              <a:solidFill>
-                <a:srgbClr val="000000"/>
-              </a:solidFill>
-            </a:endParaRPr>
-          </a:p>
-          <a:p>
-            <a:pPr>
-              <a:spcBef>
-                <a:spcPts val="0"/>
-              </a:spcBef>
-            </a:pPr>
-            <a:r>
-              <a:rPr lang="en">
-                <a:solidFill>
-                  <a:srgbClr val="000000"/>
-                </a:solidFill>
-              </a:rPr>
-              <a:t>Believed programing languages could be</a:t>
-            </a:r>
-            <a:endParaRPr dirty="0">
-              <a:solidFill>
-                <a:srgbClr val="000000"/>
-              </a:solidFill>
-            </a:endParaRPr>
-          </a:p>
-          <a:p>
-            <a:pPr lvl="1">
-              <a:spcBef>
-                <a:spcPts val="0"/>
-              </a:spcBef>
-            </a:pPr>
-            <a:r>
-              <a:rPr lang="en">
-                <a:solidFill>
-                  <a:srgbClr val="000000"/>
-                </a:solidFill>
-              </a:rPr>
-              <a:t>Machine independent</a:t>
-            </a:r>
-            <a:endParaRPr dirty="0">
-              <a:solidFill>
-                <a:srgbClr val="000000"/>
-              </a:solidFill>
-            </a:endParaRPr>
-          </a:p>
-          <a:p>
-            <a:pPr lvl="1">
-              <a:spcBef>
-                <a:spcPts val="0"/>
-              </a:spcBef>
-            </a:pPr>
-            <a:r>
-              <a:rPr lang="en">
-                <a:solidFill>
-                  <a:srgbClr val="000000"/>
-                </a:solidFill>
-              </a:rPr>
-              <a:t>Compiled from English to machine code</a:t>
-            </a:r>
-            <a:endParaRPr dirty="0">
-              <a:solidFill>
-                <a:srgbClr val="000000"/>
-              </a:solidFill>
-            </a:endParaRPr>
-          </a:p>
-          <a:p>
-            <a:pPr lvl="1">
-              <a:spcBef>
-                <a:spcPts val="0"/>
-              </a:spcBef>
-            </a:pPr>
-            <a:r>
-              <a:rPr lang="en">
-                <a:solidFill>
-                  <a:srgbClr val="000000"/>
-                </a:solidFill>
-              </a:rPr>
-              <a:t>Same program, multiple machines</a:t>
-            </a:r>
-            <a:endParaRPr dirty="0">
-              <a:solidFill>
-                <a:srgbClr val="000000"/>
-              </a:solidFill>
-            </a:endParaRPr>
-          </a:p>
-          <a:p>
-            <a:pPr lvl="1">
-              <a:spcBef>
-                <a:spcPts val="0"/>
-              </a:spcBef>
-            </a:pPr>
-            <a:r>
-              <a:rPr lang="en">
-                <a:solidFill>
-                  <a:srgbClr val="000000"/>
-                </a:solidFill>
-              </a:rPr>
-              <a:t>Invented the COBOL language</a:t>
-            </a:r>
-            <a:endParaRPr dirty="0">
-              <a:solidFill>
-                <a:srgbClr val="000000"/>
-              </a:solidFill>
-            </a:endParaRPr>
-          </a:p>
-          <a:p>
-            <a:pPr>
-              <a:spcBef>
-                <a:spcPts val="0"/>
-              </a:spcBef>
-            </a:pPr>
-            <a:r>
-              <a:rPr lang="en">
-                <a:solidFill>
-                  <a:srgbClr val="000000"/>
-                </a:solidFill>
-              </a:rPr>
-              <a:t>Also believed in Automatic Coding:</a:t>
-            </a:r>
-            <a:endParaRPr dirty="0">
-              <a:solidFill>
-                <a:srgbClr val="000000"/>
-              </a:solidFill>
-            </a:endParaRPr>
-          </a:p>
-          <a:p>
-            <a:pPr lvl="1">
-              <a:spcBef>
-                <a:spcPts val="0"/>
-              </a:spcBef>
-            </a:pPr>
-            <a:r>
-              <a:rPr lang="en">
-                <a:solidFill>
-                  <a:srgbClr val="000000"/>
-                </a:solidFill>
-              </a:rPr>
-              <a:t>Code that writes itself - eventually A.I. that writes code for you</a:t>
-            </a:r>
-            <a:endParaRPr dirty="0">
-              <a:solidFill>
-                <a:srgbClr val="000000"/>
-              </a:solidFill>
-            </a:endParaRPr>
-          </a:p>
-          <a:p>
-            <a:pPr lvl="1">
-              <a:spcBef>
-                <a:spcPts val="0"/>
-              </a:spcBef>
-            </a:pPr>
-            <a:r>
-              <a:rPr lang="en">
-                <a:solidFill>
-                  <a:srgbClr val="000000"/>
-                </a:solidFill>
-              </a:rPr>
-              <a:t>Pointed out later in life that “coding” is different than “programming”</a:t>
-            </a:r>
-            <a:endParaRPr dirty="0">
-              <a:solidFill>
-                <a:srgbClr val="000000"/>
-              </a:solidFill>
-            </a:endParaRPr>
-          </a:p>
-          <a:p>
-            <a:pPr>
-              <a:spcBef>
-                <a:spcPts val="0"/>
-              </a:spcBef>
-            </a:pPr>
-            <a:r>
-              <a:rPr lang="en">
-                <a:solidFill>
-                  <a:srgbClr val="000000"/>
-                </a:solidFill>
-              </a:rPr>
-              <a:t>Believed the </a:t>
-            </a:r>
-            <a:r>
-              <a:rPr lang="en" u="sng">
-                <a:solidFill>
-                  <a:srgbClr val="000000"/>
-                </a:solidFill>
-              </a:rPr>
-              <a:t>programmer was greater than the engineer</a:t>
-            </a:r>
-            <a:endParaRPr u="sng" dirty="0">
-              <a:solidFill>
-                <a:srgbClr val="000000"/>
-              </a:solidFill>
-            </a:endParaRPr>
-          </a:p>
-        </p:txBody>
-      </p:sp>
-      <p:pic>
-        <p:nvPicPr>
-          <p:cNvPr id="206" name="Google Shape;206;p41" descr="Commodore Grace M. Hopper, USN (covered).jpg"/>
-          <p:cNvPicPr preferRelativeResize="0"/>
-          <p:nvPr/>
-        </p:nvPicPr>
-        <p:blipFill>
-          <a:blip r:embed="rId3">
-            <a:alphaModFix/>
-          </a:blip>
-          <a:stretch>
-            <a:fillRect/>
-          </a:stretch>
-        </p:blipFill>
-        <p:spPr>
-          <a:xfrm>
-            <a:off x="9239463" y="1920736"/>
-            <a:ext cx="3870598" cy="4842016"/>
-          </a:xfrm>
-          <a:prstGeom prst="rect">
-            <a:avLst/>
-          </a:prstGeom>
-          <a:noFill/>
-          <a:ln>
-            <a:noFill/>
-          </a:ln>
-        </p:spPr>
-      </p:pic>
-      <p:sp>
-        <p:nvSpPr>
-          <p:cNvPr id="207" name="Google Shape;207;p41"/>
-          <p:cNvSpPr txBox="1"/>
-          <p:nvPr/>
-        </p:nvSpPr>
-        <p:spPr>
-          <a:xfrm>
-            <a:off x="9239462" y="6762751"/>
-            <a:ext cx="3870560" cy="608827"/>
-          </a:xfrm>
-          <a:prstGeom prst="rect">
-            <a:avLst/>
-          </a:prstGeom>
-          <a:noFill/>
-          <a:ln>
-            <a:noFill/>
-          </a:ln>
-        </p:spPr>
-        <p:txBody>
-          <a:bodyPr spcFirstLastPara="1" wrap="square" lIns="138153" tIns="138153" rIns="138153" bIns="138153" anchor="ctr" anchorCtr="0">
-            <a:noAutofit/>
-          </a:bodyPr>
-          <a:lstStyle/>
-          <a:p>
-            <a:r>
-              <a:rPr lang="en" sz="1058"/>
-              <a:t>By James S. Davis [Public domain], via Wikimedia Commons. </a:t>
-            </a:r>
-            <a:r>
-              <a:rPr lang="en" sz="1058" u="sng">
-                <a:solidFill>
-                  <a:schemeClr val="hlink"/>
-                </a:solidFill>
-                <a:hlinkClick r:id="rId4"/>
-              </a:rPr>
-              <a:t>Source</a:t>
-            </a:r>
-            <a:endParaRPr sz="1058" dirty="0"/>
+              <a:rPr lang="en-US" sz="1600" dirty="0">
+                <a:latin typeface="Consolas" panose="020B0609020204030204" pitchFamily="49" charset="0"/>
+                <a:cs typeface="Consolas" panose="020B0609020204030204" pitchFamily="49" charset="0"/>
+              </a:rPr>
+              <a:t>combined = </a:t>
+            </a:r>
+            <a:r>
+              <a:rPr lang="en-US" sz="1600" dirty="0">
+                <a:solidFill>
+                  <a:srgbClr val="6A8759"/>
+                </a:solidFill>
+                <a:latin typeface="Consolas" panose="020B0609020204030204" pitchFamily="49" charset="0"/>
+                <a:cs typeface="Consolas" panose="020B0609020204030204" pitchFamily="49" charset="0"/>
+              </a:rPr>
+              <a:t>"{}.{}. {}"</a:t>
+            </a:r>
+            <a:r>
+              <a:rPr lang="en-US" sz="1600" dirty="0">
+                <a:latin typeface="Consolas" panose="020B0609020204030204" pitchFamily="49" charset="0"/>
+                <a:cs typeface="Consolas" panose="020B0609020204030204" pitchFamily="49" charset="0"/>
+              </a:rPr>
+              <a:t>.format(</a:t>
+            </a:r>
+            <a:r>
+              <a:rPr lang="en-US" sz="1600" dirty="0" err="1">
+                <a:latin typeface="Consolas" panose="020B0609020204030204" pitchFamily="49" charset="0"/>
+                <a:cs typeface="Consolas" panose="020B0609020204030204" pitchFamily="49" charset="0"/>
+              </a:rPr>
+              <a:t>finitial</a:t>
+            </a:r>
+            <a:r>
+              <a:rPr lang="en-US" sz="1600" dirty="0">
+                <a:solidFill>
+                  <a:srgbClr val="CC7832"/>
+                </a:solidFill>
+                <a:latin typeface="Consolas" panose="020B0609020204030204" pitchFamily="49" charset="0"/>
+                <a:cs typeface="Consolas" panose="020B0609020204030204" pitchFamily="49" charset="0"/>
+              </a:rPr>
+              <a:t>, </a:t>
+            </a:r>
+            <a:r>
+              <a:rPr lang="en-US" sz="1600" dirty="0" err="1">
+                <a:latin typeface="Consolas" panose="020B0609020204030204" pitchFamily="49" charset="0"/>
+                <a:cs typeface="Consolas" panose="020B0609020204030204" pitchFamily="49" charset="0"/>
+              </a:rPr>
+              <a:t>minitial</a:t>
+            </a:r>
+            <a:r>
+              <a:rPr lang="en-US" sz="1600" dirty="0">
+                <a:solidFill>
+                  <a:srgbClr val="CC7832"/>
+                </a:solidFill>
+                <a:latin typeface="Consolas" panose="020B0609020204030204" pitchFamily="49" charset="0"/>
+                <a:cs typeface="Consolas" panose="020B0609020204030204" pitchFamily="49" charset="0"/>
+              </a:rPr>
+              <a:t>, </a:t>
+            </a:r>
+            <a:r>
+              <a:rPr lang="en-US" sz="1600" dirty="0" err="1">
+                <a:latin typeface="Consolas" panose="020B0609020204030204" pitchFamily="49" charset="0"/>
+                <a:cs typeface="Consolas" panose="020B0609020204030204" pitchFamily="49" charset="0"/>
+              </a:rPr>
+              <a:t>lname</a:t>
+            </a:r>
+            <a:r>
+              <a:rPr lang="en-US" sz="1600" dirty="0">
+                <a:latin typeface="Consolas" panose="020B0609020204030204" pitchFamily="49" charset="0"/>
+                <a:cs typeface="Consolas" panose="020B0609020204030204" pitchFamily="49" charset="0"/>
+              </a:rPr>
+              <a:t>)</a:t>
+            </a:r>
+            <a:br>
+              <a:rPr lang="en-US" sz="1600" dirty="0">
+                <a:latin typeface="Consolas" panose="020B0609020204030204" pitchFamily="49" charset="0"/>
+                <a:cs typeface="Consolas" panose="020B0609020204030204" pitchFamily="49" charset="0"/>
+              </a:rPr>
+            </a:br>
+            <a:r>
+              <a:rPr lang="en-US" sz="1600" dirty="0">
+                <a:latin typeface="Consolas" panose="020B0609020204030204" pitchFamily="49" charset="0"/>
+                <a:cs typeface="Consolas" panose="020B0609020204030204" pitchFamily="49" charset="0"/>
+              </a:rPr>
+              <a:t>message = </a:t>
+            </a:r>
+            <a:r>
+              <a:rPr lang="en-US" sz="1600" dirty="0">
+                <a:solidFill>
+                  <a:srgbClr val="6A8759"/>
+                </a:solidFill>
+                <a:latin typeface="Consolas" panose="020B0609020204030204" pitchFamily="49" charset="0"/>
+                <a:cs typeface="Consolas" panose="020B0609020204030204" pitchFamily="49" charset="0"/>
+              </a:rPr>
+              <a:t>"{name} is {length} </a:t>
+            </a:r>
+            <a:r>
+              <a:rPr lang="en-US" sz="1600" dirty="0" err="1">
+                <a:solidFill>
+                  <a:srgbClr val="6A8759"/>
+                </a:solidFill>
+                <a:latin typeface="Consolas" panose="020B0609020204030204" pitchFamily="49" charset="0"/>
+                <a:cs typeface="Consolas" panose="020B0609020204030204" pitchFamily="49" charset="0"/>
+              </a:rPr>
+              <a:t>long"</a:t>
+            </a:r>
+            <a:r>
+              <a:rPr lang="en-US" sz="1600" dirty="0" err="1">
+                <a:latin typeface="Consolas" panose="020B0609020204030204" pitchFamily="49" charset="0"/>
+                <a:cs typeface="Consolas" panose="020B0609020204030204" pitchFamily="49" charset="0"/>
+              </a:rPr>
+              <a:t>.format</a:t>
+            </a:r>
+            <a:r>
+              <a:rPr lang="en-US" sz="1600" dirty="0">
+                <a:latin typeface="Consolas" panose="020B0609020204030204" pitchFamily="49" charset="0"/>
+                <a:cs typeface="Consolas" panose="020B0609020204030204" pitchFamily="49" charset="0"/>
+              </a:rPr>
+              <a:t>(</a:t>
+            </a:r>
+            <a:r>
+              <a:rPr lang="en-US" sz="1600" dirty="0">
+                <a:solidFill>
+                  <a:srgbClr val="AA4926"/>
+                </a:solidFill>
+                <a:latin typeface="Consolas" panose="020B0609020204030204" pitchFamily="49" charset="0"/>
+                <a:cs typeface="Consolas" panose="020B0609020204030204" pitchFamily="49" charset="0"/>
+              </a:rPr>
+              <a:t>length</a:t>
+            </a:r>
+            <a:r>
+              <a:rPr lang="en-US" sz="1600" dirty="0">
+                <a:latin typeface="Consolas" panose="020B0609020204030204" pitchFamily="49" charset="0"/>
+                <a:cs typeface="Consolas" panose="020B0609020204030204" pitchFamily="49" charset="0"/>
+              </a:rPr>
+              <a:t>=</a:t>
+            </a:r>
+            <a:r>
+              <a:rPr lang="en-US" sz="1600" dirty="0" err="1">
+                <a:solidFill>
+                  <a:srgbClr val="8888C6"/>
+                </a:solidFill>
+                <a:latin typeface="Consolas" panose="020B0609020204030204" pitchFamily="49" charset="0"/>
+                <a:cs typeface="Consolas" panose="020B0609020204030204" pitchFamily="49" charset="0"/>
+              </a:rPr>
+              <a:t>len</a:t>
+            </a:r>
+            <a:r>
+              <a:rPr lang="en-US" sz="1600" dirty="0">
+                <a:latin typeface="Consolas" panose="020B0609020204030204" pitchFamily="49" charset="0"/>
+                <a:cs typeface="Consolas" panose="020B0609020204030204" pitchFamily="49" charset="0"/>
+              </a:rPr>
+              <a:t>(combined)</a:t>
+            </a:r>
+            <a:r>
+              <a:rPr lang="en-US" sz="1600" dirty="0">
+                <a:solidFill>
+                  <a:srgbClr val="CC7832"/>
+                </a:solidFill>
+                <a:latin typeface="Consolas" panose="020B0609020204030204" pitchFamily="49" charset="0"/>
+                <a:cs typeface="Consolas" panose="020B0609020204030204" pitchFamily="49" charset="0"/>
+              </a:rPr>
+              <a:t>, </a:t>
+            </a:r>
+            <a:r>
+              <a:rPr lang="en-US" sz="1600" dirty="0">
+                <a:solidFill>
+                  <a:srgbClr val="AA4926"/>
+                </a:solidFill>
+                <a:latin typeface="Consolas" panose="020B0609020204030204" pitchFamily="49" charset="0"/>
+                <a:cs typeface="Consolas" panose="020B0609020204030204" pitchFamily="49" charset="0"/>
+              </a:rPr>
+              <a:t>name</a:t>
+            </a:r>
+            <a:r>
+              <a:rPr lang="en-US" sz="1600" dirty="0">
+                <a:latin typeface="Consolas" panose="020B0609020204030204" pitchFamily="49" charset="0"/>
+                <a:cs typeface="Consolas" panose="020B0609020204030204" pitchFamily="49" charset="0"/>
+              </a:rPr>
+              <a:t>=combined)</a:t>
+            </a:r>
+            <a:br>
+              <a:rPr lang="en-US" sz="1600" dirty="0">
+                <a:latin typeface="Consolas" panose="020B0609020204030204" pitchFamily="49" charset="0"/>
+                <a:cs typeface="Consolas" panose="020B0609020204030204" pitchFamily="49" charset="0"/>
+              </a:rPr>
+            </a:br>
+            <a:r>
+              <a:rPr lang="en-US" sz="1600" dirty="0">
+                <a:solidFill>
+                  <a:srgbClr val="8888C6"/>
+                </a:solidFill>
+                <a:latin typeface="Consolas" panose="020B0609020204030204" pitchFamily="49" charset="0"/>
+                <a:cs typeface="Consolas" panose="020B0609020204030204" pitchFamily="49" charset="0"/>
+              </a:rPr>
+              <a:t>print</a:t>
+            </a:r>
+            <a:r>
+              <a:rPr lang="en-US" sz="1600" dirty="0">
+                <a:latin typeface="Consolas" panose="020B0609020204030204" pitchFamily="49" charset="0"/>
+                <a:cs typeface="Consolas" panose="020B0609020204030204" pitchFamily="49" charset="0"/>
+              </a:rPr>
+              <a:t>(message)</a:t>
+            </a:r>
           </a:p>
         </p:txBody>
       </p:sp>
     </p:spTree>
+    <p:extLst>
+      <p:ext uri="{BB962C8B-B14F-4D97-AF65-F5344CB8AC3E}">
+        <p14:creationId xmlns:p14="http://schemas.microsoft.com/office/powerpoint/2010/main" val="2892209983"/>
+      </p:ext>
+    </p:extLst>
   </p:cSld>
   <p:clrMapOvr>
     <a:masterClrMapping/>
   </p:clrMapOvr>
+  <mc:AlternateContent xmlns:mc="http://schemas.openxmlformats.org/markup-compatibility/2006" xmlns:p14="http://schemas.microsoft.com/office/powerpoint/2010/main">
+    <mc:Choice Requires="p14">
+      <p:transition p14:dur="300">
+        <p:fade/>
+      </p:transition>
+    </mc:Choice>
+    <mc:Fallback xmlns="">
+      <p:transition>
+        <p:fade/>
+      </p:transition>
+    </mc:Fallback>
+  </mc:AlternateContent>
 </p:sld>
 </file>
 
@@ -8223,7 +8299,7 @@
   <p:cSld>
     <p:spTree>
       <p:nvGrpSpPr>
-        <p:cNvPr id="1" name="Shape 211"/>
+        <p:cNvPr id="1" name=""/>
         <p:cNvGrpSpPr/>
         <p:nvPr/>
       </p:nvGrpSpPr>
@@ -8237,563 +8313,1282 @@
       </p:grpSpPr>
       <p:sp>
         <p:nvSpPr>
-          <p:cNvPr id="212" name="Google Shape;212;p42"/>
-          <p:cNvSpPr txBox="1">
+          <p:cNvPr id="2" name="Title 1">
+            <a:extLst>
+              <a:ext uri="{FF2B5EF4-FFF2-40B4-BE49-F238E27FC236}">
+                <a16:creationId xmlns:a16="http://schemas.microsoft.com/office/drawing/2014/main" id="{3B83A2FE-E558-6A4B-B512-7F1183B63E55}"/>
+              </a:ext>
+            </a:extLst>
+          </p:cNvPr>
+          <p:cNvSpPr>
             <a:spLocks noGrp="1"/>
           </p:cNvSpPr>
           <p:nvPr>
             <p:ph type="title"/>
           </p:nvPr>
         </p:nvSpPr>
+        <p:spPr/>
+        <p:txBody>
+          <a:bodyPr/>
+          <a:lstStyle/>
+          <a:p>
+            <a:r>
+              <a:rPr lang="en-US" dirty="0"/>
+              <a:t>Formatting Numbers?</a:t>
+            </a:r>
+          </a:p>
+        </p:txBody>
+      </p:sp>
+      <p:sp>
+        <p:nvSpPr>
+          <p:cNvPr id="3" name="Text Placeholder 2">
+            <a:extLst>
+              <a:ext uri="{FF2B5EF4-FFF2-40B4-BE49-F238E27FC236}">
+                <a16:creationId xmlns:a16="http://schemas.microsoft.com/office/drawing/2014/main" id="{033187C7-F2AB-3246-98E5-87E8257D7849}"/>
+              </a:ext>
+            </a:extLst>
+          </p:cNvPr>
+          <p:cNvSpPr>
+            <a:spLocks noGrp="1"/>
+          </p:cNvSpPr>
+          <p:nvPr>
+            <p:ph type="body" sz="quarter" idx="10"/>
+          </p:nvPr>
+        </p:nvSpPr>
         <p:spPr>
           <a:xfrm>
-            <a:off x="628075" y="751389"/>
-            <a:ext cx="12561413" cy="1015467"/>
+            <a:off x="628075" y="1776682"/>
+            <a:ext cx="4858325" cy="967637"/>
+          </a:xfrm>
+        </p:spPr>
+        <p:txBody>
+          <a:bodyPr/>
+          <a:lstStyle/>
+          <a:p>
+            <a:r>
+              <a:rPr lang="en-US" dirty="0"/>
+              <a:t>:d and :.</a:t>
+            </a:r>
+            <a:r>
+              <a:rPr lang="en-US" dirty="0" err="1"/>
+              <a:t>nf</a:t>
+            </a:r>
+            <a:r>
+              <a:rPr lang="en-US" dirty="0"/>
+              <a:t> are most common</a:t>
+            </a:r>
+          </a:p>
+          <a:p>
+            <a:r>
+              <a:rPr lang="en-US" dirty="0"/>
+              <a:t>especially for precents!</a:t>
+            </a:r>
+          </a:p>
+        </p:txBody>
+      </p:sp>
+      <p:pic>
+        <p:nvPicPr>
+          <p:cNvPr id="4" name="Picture 3">
+            <a:extLst>
+              <a:ext uri="{FF2B5EF4-FFF2-40B4-BE49-F238E27FC236}">
+                <a16:creationId xmlns:a16="http://schemas.microsoft.com/office/drawing/2014/main" id="{717E43FF-D470-FE4D-BE1B-70B576974989}"/>
+              </a:ext>
+            </a:extLst>
+          </p:cNvPr>
+          <p:cNvPicPr>
+            <a:picLocks noChangeAspect="1"/>
+          </p:cNvPicPr>
+          <p:nvPr/>
+        </p:nvPicPr>
+        <p:blipFill>
+          <a:blip r:embed="rId2"/>
+          <a:stretch>
+            <a:fillRect/>
+          </a:stretch>
+        </p:blipFill>
+        <p:spPr>
+          <a:xfrm>
+            <a:off x="6908800" y="1350000"/>
+            <a:ext cx="5981700" cy="3044793"/>
+          </a:xfrm>
+          <a:prstGeom prst="rect">
+            <a:avLst/>
+          </a:prstGeom>
+        </p:spPr>
+      </p:pic>
+      <p:sp>
+        <p:nvSpPr>
+          <p:cNvPr id="5" name="Rectangle 4">
+            <a:extLst>
+              <a:ext uri="{FF2B5EF4-FFF2-40B4-BE49-F238E27FC236}">
+                <a16:creationId xmlns:a16="http://schemas.microsoft.com/office/drawing/2014/main" id="{B15A0681-D38E-C241-8D5D-AD60FDA94218}"/>
+              </a:ext>
+            </a:extLst>
+          </p:cNvPr>
+          <p:cNvSpPr/>
+          <p:nvPr/>
+        </p:nvSpPr>
+        <p:spPr>
+          <a:xfrm>
+            <a:off x="368300" y="2872397"/>
+            <a:ext cx="6908800" cy="923330"/>
           </a:xfrm>
           <a:prstGeom prst="rect">
             <a:avLst/>
           </a:prstGeom>
         </p:spPr>
         <p:txBody>
-          <a:bodyPr spcFirstLastPara="1" vert="horz" wrap="square" lIns="91422" tIns="91422" rIns="91422" bIns="91422" rtlCol="0" anchor="b" anchorCtr="0">
-            <a:noAutofit/>
+          <a:bodyPr>
+            <a:spAutoFit/>
           </a:bodyPr>
           <a:lstStyle/>
           <a:p>
             <a:r>
-              <a:rPr lang="en"/>
-              <a:t>Automatic Coding vs. Programming?</a:t>
-            </a:r>
-            <a:endParaRPr dirty="0"/>
+              <a:rPr lang="en-US" sz="1800" dirty="0" err="1">
+                <a:latin typeface="Consolas" panose="020B0609020204030204" pitchFamily="49" charset="0"/>
+                <a:cs typeface="Consolas" panose="020B0609020204030204" pitchFamily="49" charset="0"/>
+              </a:rPr>
+              <a:t>thirty_three</a:t>
+            </a:r>
+            <a:r>
+              <a:rPr lang="en-US" sz="1800" dirty="0">
+                <a:latin typeface="Consolas" panose="020B0609020204030204" pitchFamily="49" charset="0"/>
+                <a:cs typeface="Consolas" panose="020B0609020204030204" pitchFamily="49" charset="0"/>
+              </a:rPr>
+              <a:t> = </a:t>
+            </a:r>
+            <a:r>
+              <a:rPr lang="en-US" sz="1800" dirty="0">
+                <a:solidFill>
+                  <a:srgbClr val="6897BB"/>
+                </a:solidFill>
+                <a:latin typeface="Consolas" panose="020B0609020204030204" pitchFamily="49" charset="0"/>
+                <a:cs typeface="Consolas" panose="020B0609020204030204" pitchFamily="49" charset="0"/>
+              </a:rPr>
+              <a:t>1</a:t>
+            </a:r>
+            <a:r>
+              <a:rPr lang="en-US" sz="1800" dirty="0">
+                <a:latin typeface="Consolas" panose="020B0609020204030204" pitchFamily="49" charset="0"/>
+                <a:cs typeface="Consolas" panose="020B0609020204030204" pitchFamily="49" charset="0"/>
+              </a:rPr>
+              <a:t>/</a:t>
+            </a:r>
+            <a:r>
+              <a:rPr lang="en-US" sz="1800" dirty="0">
+                <a:solidFill>
+                  <a:srgbClr val="6897BB"/>
+                </a:solidFill>
+                <a:latin typeface="Consolas" panose="020B0609020204030204" pitchFamily="49" charset="0"/>
+                <a:cs typeface="Consolas" panose="020B0609020204030204" pitchFamily="49" charset="0"/>
+              </a:rPr>
+              <a:t>3 </a:t>
+            </a:r>
+            <a:r>
+              <a:rPr lang="en-US" sz="1800" dirty="0">
+                <a:latin typeface="Consolas" panose="020B0609020204030204" pitchFamily="49" charset="0"/>
+                <a:cs typeface="Consolas" panose="020B0609020204030204" pitchFamily="49" charset="0"/>
+              </a:rPr>
+              <a:t>* </a:t>
+            </a:r>
+            <a:r>
+              <a:rPr lang="en-US" sz="1800" dirty="0">
+                <a:solidFill>
+                  <a:srgbClr val="6897BB"/>
+                </a:solidFill>
+                <a:latin typeface="Consolas" panose="020B0609020204030204" pitchFamily="49" charset="0"/>
+                <a:cs typeface="Consolas" panose="020B0609020204030204" pitchFamily="49" charset="0"/>
+              </a:rPr>
+              <a:t>100</a:t>
+            </a:r>
+            <a:br>
+              <a:rPr lang="en-US" sz="1800" dirty="0">
+                <a:solidFill>
+                  <a:srgbClr val="6897BB"/>
+                </a:solidFill>
+                <a:latin typeface="Consolas" panose="020B0609020204030204" pitchFamily="49" charset="0"/>
+                <a:cs typeface="Consolas" panose="020B0609020204030204" pitchFamily="49" charset="0"/>
+              </a:rPr>
+            </a:br>
+            <a:r>
+              <a:rPr lang="en-US" sz="1800" dirty="0">
+                <a:solidFill>
+                  <a:srgbClr val="8888C6"/>
+                </a:solidFill>
+                <a:latin typeface="Consolas" panose="020B0609020204030204" pitchFamily="49" charset="0"/>
+                <a:cs typeface="Consolas" panose="020B0609020204030204" pitchFamily="49" charset="0"/>
+              </a:rPr>
+              <a:t>print</a:t>
+            </a:r>
+            <a:r>
+              <a:rPr lang="en-US" sz="1800" dirty="0">
+                <a:latin typeface="Consolas" panose="020B0609020204030204" pitchFamily="49" charset="0"/>
+                <a:cs typeface="Consolas" panose="020B0609020204030204" pitchFamily="49" charset="0"/>
+              </a:rPr>
+              <a:t>(</a:t>
+            </a:r>
+            <a:r>
+              <a:rPr lang="en-US" sz="1800" dirty="0">
+                <a:solidFill>
+                  <a:srgbClr val="8888C6"/>
+                </a:solidFill>
+                <a:latin typeface="Consolas" panose="020B0609020204030204" pitchFamily="49" charset="0"/>
+                <a:cs typeface="Consolas" panose="020B0609020204030204" pitchFamily="49" charset="0"/>
+              </a:rPr>
+              <a:t>str</a:t>
+            </a:r>
+            <a:r>
+              <a:rPr lang="en-US" sz="1800" dirty="0">
+                <a:latin typeface="Consolas" panose="020B0609020204030204" pitchFamily="49" charset="0"/>
+                <a:cs typeface="Consolas" panose="020B0609020204030204" pitchFamily="49" charset="0"/>
+              </a:rPr>
+              <a:t>(</a:t>
+            </a:r>
+            <a:r>
+              <a:rPr lang="en-US" sz="1800" dirty="0" err="1">
+                <a:latin typeface="Consolas" panose="020B0609020204030204" pitchFamily="49" charset="0"/>
+                <a:cs typeface="Consolas" panose="020B0609020204030204" pitchFamily="49" charset="0"/>
+              </a:rPr>
+              <a:t>thirty_three</a:t>
+            </a:r>
+            <a:r>
+              <a:rPr lang="en-US" sz="1800" dirty="0">
+                <a:latin typeface="Consolas" panose="020B0609020204030204" pitchFamily="49" charset="0"/>
+                <a:cs typeface="Consolas" panose="020B0609020204030204" pitchFamily="49" charset="0"/>
+              </a:rPr>
+              <a:t>) + </a:t>
+            </a:r>
+            <a:r>
+              <a:rPr lang="en-US" sz="1800" dirty="0">
+                <a:solidFill>
+                  <a:srgbClr val="6A8759"/>
+                </a:solidFill>
+                <a:latin typeface="Consolas" panose="020B0609020204030204" pitchFamily="49" charset="0"/>
+                <a:cs typeface="Consolas" panose="020B0609020204030204" pitchFamily="49" charset="0"/>
+              </a:rPr>
+              <a:t>"%"</a:t>
+            </a:r>
+            <a:r>
+              <a:rPr lang="en-US" sz="1800" dirty="0">
+                <a:latin typeface="Consolas" panose="020B0609020204030204" pitchFamily="49" charset="0"/>
+                <a:cs typeface="Consolas" panose="020B0609020204030204" pitchFamily="49" charset="0"/>
+              </a:rPr>
+              <a:t>)</a:t>
+            </a:r>
+            <a:br>
+              <a:rPr lang="en-US" sz="1800" dirty="0">
+                <a:latin typeface="Consolas" panose="020B0609020204030204" pitchFamily="49" charset="0"/>
+                <a:cs typeface="Consolas" panose="020B0609020204030204" pitchFamily="49" charset="0"/>
+              </a:rPr>
+            </a:br>
+            <a:r>
+              <a:rPr lang="en-US" sz="1800" dirty="0">
+                <a:solidFill>
+                  <a:srgbClr val="8888C6"/>
+                </a:solidFill>
+                <a:latin typeface="Consolas" panose="020B0609020204030204" pitchFamily="49" charset="0"/>
+                <a:cs typeface="Consolas" panose="020B0609020204030204" pitchFamily="49" charset="0"/>
+              </a:rPr>
+              <a:t>print</a:t>
+            </a:r>
+            <a:r>
+              <a:rPr lang="en-US" sz="1800" dirty="0">
+                <a:latin typeface="Consolas" panose="020B0609020204030204" pitchFamily="49" charset="0"/>
+                <a:cs typeface="Consolas" panose="020B0609020204030204" pitchFamily="49" charset="0"/>
+              </a:rPr>
+              <a:t>(</a:t>
+            </a:r>
+            <a:r>
+              <a:rPr lang="en-US" sz="1800" dirty="0">
+                <a:solidFill>
+                  <a:srgbClr val="6A8759"/>
+                </a:solidFill>
+                <a:latin typeface="Consolas" panose="020B0609020204030204" pitchFamily="49" charset="0"/>
+                <a:cs typeface="Consolas" panose="020B0609020204030204" pitchFamily="49" charset="0"/>
+              </a:rPr>
+              <a:t>"{:.2f}%"</a:t>
+            </a:r>
+            <a:r>
+              <a:rPr lang="en-US" sz="1800" dirty="0">
+                <a:latin typeface="Consolas" panose="020B0609020204030204" pitchFamily="49" charset="0"/>
+                <a:cs typeface="Consolas" panose="020B0609020204030204" pitchFamily="49" charset="0"/>
+              </a:rPr>
+              <a:t>.format(</a:t>
+            </a:r>
+            <a:r>
+              <a:rPr lang="en-US" sz="1800" dirty="0" err="1">
+                <a:latin typeface="Consolas" panose="020B0609020204030204" pitchFamily="49" charset="0"/>
+                <a:cs typeface="Consolas" panose="020B0609020204030204" pitchFamily="49" charset="0"/>
+              </a:rPr>
+              <a:t>thirty_three</a:t>
+            </a:r>
+            <a:r>
+              <a:rPr lang="en-US" sz="1800" dirty="0">
+                <a:latin typeface="Consolas" panose="020B0609020204030204" pitchFamily="49" charset="0"/>
+                <a:cs typeface="Consolas" panose="020B0609020204030204" pitchFamily="49" charset="0"/>
+              </a:rPr>
+              <a:t>))</a:t>
+            </a:r>
           </a:p>
         </p:txBody>
       </p:sp>
       <p:sp>
         <p:nvSpPr>
-          <p:cNvPr id="213" name="Google Shape;213;p42"/>
-          <p:cNvSpPr txBox="1">
-            <a:spLocks noGrp="1"/>
-          </p:cNvSpPr>
-          <p:nvPr>
-            <p:ph type="body" idx="1"/>
-          </p:nvPr>
+          <p:cNvPr id="6" name="Rectangle 5">
+            <a:extLst>
+              <a:ext uri="{FF2B5EF4-FFF2-40B4-BE49-F238E27FC236}">
+                <a16:creationId xmlns:a16="http://schemas.microsoft.com/office/drawing/2014/main" id="{AAB0B331-A9D0-D04E-A42A-61EB698A86C1}"/>
+              </a:ext>
+            </a:extLst>
+          </p:cNvPr>
+          <p:cNvSpPr/>
+          <p:nvPr/>
         </p:nvSpPr>
         <p:spPr>
           <a:xfrm>
-            <a:off x="673590" y="1976043"/>
-            <a:ext cx="5505733" cy="4597707"/>
+            <a:off x="952500" y="4152994"/>
+            <a:ext cx="3695700" cy="707886"/>
           </a:xfrm>
           <a:prstGeom prst="rect">
             <a:avLst/>
           </a:prstGeom>
         </p:spPr>
         <p:txBody>
-          <a:bodyPr spcFirstLastPara="1" vert="horz" wrap="square" lIns="91422" tIns="91422" rIns="91422" bIns="91422" rtlCol="0" anchor="t" anchorCtr="0">
-            <a:noAutofit/>
+          <a:bodyPr wrap="square">
+            <a:spAutoFit/>
           </a:bodyPr>
           <a:lstStyle/>
           <a:p>
             <a:r>
-              <a:rPr lang="en" dirty="0">
-                <a:solidFill>
-                  <a:srgbClr val="000000"/>
-                </a:solidFill>
-              </a:rPr>
-              <a:t>Coding </a:t>
-            </a:r>
-            <a:endParaRPr dirty="0">
-              <a:solidFill>
-                <a:srgbClr val="000000"/>
-              </a:solidFill>
-            </a:endParaRPr>
-          </a:p>
-          <a:p>
-            <a:pPr lvl="1">
-              <a:spcBef>
-                <a:spcPts val="0"/>
-              </a:spcBef>
-            </a:pPr>
-            <a:r>
-              <a:rPr lang="en" dirty="0">
-                <a:solidFill>
-                  <a:srgbClr val="000000"/>
-                </a:solidFill>
-              </a:rPr>
-              <a:t>Syntax</a:t>
-            </a:r>
-            <a:endParaRPr dirty="0">
-              <a:solidFill>
-                <a:srgbClr val="000000"/>
-              </a:solidFill>
-            </a:endParaRPr>
-          </a:p>
-          <a:p>
-            <a:pPr lvl="1">
-              <a:spcBef>
-                <a:spcPts val="0"/>
-              </a:spcBef>
-            </a:pPr>
-            <a:r>
-              <a:rPr lang="en" dirty="0">
-                <a:solidFill>
-                  <a:srgbClr val="000000"/>
-                </a:solidFill>
-              </a:rPr>
-              <a:t>How you do something</a:t>
-            </a:r>
-            <a:endParaRPr dirty="0">
-              <a:solidFill>
-                <a:srgbClr val="000000"/>
-              </a:solidFill>
-            </a:endParaRPr>
-          </a:p>
-          <a:p>
-            <a:pPr lvl="1">
-              <a:spcBef>
-                <a:spcPts val="0"/>
-              </a:spcBef>
-            </a:pPr>
-            <a:r>
-              <a:rPr lang="en" dirty="0">
-                <a:solidFill>
-                  <a:srgbClr val="000000"/>
-                </a:solidFill>
-              </a:rPr>
-              <a:t>What you are doing in this class</a:t>
-            </a:r>
-            <a:endParaRPr dirty="0">
-              <a:solidFill>
-                <a:srgbClr val="000000"/>
-              </a:solidFill>
-            </a:endParaRPr>
-          </a:p>
-          <a:p>
-            <a:pPr lvl="1">
-              <a:spcBef>
-                <a:spcPts val="0"/>
-              </a:spcBef>
-            </a:pPr>
-            <a:r>
-              <a:rPr lang="en" dirty="0">
-                <a:solidFill>
-                  <a:srgbClr val="000000"/>
-                </a:solidFill>
-              </a:rPr>
-              <a:t>It follows specific rules</a:t>
-            </a:r>
-            <a:endParaRPr dirty="0">
-              <a:solidFill>
-                <a:srgbClr val="000000"/>
-              </a:solidFill>
-            </a:endParaRPr>
-          </a:p>
-          <a:p>
-            <a:pPr lvl="1">
-              <a:spcBef>
-                <a:spcPts val="0"/>
-              </a:spcBef>
-            </a:pPr>
-            <a:r>
-              <a:rPr lang="en" dirty="0">
-                <a:solidFill>
-                  <a:srgbClr val="000000"/>
-                </a:solidFill>
-              </a:rPr>
-              <a:t>Can be self-taught</a:t>
-            </a:r>
-            <a:endParaRPr dirty="0">
-              <a:solidFill>
-                <a:srgbClr val="000000"/>
-              </a:solidFill>
-            </a:endParaRPr>
-          </a:p>
-          <a:p>
-            <a:pPr>
-              <a:spcBef>
-                <a:spcPts val="0"/>
-              </a:spcBef>
-            </a:pPr>
-            <a:r>
-              <a:rPr lang="en" dirty="0">
-                <a:solidFill>
-                  <a:srgbClr val="000000"/>
-                </a:solidFill>
-              </a:rPr>
-              <a:t>Programming</a:t>
-            </a:r>
-            <a:endParaRPr dirty="0">
-              <a:solidFill>
-                <a:srgbClr val="000000"/>
-              </a:solidFill>
-            </a:endParaRPr>
-          </a:p>
-          <a:p>
-            <a:pPr lvl="1">
-              <a:spcBef>
-                <a:spcPts val="0"/>
-              </a:spcBef>
-            </a:pPr>
-            <a:r>
-              <a:rPr lang="en" dirty="0">
-                <a:solidFill>
-                  <a:srgbClr val="000000"/>
-                </a:solidFill>
-              </a:rPr>
-              <a:t>Design</a:t>
-            </a:r>
-            <a:endParaRPr dirty="0">
-              <a:solidFill>
-                <a:srgbClr val="000000"/>
-              </a:solidFill>
-            </a:endParaRPr>
-          </a:p>
-          <a:p>
-            <a:pPr lvl="1">
-              <a:spcBef>
-                <a:spcPts val="0"/>
-              </a:spcBef>
-            </a:pPr>
-            <a:r>
-              <a:rPr lang="en" dirty="0">
-                <a:solidFill>
-                  <a:srgbClr val="000000"/>
-                </a:solidFill>
-              </a:rPr>
-              <a:t>Theory</a:t>
-            </a:r>
-            <a:endParaRPr dirty="0">
-              <a:solidFill>
-                <a:srgbClr val="000000"/>
-              </a:solidFill>
-            </a:endParaRPr>
-          </a:p>
-          <a:p>
-            <a:pPr lvl="1">
-              <a:spcBef>
-                <a:spcPts val="0"/>
-              </a:spcBef>
-            </a:pPr>
-            <a:r>
-              <a:rPr lang="en" dirty="0">
-                <a:solidFill>
-                  <a:srgbClr val="000000"/>
-                </a:solidFill>
-              </a:rPr>
-              <a:t>Specification</a:t>
-            </a:r>
-            <a:endParaRPr dirty="0">
-              <a:solidFill>
-                <a:srgbClr val="000000"/>
-              </a:solidFill>
-            </a:endParaRPr>
-          </a:p>
-          <a:p>
-            <a:pPr lvl="1">
-              <a:spcBef>
-                <a:spcPts val="0"/>
-              </a:spcBef>
-            </a:pPr>
-            <a:r>
-              <a:rPr lang="en" dirty="0">
-                <a:solidFill>
-                  <a:srgbClr val="000000"/>
-                </a:solidFill>
-              </a:rPr>
-              <a:t>It requires the creative component</a:t>
-            </a:r>
-            <a:endParaRPr dirty="0">
-              <a:solidFill>
-                <a:srgbClr val="000000"/>
-              </a:solidFill>
-            </a:endParaRPr>
+              <a:rPr lang="en-US" dirty="0"/>
+              <a:t>33.33333333333333%</a:t>
+            </a:r>
+          </a:p>
+          <a:p>
+            <a:r>
+              <a:rPr lang="en-US" dirty="0"/>
+              <a:t>33.33%</a:t>
+            </a:r>
           </a:p>
         </p:txBody>
       </p:sp>
       <p:sp>
         <p:nvSpPr>
-          <p:cNvPr id="214" name="Google Shape;214;p42"/>
+          <p:cNvPr id="7" name="Text Placeholder 2">
+            <a:extLst>
+              <a:ext uri="{FF2B5EF4-FFF2-40B4-BE49-F238E27FC236}">
+                <a16:creationId xmlns:a16="http://schemas.microsoft.com/office/drawing/2014/main" id="{0B992BD9-AB64-6144-89C6-BC4D39D6C175}"/>
+              </a:ext>
+            </a:extLst>
+          </p:cNvPr>
+          <p:cNvSpPr txBox="1">
+            <a:spLocks/>
+          </p:cNvSpPr>
+          <p:nvPr/>
+        </p:nvSpPr>
+        <p:spPr>
+          <a:xfrm>
+            <a:off x="628075" y="4860880"/>
+            <a:ext cx="5188525" cy="857671"/>
+          </a:xfrm>
+          <a:prstGeom prst="rect">
+            <a:avLst/>
+          </a:prstGeom>
+        </p:spPr>
+        <p:txBody>
+          <a:bodyPr vert="horz" wrap="square" lIns="91440" tIns="91440" rIns="91440" bIns="91440" rtlCol="0">
+            <a:spAutoFit/>
+          </a:bodyPr>
+          <a:lstStyle>
+            <a:lvl1pPr marL="524712" indent="-524712" algn="l" defTabSz="699614" rtl="0" eaLnBrk="1" latinLnBrk="0" hangingPunct="1">
+              <a:lnSpc>
+                <a:spcPct val="120000"/>
+              </a:lnSpc>
+              <a:spcBef>
+                <a:spcPts val="600"/>
+              </a:spcBef>
+              <a:spcAft>
+                <a:spcPts val="600"/>
+              </a:spcAft>
+              <a:buFont typeface="Arial"/>
+              <a:buChar char="•"/>
+              <a:defRPr sz="1800" b="0" i="0" kern="1200">
+                <a:solidFill>
+                  <a:srgbClr val="092529"/>
+                </a:solidFill>
+                <a:latin typeface="Proxima Nova" charset="0"/>
+                <a:ea typeface="Proxima Nova" charset="0"/>
+                <a:cs typeface="Proxima Nova" charset="0"/>
+              </a:defRPr>
+            </a:lvl1pPr>
+            <a:lvl2pPr marL="1136875" indent="-437261" algn="l" defTabSz="699614" rtl="0" eaLnBrk="1" latinLnBrk="0" hangingPunct="1">
+              <a:lnSpc>
+                <a:spcPct val="120000"/>
+              </a:lnSpc>
+              <a:spcBef>
+                <a:spcPts val="0"/>
+              </a:spcBef>
+              <a:spcAft>
+                <a:spcPts val="600"/>
+              </a:spcAft>
+              <a:buFont typeface="Arial"/>
+              <a:buChar char="–"/>
+              <a:defRPr sz="1600" b="0" i="0" kern="1200">
+                <a:solidFill>
+                  <a:srgbClr val="092529"/>
+                </a:solidFill>
+                <a:latin typeface="Proxima Nova" charset="0"/>
+                <a:ea typeface="Proxima Nova" charset="0"/>
+                <a:cs typeface="Proxima Nova" charset="0"/>
+              </a:defRPr>
+            </a:lvl2pPr>
+            <a:lvl3pPr marL="1749040" indent="-349807" algn="l" defTabSz="699614" rtl="0" eaLnBrk="1" latinLnBrk="0" hangingPunct="1">
+              <a:lnSpc>
+                <a:spcPct val="120000"/>
+              </a:lnSpc>
+              <a:spcBef>
+                <a:spcPts val="0"/>
+              </a:spcBef>
+              <a:spcAft>
+                <a:spcPts val="600"/>
+              </a:spcAft>
+              <a:buFont typeface="Arial"/>
+              <a:buChar char="•"/>
+              <a:defRPr sz="1600" b="0" i="0" kern="1200">
+                <a:solidFill>
+                  <a:srgbClr val="092529"/>
+                </a:solidFill>
+                <a:latin typeface="Proxima Nova" charset="0"/>
+                <a:ea typeface="Proxima Nova" charset="0"/>
+                <a:cs typeface="Proxima Nova" charset="0"/>
+              </a:defRPr>
+            </a:lvl3pPr>
+            <a:lvl4pPr marL="2448655" indent="-349807" algn="l" defTabSz="699614" rtl="0" eaLnBrk="1" latinLnBrk="0" hangingPunct="1">
+              <a:lnSpc>
+                <a:spcPct val="120000"/>
+              </a:lnSpc>
+              <a:spcBef>
+                <a:spcPts val="0"/>
+              </a:spcBef>
+              <a:spcAft>
+                <a:spcPts val="600"/>
+              </a:spcAft>
+              <a:buFont typeface="Arial"/>
+              <a:buChar char="–"/>
+              <a:defRPr sz="1600" b="0" i="0" kern="1200">
+                <a:solidFill>
+                  <a:srgbClr val="092529"/>
+                </a:solidFill>
+                <a:latin typeface="Proxima Nova" charset="0"/>
+                <a:ea typeface="Proxima Nova" charset="0"/>
+                <a:cs typeface="Proxima Nova" charset="0"/>
+              </a:defRPr>
+            </a:lvl4pPr>
+            <a:lvl5pPr marL="3148272" indent="-349807" algn="l" defTabSz="699614" rtl="0" eaLnBrk="1" latinLnBrk="0" hangingPunct="1">
+              <a:spcBef>
+                <a:spcPct val="20000"/>
+              </a:spcBef>
+              <a:buFont typeface="Arial"/>
+              <a:buChar char="»"/>
+              <a:defRPr sz="1648" b="0" kern="1200">
+                <a:solidFill>
+                  <a:srgbClr val="092529"/>
+                </a:solidFill>
+                <a:latin typeface="Franklin Gothic Book" charset="0"/>
+                <a:ea typeface="Franklin Gothic Book" charset="0"/>
+                <a:cs typeface="Franklin Gothic Book" charset="0"/>
+              </a:defRPr>
+            </a:lvl5pPr>
+            <a:lvl6pPr marL="3847888" indent="-349807" algn="l" defTabSz="699614" rtl="0" eaLnBrk="1" latinLnBrk="0" hangingPunct="1">
+              <a:spcBef>
+                <a:spcPct val="20000"/>
+              </a:spcBef>
+              <a:buFont typeface="Arial"/>
+              <a:buChar char="•"/>
+              <a:defRPr sz="3022" kern="1200">
+                <a:solidFill>
+                  <a:schemeClr val="tx1"/>
+                </a:solidFill>
+                <a:latin typeface="+mn-lt"/>
+                <a:ea typeface="+mn-ea"/>
+                <a:cs typeface="+mn-cs"/>
+              </a:defRPr>
+            </a:lvl6pPr>
+            <a:lvl7pPr marL="4547505" indent="-349807" algn="l" defTabSz="699614" rtl="0" eaLnBrk="1" latinLnBrk="0" hangingPunct="1">
+              <a:spcBef>
+                <a:spcPct val="20000"/>
+              </a:spcBef>
+              <a:buFont typeface="Arial"/>
+              <a:buChar char="•"/>
+              <a:defRPr sz="3022" kern="1200">
+                <a:solidFill>
+                  <a:schemeClr val="tx1"/>
+                </a:solidFill>
+                <a:latin typeface="+mn-lt"/>
+                <a:ea typeface="+mn-ea"/>
+                <a:cs typeface="+mn-cs"/>
+              </a:defRPr>
+            </a:lvl7pPr>
+            <a:lvl8pPr marL="5247119" indent="-349807" algn="l" defTabSz="699614" rtl="0" eaLnBrk="1" latinLnBrk="0" hangingPunct="1">
+              <a:spcBef>
+                <a:spcPct val="20000"/>
+              </a:spcBef>
+              <a:buFont typeface="Arial"/>
+              <a:buChar char="•"/>
+              <a:defRPr sz="3022" kern="1200">
+                <a:solidFill>
+                  <a:schemeClr val="tx1"/>
+                </a:solidFill>
+                <a:latin typeface="+mn-lt"/>
+                <a:ea typeface="+mn-ea"/>
+                <a:cs typeface="+mn-cs"/>
+              </a:defRPr>
+            </a:lvl8pPr>
+            <a:lvl9pPr marL="5946736" indent="-349807" algn="l" defTabSz="699614" rtl="0" eaLnBrk="1" latinLnBrk="0" hangingPunct="1">
+              <a:spcBef>
+                <a:spcPct val="20000"/>
+              </a:spcBef>
+              <a:buFont typeface="Arial"/>
+              <a:buChar char="•"/>
+              <a:defRPr sz="3022" kern="1200">
+                <a:solidFill>
+                  <a:schemeClr val="tx1"/>
+                </a:solidFill>
+                <a:latin typeface="+mn-lt"/>
+                <a:ea typeface="+mn-ea"/>
+                <a:cs typeface="+mn-cs"/>
+              </a:defRPr>
+            </a:lvl9pPr>
+          </a:lstStyle>
+          <a:p>
+            <a:r>
+              <a:rPr lang="en-US" dirty="0"/>
+              <a:t>also, common &lt;N</a:t>
+            </a:r>
+          </a:p>
+          <a:p>
+            <a:pPr lvl="1"/>
+            <a:r>
+              <a:rPr lang="en-US" dirty="0"/>
+              <a:t> “pads” with spacing, so always length N</a:t>
+            </a:r>
+          </a:p>
+        </p:txBody>
+      </p:sp>
+      <p:sp>
+        <p:nvSpPr>
+          <p:cNvPr id="8" name="Rectangle 7">
+            <a:extLst>
+              <a:ext uri="{FF2B5EF4-FFF2-40B4-BE49-F238E27FC236}">
+                <a16:creationId xmlns:a16="http://schemas.microsoft.com/office/drawing/2014/main" id="{F0E82879-1526-1746-9539-CF95D2301942}"/>
+              </a:ext>
+            </a:extLst>
+          </p:cNvPr>
+          <p:cNvSpPr/>
+          <p:nvPr/>
+        </p:nvSpPr>
+        <p:spPr>
+          <a:xfrm>
+            <a:off x="368300" y="5973869"/>
+            <a:ext cx="3550972" cy="369332"/>
+          </a:xfrm>
+          <a:prstGeom prst="rect">
+            <a:avLst/>
+          </a:prstGeom>
+        </p:spPr>
+        <p:txBody>
+          <a:bodyPr wrap="none">
+            <a:spAutoFit/>
+          </a:bodyPr>
+          <a:lstStyle/>
+          <a:p>
+            <a:r>
+              <a:rPr lang="en-US" sz="1800" dirty="0">
+                <a:solidFill>
+                  <a:srgbClr val="8888C6"/>
+                </a:solidFill>
+              </a:rPr>
+              <a:t>print</a:t>
+            </a:r>
+            <a:r>
+              <a:rPr lang="en-US" sz="1800" dirty="0"/>
+              <a:t>(</a:t>
+            </a:r>
+            <a:r>
+              <a:rPr lang="en-US" sz="1800" dirty="0">
+                <a:solidFill>
+                  <a:srgbClr val="6A8759"/>
+                </a:solidFill>
+              </a:rPr>
+              <a:t>"|{:&lt;30}|"</a:t>
+            </a:r>
+            <a:r>
+              <a:rPr lang="en-US" sz="1800" dirty="0"/>
+              <a:t>.format(combined))</a:t>
+            </a:r>
+          </a:p>
+        </p:txBody>
+      </p:sp>
+      <p:sp>
+        <p:nvSpPr>
+          <p:cNvPr id="9" name="Rectangle 8">
+            <a:extLst>
+              <a:ext uri="{FF2B5EF4-FFF2-40B4-BE49-F238E27FC236}">
+                <a16:creationId xmlns:a16="http://schemas.microsoft.com/office/drawing/2014/main" id="{060C515A-EC5E-534D-9D9E-76DDC5F2E5D3}"/>
+              </a:ext>
+            </a:extLst>
+          </p:cNvPr>
+          <p:cNvSpPr/>
+          <p:nvPr/>
+        </p:nvSpPr>
+        <p:spPr>
+          <a:xfrm>
+            <a:off x="1611215" y="6460597"/>
+            <a:ext cx="3036985" cy="400110"/>
+          </a:xfrm>
+          <a:prstGeom prst="rect">
+            <a:avLst/>
+          </a:prstGeom>
+        </p:spPr>
+        <p:txBody>
+          <a:bodyPr wrap="none">
+            <a:spAutoFit/>
+          </a:bodyPr>
+          <a:lstStyle/>
+          <a:p>
+            <a:r>
+              <a:rPr lang="en-US" dirty="0"/>
+              <a:t>|H.P. Lovecraft                |</a:t>
+            </a:r>
+          </a:p>
+        </p:txBody>
+      </p:sp>
+    </p:spTree>
+    <p:extLst>
+      <p:ext uri="{BB962C8B-B14F-4D97-AF65-F5344CB8AC3E}">
+        <p14:creationId xmlns:p14="http://schemas.microsoft.com/office/powerpoint/2010/main" val="267991261"/>
+      </p:ext>
+    </p:extLst>
+  </p:cSld>
+  <p:clrMapOvr>
+    <a:masterClrMapping/>
+  </p:clrMapOvr>
+  <mc:AlternateContent xmlns:mc="http://schemas.openxmlformats.org/markup-compatibility/2006" xmlns:p14="http://schemas.microsoft.com/office/powerpoint/2010/main">
+    <mc:Choice Requires="p14">
+      <p:transition p14:dur="300">
+        <p:fade/>
+      </p:transition>
+    </mc:Choice>
+    <mc:Fallback xmlns="">
+      <p:transition>
+        <p:fade/>
+      </p:transition>
+    </mc:Fallback>
+  </mc:AlternateContent>
+  <p:timing>
+    <p:tnLst>
+      <p:par>
+        <p:cTn id="1" dur="indefinite" restart="never" nodeType="tmRoot">
+          <p:childTnLst>
+            <p:seq concurrent="1" nextAc="seek">
+              <p:cTn id="2" dur="indefinite" nodeType="mainSeq">
+                <p:childTnLst>
+                  <p:par>
+                    <p:cTn id="3" fill="hold">
+                      <p:stCondLst>
+                        <p:cond delay="indefinite"/>
+                      </p:stCondLst>
+                      <p:childTnLst>
+                        <p:par>
+                          <p:cTn id="4" fill="hold">
+                            <p:stCondLst>
+                              <p:cond delay="0"/>
+                            </p:stCondLst>
+                            <p:childTnLst>
+                              <p:par>
+                                <p:cTn id="5" presetID="9" presetClass="entr" presetSubtype="0" fill="hold" grpId="0" nodeType="clickEffect">
+                                  <p:stCondLst>
+                                    <p:cond delay="0"/>
+                                  </p:stCondLst>
+                                  <p:childTnLst>
+                                    <p:set>
+                                      <p:cBhvr>
+                                        <p:cTn id="6" dur="1" fill="hold">
+                                          <p:stCondLst>
+                                            <p:cond delay="0"/>
+                                          </p:stCondLst>
+                                        </p:cTn>
+                                        <p:tgtEl>
+                                          <p:spTgt spid="5"/>
+                                        </p:tgtEl>
+                                        <p:attrNameLst>
+                                          <p:attrName>style.visibility</p:attrName>
+                                        </p:attrNameLst>
+                                      </p:cBhvr>
+                                      <p:to>
+                                        <p:strVal val="visible"/>
+                                      </p:to>
+                                    </p:set>
+                                    <p:animEffect transition="in" filter="dissolve">
+                                      <p:cBhvr>
+                                        <p:cTn id="7" dur="500"/>
+                                        <p:tgtEl>
+                                          <p:spTgt spid="5"/>
+                                        </p:tgtEl>
+                                      </p:cBhvr>
+                                    </p:animEffect>
+                                  </p:childTnLst>
+                                </p:cTn>
+                              </p:par>
+                            </p:childTnLst>
+                          </p:cTn>
+                        </p:par>
+                      </p:childTnLst>
+                    </p:cTn>
+                  </p:par>
+                  <p:par>
+                    <p:cTn id="8" fill="hold">
+                      <p:stCondLst>
+                        <p:cond delay="indefinite"/>
+                      </p:stCondLst>
+                      <p:childTnLst>
+                        <p:par>
+                          <p:cTn id="9" fill="hold">
+                            <p:stCondLst>
+                              <p:cond delay="0"/>
+                            </p:stCondLst>
+                            <p:childTnLst>
+                              <p:par>
+                                <p:cTn id="10" presetID="9" presetClass="entr" presetSubtype="0" fill="hold" grpId="0" nodeType="clickEffect">
+                                  <p:stCondLst>
+                                    <p:cond delay="0"/>
+                                  </p:stCondLst>
+                                  <p:childTnLst>
+                                    <p:set>
+                                      <p:cBhvr>
+                                        <p:cTn id="11" dur="1" fill="hold">
+                                          <p:stCondLst>
+                                            <p:cond delay="0"/>
+                                          </p:stCondLst>
+                                        </p:cTn>
+                                        <p:tgtEl>
+                                          <p:spTgt spid="6"/>
+                                        </p:tgtEl>
+                                        <p:attrNameLst>
+                                          <p:attrName>style.visibility</p:attrName>
+                                        </p:attrNameLst>
+                                      </p:cBhvr>
+                                      <p:to>
+                                        <p:strVal val="visible"/>
+                                      </p:to>
+                                    </p:set>
+                                    <p:animEffect transition="in" filter="dissolve">
+                                      <p:cBhvr>
+                                        <p:cTn id="12" dur="500"/>
+                                        <p:tgtEl>
+                                          <p:spTgt spid="6"/>
+                                        </p:tgtEl>
+                                      </p:cBhvr>
+                                    </p:animEffect>
+                                  </p:childTnLst>
+                                </p:cTn>
+                              </p:par>
+                            </p:childTnLst>
+                          </p:cTn>
+                        </p:par>
+                      </p:childTnLst>
+                    </p:cTn>
+                  </p:par>
+                  <p:par>
+                    <p:cTn id="13" fill="hold">
+                      <p:stCondLst>
+                        <p:cond delay="indefinite"/>
+                      </p:stCondLst>
+                      <p:childTnLst>
+                        <p:par>
+                          <p:cTn id="14" fill="hold">
+                            <p:stCondLst>
+                              <p:cond delay="0"/>
+                            </p:stCondLst>
+                            <p:childTnLst>
+                              <p:par>
+                                <p:cTn id="15" presetID="9" presetClass="entr" presetSubtype="0" fill="hold" grpId="0" nodeType="clickEffect">
+                                  <p:stCondLst>
+                                    <p:cond delay="0"/>
+                                  </p:stCondLst>
+                                  <p:childTnLst>
+                                    <p:set>
+                                      <p:cBhvr>
+                                        <p:cTn id="16" dur="1" fill="hold">
+                                          <p:stCondLst>
+                                            <p:cond delay="0"/>
+                                          </p:stCondLst>
+                                        </p:cTn>
+                                        <p:tgtEl>
+                                          <p:spTgt spid="7"/>
+                                        </p:tgtEl>
+                                        <p:attrNameLst>
+                                          <p:attrName>style.visibility</p:attrName>
+                                        </p:attrNameLst>
+                                      </p:cBhvr>
+                                      <p:to>
+                                        <p:strVal val="visible"/>
+                                      </p:to>
+                                    </p:set>
+                                    <p:animEffect transition="in" filter="dissolve">
+                                      <p:cBhvr>
+                                        <p:cTn id="17" dur="500"/>
+                                        <p:tgtEl>
+                                          <p:spTgt spid="7"/>
+                                        </p:tgtEl>
+                                      </p:cBhvr>
+                                    </p:animEffect>
+                                  </p:childTnLst>
+                                </p:cTn>
+                              </p:par>
+                            </p:childTnLst>
+                          </p:cTn>
+                        </p:par>
+                      </p:childTnLst>
+                    </p:cTn>
+                  </p:par>
+                  <p:par>
+                    <p:cTn id="18" fill="hold">
+                      <p:stCondLst>
+                        <p:cond delay="indefinite"/>
+                      </p:stCondLst>
+                      <p:childTnLst>
+                        <p:par>
+                          <p:cTn id="19" fill="hold">
+                            <p:stCondLst>
+                              <p:cond delay="0"/>
+                            </p:stCondLst>
+                            <p:childTnLst>
+                              <p:par>
+                                <p:cTn id="20" presetID="9" presetClass="entr" presetSubtype="0" fill="hold" grpId="0" nodeType="clickEffect">
+                                  <p:stCondLst>
+                                    <p:cond delay="0"/>
+                                  </p:stCondLst>
+                                  <p:childTnLst>
+                                    <p:set>
+                                      <p:cBhvr>
+                                        <p:cTn id="21" dur="1" fill="hold">
+                                          <p:stCondLst>
+                                            <p:cond delay="0"/>
+                                          </p:stCondLst>
+                                        </p:cTn>
+                                        <p:tgtEl>
+                                          <p:spTgt spid="8"/>
+                                        </p:tgtEl>
+                                        <p:attrNameLst>
+                                          <p:attrName>style.visibility</p:attrName>
+                                        </p:attrNameLst>
+                                      </p:cBhvr>
+                                      <p:to>
+                                        <p:strVal val="visible"/>
+                                      </p:to>
+                                    </p:set>
+                                    <p:animEffect transition="in" filter="dissolve">
+                                      <p:cBhvr>
+                                        <p:cTn id="22" dur="500"/>
+                                        <p:tgtEl>
+                                          <p:spTgt spid="8"/>
+                                        </p:tgtEl>
+                                      </p:cBhvr>
+                                    </p:animEffect>
+                                  </p:childTnLst>
+                                </p:cTn>
+                              </p:par>
+                            </p:childTnLst>
+                          </p:cTn>
+                        </p:par>
+                      </p:childTnLst>
+                    </p:cTn>
+                  </p:par>
+                  <p:par>
+                    <p:cTn id="23" fill="hold">
+                      <p:stCondLst>
+                        <p:cond delay="indefinite"/>
+                      </p:stCondLst>
+                      <p:childTnLst>
+                        <p:par>
+                          <p:cTn id="24" fill="hold">
+                            <p:stCondLst>
+                              <p:cond delay="0"/>
+                            </p:stCondLst>
+                            <p:childTnLst>
+                              <p:par>
+                                <p:cTn id="25" presetID="9" presetClass="entr" presetSubtype="0" fill="hold" grpId="0" nodeType="clickEffect">
+                                  <p:stCondLst>
+                                    <p:cond delay="0"/>
+                                  </p:stCondLst>
+                                  <p:childTnLst>
+                                    <p:set>
+                                      <p:cBhvr>
+                                        <p:cTn id="26" dur="1" fill="hold">
+                                          <p:stCondLst>
+                                            <p:cond delay="0"/>
+                                          </p:stCondLst>
+                                        </p:cTn>
+                                        <p:tgtEl>
+                                          <p:spTgt spid="9"/>
+                                        </p:tgtEl>
+                                        <p:attrNameLst>
+                                          <p:attrName>style.visibility</p:attrName>
+                                        </p:attrNameLst>
+                                      </p:cBhvr>
+                                      <p:to>
+                                        <p:strVal val="visible"/>
+                                      </p:to>
+                                    </p:set>
+                                    <p:animEffect transition="in" filter="dissolve">
+                                      <p:cBhvr>
+                                        <p:cTn id="27" dur="500"/>
+                                        <p:tgtEl>
+                                          <p:spTgt spid="9"/>
+                                        </p:tgtEl>
+                                      </p:cBhvr>
+                                    </p:animEffect>
+                                  </p:childTnLst>
+                                </p:cTn>
+                              </p:par>
+                            </p:childTnLst>
+                          </p:cTn>
+                        </p:par>
+                      </p:childTnLst>
+                    </p:cTn>
+                  </p:par>
+                </p:childTnLst>
+              </p:cTn>
+              <p:prevCondLst>
+                <p:cond evt="onPrev" delay="0">
+                  <p:tgtEl>
+                    <p:sldTgt/>
+                  </p:tgtEl>
+                </p:cond>
+              </p:prevCondLst>
+              <p:nextCondLst>
+                <p:cond evt="onNext" delay="0">
+                  <p:tgtEl>
+                    <p:sldTgt/>
+                  </p:tgtEl>
+                </p:cond>
+              </p:nextCondLst>
+            </p:seq>
+          </p:childTnLst>
+        </p:cTn>
+      </p:par>
+    </p:tnLst>
+    <p:bldLst>
+      <p:bldP spid="5" grpId="0"/>
+      <p:bldP spid="6" grpId="0"/>
+      <p:bldP spid="7" grpId="0"/>
+      <p:bldP spid="8" grpId="0"/>
+      <p:bldP spid="9" grpId="0"/>
+    </p:bldLst>
+  </p:timing>
+</p:sld>
+</file>
+
+<file path=ppt/slides/slide12.xml><?xml version="1.0" encoding="utf-8"?>
+<p:sld xmlns:a="http://schemas.openxmlformats.org/drawingml/2006/main" xmlns:r="http://schemas.openxmlformats.org/officeDocument/2006/relationships" xmlns:p="http://schemas.openxmlformats.org/presentationml/2006/main">
+  <p:cSld>
+    <p:spTree>
+      <p:nvGrpSpPr>
+        <p:cNvPr id="1" name=""/>
+        <p:cNvGrpSpPr/>
+        <p:nvPr/>
+      </p:nvGrpSpPr>
+      <p:grpSpPr>
+        <a:xfrm>
+          <a:off x="0" y="0"/>
+          <a:ext cx="0" cy="0"/>
+          <a:chOff x="0" y="0"/>
+          <a:chExt cx="0" cy="0"/>
+        </a:xfrm>
+      </p:grpSpPr>
+      <p:sp>
+        <p:nvSpPr>
+          <p:cNvPr id="2" name="Title 1">
+            <a:extLst>
+              <a:ext uri="{FF2B5EF4-FFF2-40B4-BE49-F238E27FC236}">
+                <a16:creationId xmlns:a16="http://schemas.microsoft.com/office/drawing/2014/main" id="{B0EFF860-9F8D-F74D-8D43-0B130C78CEC5}"/>
+              </a:ext>
+            </a:extLst>
+          </p:cNvPr>
+          <p:cNvSpPr>
+            <a:spLocks noGrp="1"/>
+          </p:cNvSpPr>
+          <p:nvPr>
+            <p:ph type="title"/>
+          </p:nvPr>
+        </p:nvSpPr>
+        <p:spPr/>
+        <p:txBody>
+          <a:bodyPr/>
+          <a:lstStyle/>
+          <a:p>
+            <a:r>
+              <a:rPr lang="en-US" dirty="0"/>
+              <a:t>String Formatting – Group Coding Activity</a:t>
+            </a:r>
+          </a:p>
+        </p:txBody>
+      </p:sp>
+      <p:sp>
+        <p:nvSpPr>
+          <p:cNvPr id="3" name="Text Placeholder 2">
+            <a:extLst>
+              <a:ext uri="{FF2B5EF4-FFF2-40B4-BE49-F238E27FC236}">
+                <a16:creationId xmlns:a16="http://schemas.microsoft.com/office/drawing/2014/main" id="{B5C30EC0-52BD-7143-BABA-F3FD20FFAAF8}"/>
+              </a:ext>
+            </a:extLst>
+          </p:cNvPr>
+          <p:cNvSpPr>
+            <a:spLocks noGrp="1"/>
+          </p:cNvSpPr>
+          <p:nvPr>
+            <p:ph type="body" sz="quarter" idx="10"/>
+          </p:nvPr>
+        </p:nvSpPr>
+        <p:spPr>
+          <a:xfrm>
+            <a:off x="628075" y="1776682"/>
+            <a:ext cx="5400192" cy="4060792"/>
+          </a:xfrm>
+        </p:spPr>
+        <p:txBody>
+          <a:bodyPr/>
+          <a:lstStyle/>
+          <a:p>
+            <a:r>
+              <a:rPr lang="en-US" dirty="0"/>
+              <a:t>Group Coding Activity </a:t>
+            </a:r>
+          </a:p>
+          <a:p>
+            <a:pPr lvl="1"/>
+            <a:r>
+              <a:rPr lang="en-US" dirty="0"/>
+              <a:t>one person codes, others direct</a:t>
+            </a:r>
+          </a:p>
+          <a:p>
+            <a:r>
+              <a:rPr lang="en-US" dirty="0"/>
+              <a:t>write a function that</a:t>
+            </a:r>
+          </a:p>
+          <a:p>
+            <a:pPr lvl="1"/>
+            <a:r>
+              <a:rPr lang="en-US" dirty="0"/>
+              <a:t>takes in a number &lt; 1 as one parameter </a:t>
+            </a:r>
+          </a:p>
+          <a:p>
+            <a:pPr lvl="1"/>
+            <a:r>
+              <a:rPr lang="en-US" dirty="0"/>
+              <a:t>takes in a String as another parameter</a:t>
+            </a:r>
+          </a:p>
+          <a:p>
+            <a:pPr lvl="1"/>
+            <a:r>
+              <a:rPr lang="en-US" dirty="0"/>
+              <a:t>returns a formatted String of</a:t>
+            </a:r>
+          </a:p>
+          <a:p>
+            <a:pPr marL="699614" lvl="1" indent="0">
+              <a:buNone/>
+            </a:pPr>
+            <a:r>
+              <a:rPr lang="en-US" dirty="0" err="1"/>
+              <a:t>stringValue,percent</a:t>
+            </a:r>
+            <a:r>
+              <a:rPr lang="en-US" dirty="0"/>
+              <a:t>%</a:t>
+            </a:r>
+          </a:p>
+          <a:p>
+            <a:pPr lvl="1"/>
+            <a:r>
+              <a:rPr lang="en-US" dirty="0"/>
+              <a:t>where the % is to two decimal points</a:t>
+            </a:r>
+          </a:p>
+          <a:p>
+            <a:pPr lvl="1"/>
+            <a:r>
+              <a:rPr lang="en-US" dirty="0"/>
+              <a:t>Test the function to make sure it works!</a:t>
+            </a:r>
+          </a:p>
+          <a:p>
+            <a:r>
+              <a:rPr lang="en-US" dirty="0"/>
+              <a:t>Post your solutions to the MS team</a:t>
+            </a:r>
+          </a:p>
+        </p:txBody>
+      </p:sp>
+      <p:pic>
+        <p:nvPicPr>
+          <p:cNvPr id="4" name="Picture 3">
+            <a:extLst>
+              <a:ext uri="{FF2B5EF4-FFF2-40B4-BE49-F238E27FC236}">
+                <a16:creationId xmlns:a16="http://schemas.microsoft.com/office/drawing/2014/main" id="{EE1124BD-EAD1-F144-86FB-70151DE20B3A}"/>
+              </a:ext>
+            </a:extLst>
+          </p:cNvPr>
+          <p:cNvPicPr>
+            <a:picLocks noChangeAspect="1"/>
+          </p:cNvPicPr>
+          <p:nvPr/>
+        </p:nvPicPr>
+        <p:blipFill>
+          <a:blip r:embed="rId2"/>
+          <a:stretch>
+            <a:fillRect/>
+          </a:stretch>
+        </p:blipFill>
+        <p:spPr>
+          <a:xfrm>
+            <a:off x="6173465" y="2004266"/>
+            <a:ext cx="7394369" cy="3763867"/>
+          </a:xfrm>
+          <a:prstGeom prst="rect">
+            <a:avLst/>
+          </a:prstGeom>
+        </p:spPr>
+      </p:pic>
+      <p:sp>
+        <p:nvSpPr>
+          <p:cNvPr id="5" name="TextBox 4">
+            <a:extLst>
+              <a:ext uri="{FF2B5EF4-FFF2-40B4-BE49-F238E27FC236}">
+                <a16:creationId xmlns:a16="http://schemas.microsoft.com/office/drawing/2014/main" id="{0C6733CC-A01E-B949-A3BB-D749657EC05F}"/>
+              </a:ext>
+            </a:extLst>
+          </p:cNvPr>
           <p:cNvSpPr txBox="1"/>
           <p:nvPr/>
         </p:nvSpPr>
         <p:spPr>
           <a:xfrm>
-            <a:off x="6347723" y="1881177"/>
-            <a:ext cx="6726560" cy="1420293"/>
+            <a:off x="2685836" y="5833856"/>
+            <a:ext cx="8445928" cy="1323439"/>
           </a:xfrm>
           <a:prstGeom prst="rect">
             <a:avLst/>
           </a:prstGeom>
           <a:noFill/>
-          <a:ln>
-            <a:noFill/>
-          </a:ln>
         </p:spPr>
         <p:txBody>
-          <a:bodyPr spcFirstLastPara="1" wrap="square" lIns="138153" tIns="138153" rIns="138153" bIns="138153" anchor="t" anchorCtr="0">
-            <a:noAutofit/>
+          <a:bodyPr wrap="square" rtlCol="0">
+            <a:spAutoFit/>
           </a:bodyPr>
           <a:lstStyle/>
           <a:p>
             <a:r>
-              <a:rPr lang="en" sz="2400" dirty="0"/>
-              <a:t>A good programmer has to be more than a coder. She has to be an problem solver, a designer, an artist and engineering.</a:t>
-            </a:r>
-            <a:endParaRPr sz="2400" dirty="0"/>
-          </a:p>
-        </p:txBody>
-      </p:sp>
-      <p:sp>
-        <p:nvSpPr>
-          <p:cNvPr id="215" name="Google Shape;215;p42"/>
-          <p:cNvSpPr/>
-          <p:nvPr/>
-        </p:nvSpPr>
-        <p:spPr>
-          <a:xfrm>
-            <a:off x="8393163" y="3391811"/>
-            <a:ext cx="1472427" cy="1007760"/>
-          </a:xfrm>
-          <a:prstGeom prst="rect">
-            <a:avLst/>
-          </a:prstGeom>
-          <a:solidFill>
-            <a:srgbClr val="C8C371"/>
-          </a:solidFill>
-          <a:ln w="9525" cap="flat" cmpd="sng">
-            <a:solidFill>
-              <a:srgbClr val="1E4D2B"/>
-            </a:solidFill>
-            <a:prstDash val="solid"/>
-            <a:round/>
-            <a:headEnd type="none" w="sm" len="sm"/>
-            <a:tailEnd type="none" w="sm" len="sm"/>
-          </a:ln>
-        </p:spPr>
-        <p:txBody>
-          <a:bodyPr spcFirstLastPara="1" wrap="square" lIns="138153" tIns="138153" rIns="138153" bIns="138153" anchor="ctr" anchorCtr="0">
-            <a:noAutofit/>
-          </a:bodyPr>
-          <a:lstStyle/>
-          <a:p>
-            <a:pPr algn="ctr"/>
-            <a:r>
-              <a:rPr lang="en" sz="3022"/>
-              <a:t>Divide</a:t>
-            </a:r>
-            <a:endParaRPr sz="3022" dirty="0"/>
-          </a:p>
-        </p:txBody>
-      </p:sp>
-      <p:sp>
-        <p:nvSpPr>
-          <p:cNvPr id="216" name="Google Shape;216;p42"/>
-          <p:cNvSpPr/>
-          <p:nvPr/>
-        </p:nvSpPr>
-        <p:spPr>
-          <a:xfrm>
-            <a:off x="7690876" y="4523256"/>
-            <a:ext cx="840933" cy="635573"/>
-          </a:xfrm>
-          <a:prstGeom prst="rect">
-            <a:avLst/>
-          </a:prstGeom>
-          <a:solidFill>
-            <a:srgbClr val="C8C371"/>
-          </a:solidFill>
-          <a:ln w="9525" cap="flat" cmpd="sng">
-            <a:solidFill>
-              <a:srgbClr val="1E4D2B"/>
-            </a:solidFill>
-            <a:prstDash val="solid"/>
-            <a:round/>
-            <a:headEnd type="none" w="sm" len="sm"/>
-            <a:tailEnd type="none" w="sm" len="sm"/>
-          </a:ln>
-        </p:spPr>
-        <p:txBody>
-          <a:bodyPr spcFirstLastPara="1" wrap="square" lIns="138153" tIns="138153" rIns="138153" bIns="138153" anchor="ctr" anchorCtr="0">
-            <a:noAutofit/>
-          </a:bodyPr>
-          <a:lstStyle/>
-          <a:p>
-            <a:pPr algn="ctr"/>
-            <a:r>
-              <a:rPr lang="en" sz="1058"/>
-              <a:t>Conquer</a:t>
-            </a:r>
-            <a:endParaRPr sz="1058" dirty="0"/>
-          </a:p>
-        </p:txBody>
-      </p:sp>
-      <p:sp>
-        <p:nvSpPr>
-          <p:cNvPr id="217" name="Google Shape;217;p42"/>
-          <p:cNvSpPr/>
-          <p:nvPr/>
-        </p:nvSpPr>
-        <p:spPr>
-          <a:xfrm>
-            <a:off x="8712500" y="4523256"/>
-            <a:ext cx="840933" cy="635573"/>
-          </a:xfrm>
-          <a:prstGeom prst="rect">
-            <a:avLst/>
-          </a:prstGeom>
-          <a:solidFill>
-            <a:srgbClr val="C8C371"/>
-          </a:solidFill>
-          <a:ln w="9525" cap="flat" cmpd="sng">
-            <a:solidFill>
-              <a:srgbClr val="1E4D2B"/>
-            </a:solidFill>
-            <a:prstDash val="solid"/>
-            <a:round/>
-            <a:headEnd type="none" w="sm" len="sm"/>
-            <a:tailEnd type="none" w="sm" len="sm"/>
-          </a:ln>
-        </p:spPr>
-        <p:txBody>
-          <a:bodyPr spcFirstLastPara="1" wrap="square" lIns="138153" tIns="138153" rIns="138153" bIns="138153" anchor="ctr" anchorCtr="0">
-            <a:noAutofit/>
-          </a:bodyPr>
-          <a:lstStyle/>
-          <a:p>
-            <a:pPr algn="ctr"/>
-            <a:r>
-              <a:rPr lang="en" sz="1058"/>
-              <a:t>Conquer</a:t>
-            </a:r>
-            <a:endParaRPr sz="1058" dirty="0"/>
-          </a:p>
-        </p:txBody>
-      </p:sp>
-      <p:sp>
-        <p:nvSpPr>
-          <p:cNvPr id="218" name="Google Shape;218;p42"/>
-          <p:cNvSpPr/>
-          <p:nvPr/>
-        </p:nvSpPr>
-        <p:spPr>
-          <a:xfrm>
-            <a:off x="9734126" y="4523256"/>
-            <a:ext cx="840933" cy="635573"/>
-          </a:xfrm>
-          <a:prstGeom prst="rect">
-            <a:avLst/>
-          </a:prstGeom>
-          <a:solidFill>
-            <a:srgbClr val="C8C371"/>
-          </a:solidFill>
-          <a:ln w="9525" cap="flat" cmpd="sng">
-            <a:solidFill>
-              <a:srgbClr val="1E4D2B"/>
-            </a:solidFill>
-            <a:prstDash val="solid"/>
-            <a:round/>
-            <a:headEnd type="none" w="sm" len="sm"/>
-            <a:tailEnd type="none" w="sm" len="sm"/>
-          </a:ln>
-        </p:spPr>
-        <p:txBody>
-          <a:bodyPr spcFirstLastPara="1" wrap="square" lIns="138153" tIns="138153" rIns="138153" bIns="138153" anchor="ctr" anchorCtr="0">
-            <a:noAutofit/>
-          </a:bodyPr>
-          <a:lstStyle/>
-          <a:p>
-            <a:pPr algn="ctr"/>
-            <a:r>
-              <a:rPr lang="en" sz="1058"/>
-              <a:t>Conquer</a:t>
-            </a:r>
-            <a:endParaRPr sz="1058" dirty="0"/>
-          </a:p>
-        </p:txBody>
-      </p:sp>
-      <p:sp>
-        <p:nvSpPr>
-          <p:cNvPr id="219" name="Google Shape;219;p42"/>
-          <p:cNvSpPr/>
-          <p:nvPr/>
-        </p:nvSpPr>
-        <p:spPr>
-          <a:xfrm>
-            <a:off x="8393163" y="5372855"/>
-            <a:ext cx="1472427" cy="1007760"/>
-          </a:xfrm>
-          <a:prstGeom prst="rect">
-            <a:avLst/>
-          </a:prstGeom>
-          <a:solidFill>
-            <a:srgbClr val="C8C371"/>
-          </a:solidFill>
-          <a:ln w="9525" cap="flat" cmpd="sng">
-            <a:solidFill>
-              <a:srgbClr val="1E4D2B"/>
-            </a:solidFill>
-            <a:prstDash val="solid"/>
-            <a:round/>
-            <a:headEnd type="none" w="sm" len="sm"/>
-            <a:tailEnd type="none" w="sm" len="sm"/>
-          </a:ln>
-        </p:spPr>
-        <p:txBody>
-          <a:bodyPr spcFirstLastPara="1" wrap="square" lIns="138153" tIns="138153" rIns="138153" bIns="138153" anchor="ctr" anchorCtr="0">
-            <a:noAutofit/>
-          </a:bodyPr>
-          <a:lstStyle/>
-          <a:p>
-            <a:pPr algn="ctr"/>
-            <a:r>
-              <a:rPr lang="en" sz="3022" dirty="0"/>
-              <a:t>Glue</a:t>
-            </a:r>
-            <a:endParaRPr sz="3022" dirty="0"/>
-          </a:p>
-        </p:txBody>
-      </p:sp>
-      <p:sp>
-        <p:nvSpPr>
-          <p:cNvPr id="220" name="Google Shape;220;p42"/>
-          <p:cNvSpPr txBox="1"/>
-          <p:nvPr/>
-        </p:nvSpPr>
-        <p:spPr>
-          <a:xfrm rot="2052303">
-            <a:off x="10704571" y="3791874"/>
-            <a:ext cx="2398539" cy="635440"/>
-          </a:xfrm>
-          <a:prstGeom prst="rect">
-            <a:avLst/>
-          </a:prstGeom>
-          <a:noFill/>
-          <a:ln>
-            <a:noFill/>
-          </a:ln>
-        </p:spPr>
-        <p:txBody>
-          <a:bodyPr spcFirstLastPara="1" wrap="square" lIns="138153" tIns="138153" rIns="138153" bIns="138153" anchor="t" anchorCtr="0">
-            <a:noAutofit/>
-          </a:bodyPr>
-          <a:lstStyle/>
-          <a:p>
-            <a:r>
-              <a:rPr lang="en" sz="3022" dirty="0"/>
-              <a:t>Remember</a:t>
-            </a:r>
-            <a:endParaRPr sz="3022" dirty="0"/>
+              <a:rPr lang="en-US" dirty="0"/>
+              <a:t>Examples:  </a:t>
+            </a:r>
+            <a:br>
+              <a:rPr lang="en-US" dirty="0"/>
+            </a:br>
+            <a:r>
+              <a:rPr lang="en-US" dirty="0" err="1">
+                <a:latin typeface="Consolas" panose="020B0609020204030204" pitchFamily="49" charset="0"/>
+                <a:cs typeface="Consolas" panose="020B0609020204030204" pitchFamily="49" charset="0"/>
+              </a:rPr>
+              <a:t>student_scores</a:t>
+            </a:r>
+            <a:r>
+              <a:rPr lang="en-US" dirty="0">
+                <a:latin typeface="Consolas" panose="020B0609020204030204" pitchFamily="49" charset="0"/>
+                <a:cs typeface="Consolas" panose="020B0609020204030204" pitchFamily="49" charset="0"/>
+              </a:rPr>
+              <a:t>("Amy", 0.985) =&gt; “Melody,98.50%”</a:t>
+            </a:r>
+          </a:p>
+          <a:p>
+            <a:r>
+              <a:rPr lang="en-US" dirty="0" err="1">
+                <a:latin typeface="Consolas" panose="020B0609020204030204" pitchFamily="49" charset="0"/>
+                <a:cs typeface="Consolas" panose="020B0609020204030204" pitchFamily="49" charset="0"/>
+              </a:rPr>
+              <a:t>student_scores</a:t>
+            </a:r>
+            <a:r>
+              <a:rPr lang="en-US" dirty="0">
+                <a:latin typeface="Consolas" panose="020B0609020204030204" pitchFamily="49" charset="0"/>
+                <a:cs typeface="Consolas" panose="020B0609020204030204" pitchFamily="49" charset="0"/>
+              </a:rPr>
+              <a:t>("Rory", 0.7132) =&gt; “Rory,71.32%”</a:t>
+            </a:r>
+          </a:p>
+          <a:p>
+            <a:r>
+              <a:rPr lang="en-US" dirty="0" err="1">
+                <a:latin typeface="Consolas" panose="020B0609020204030204" pitchFamily="49" charset="0"/>
+                <a:cs typeface="Consolas" panose="020B0609020204030204" pitchFamily="49" charset="0"/>
+              </a:rPr>
+              <a:t>student_scores</a:t>
+            </a:r>
+            <a:r>
+              <a:rPr lang="en-US" dirty="0">
+                <a:latin typeface="Consolas" panose="020B0609020204030204" pitchFamily="49" charset="0"/>
+                <a:cs typeface="Consolas" panose="020B0609020204030204" pitchFamily="49" charset="0"/>
+              </a:rPr>
+              <a:t>("</a:t>
+            </a:r>
+            <a:r>
+              <a:rPr lang="en-US" dirty="0" err="1">
+                <a:latin typeface="Consolas" panose="020B0609020204030204" pitchFamily="49" charset="0"/>
+                <a:cs typeface="Consolas" panose="020B0609020204030204" pitchFamily="49" charset="0"/>
+              </a:rPr>
+              <a:t>DrW</a:t>
+            </a:r>
+            <a:r>
+              <a:rPr lang="en-US" dirty="0">
+                <a:latin typeface="Consolas" panose="020B0609020204030204" pitchFamily="49" charset="0"/>
+                <a:cs typeface="Consolas" panose="020B0609020204030204" pitchFamily="49" charset="0"/>
+              </a:rPr>
+              <a:t>", 0.80687) =&gt; “Rory,80.69%”</a:t>
+            </a:r>
           </a:p>
         </p:txBody>
       </p:sp>
     </p:spTree>
+    <p:extLst>
+      <p:ext uri="{BB962C8B-B14F-4D97-AF65-F5344CB8AC3E}">
+        <p14:creationId xmlns:p14="http://schemas.microsoft.com/office/powerpoint/2010/main" val="1168055013"/>
+      </p:ext>
+    </p:extLst>
   </p:cSld>
   <p:clrMapOvr>
     <a:masterClrMapping/>
   </p:clrMapOvr>
+  <mc:AlternateContent xmlns:mc="http://schemas.openxmlformats.org/markup-compatibility/2006" xmlns:p14="http://schemas.microsoft.com/office/powerpoint/2010/main">
+    <mc:Choice Requires="p14">
+      <p:transition p14:dur="300">
+        <p:fade/>
+      </p:transition>
+    </mc:Choice>
+    <mc:Fallback xmlns="">
+      <p:transition>
+        <p:fade/>
+      </p:transition>
+    </mc:Fallback>
+  </mc:AlternateContent>
 </p:sld>
 </file>
 
-<file path=ppt/slides/slide12.xml><?xml version="1.0" encoding="utf-8"?>
+<file path=ppt/slides/slide13.xml><?xml version="1.0" encoding="utf-8"?>
 <p:sld xmlns:a="http://schemas.openxmlformats.org/drawingml/2006/main" xmlns:r="http://schemas.openxmlformats.org/officeDocument/2006/relationships" xmlns:p="http://schemas.openxmlformats.org/presentationml/2006/main">
   <p:cSld>
     <p:spTree>
@@ -9076,7 +9871,7 @@
           <p:cNvPr id="4" name="Title 3">
             <a:extLst>
               <a:ext uri="{FF2B5EF4-FFF2-40B4-BE49-F238E27FC236}">
-                <a16:creationId xmlns:a16="http://schemas.microsoft.com/office/drawing/2014/main" id="{C794878D-184E-024A-91C7-7A7F13894B73}"/>
+                <a16:creationId xmlns:a16="http://schemas.microsoft.com/office/drawing/2014/main" id="{119AD8F2-D5DB-A84B-A5B3-F7935E3E6D1D}"/>
               </a:ext>
             </a:extLst>
           </p:cNvPr>
@@ -9104,7 +9899,7 @@
           <p:cNvPr id="5" name="Text Placeholder 4">
             <a:extLst>
               <a:ext uri="{FF2B5EF4-FFF2-40B4-BE49-F238E27FC236}">
-                <a16:creationId xmlns:a16="http://schemas.microsoft.com/office/drawing/2014/main" id="{D51081BD-28C9-4541-8EC9-0AFD579D5B13}"/>
+                <a16:creationId xmlns:a16="http://schemas.microsoft.com/office/drawing/2014/main" id="{1BBD0DB5-379A-304F-9307-E7B1A89B08F7}"/>
               </a:ext>
             </a:extLst>
           </p:cNvPr>
@@ -9112,13 +9907,13 @@
             <a:spLocks noGrp="1"/>
           </p:cNvSpPr>
           <p:nvPr>
-            <p:ph type="body" sz="quarter" idx="10"/>
+            <p:ph type="body" idx="1"/>
           </p:nvPr>
         </p:nvSpPr>
         <p:spPr>
           <a:xfrm>
-            <a:off x="628075" y="1776682"/>
-            <a:ext cx="5721925" cy="1242135"/>
+            <a:off x="628075" y="2487882"/>
+            <a:ext cx="8395419" cy="2974590"/>
           </a:xfrm>
         </p:spPr>
         <p:txBody>
@@ -9127,21 +9922,7 @@
           <a:p>
             <a:r>
               <a:rPr lang="en-US" dirty="0"/>
-              <a:t>Remember, readings before class!! </a:t>
-            </a:r>
-          </a:p>
-          <a:p>
-            <a:pPr lvl="1"/>
-            <a:r>
-              <a:rPr lang="en-US" dirty="0"/>
-              <a:t>We start with coding questions.</a:t>
-            </a:r>
-          </a:p>
-          <a:p>
-            <a:pPr lvl="1"/>
-            <a:r>
-              <a:rPr lang="en-US" dirty="0"/>
-              <a:t>Is your </a:t>
+              <a:t>Do you have your </a:t>
             </a:r>
             <a:r>
               <a:rPr lang="en-US" dirty="0" err="1"/>
@@ -9149,7 +9930,242 @@
             </a:r>
             <a:r>
               <a:rPr lang="en-US" dirty="0"/>
-              <a:t> Ready? </a:t>
+              <a:t> Cloud setup? </a:t>
+            </a:r>
+          </a:p>
+          <a:p>
+            <a:pPr lvl="1"/>
+            <a:r>
+              <a:rPr lang="en-US" dirty="0"/>
+              <a:t>Now is good time! </a:t>
+            </a:r>
+          </a:p>
+          <a:p>
+            <a:pPr lvl="1"/>
+            <a:r>
+              <a:rPr lang="en-US" dirty="0"/>
+              <a:t>We will use it today!</a:t>
+            </a:r>
+          </a:p>
+          <a:p>
+            <a:pPr lvl="1"/>
+            <a:endParaRPr lang="en-US" dirty="0"/>
+          </a:p>
+          <a:p>
+            <a:r>
+              <a:rPr lang="en-US" dirty="0"/>
+              <a:t>Reminder – readings are due </a:t>
+            </a:r>
+            <a:r>
+              <a:rPr lang="en-US" b="1" dirty="0"/>
+              <a:t>before</a:t>
+            </a:r>
+            <a:r>
+              <a:rPr lang="en-US" dirty="0"/>
+              <a:t> lecture</a:t>
+            </a:r>
+          </a:p>
+          <a:p>
+            <a:pPr lvl="1"/>
+            <a:r>
+              <a:rPr lang="en-US" dirty="0"/>
+              <a:t>You don’t have to do all of it - challenge problems can be challenging…</a:t>
+            </a:r>
+          </a:p>
+          <a:p>
+            <a:pPr lvl="1"/>
+            <a:r>
+              <a:rPr lang="en-US" dirty="0"/>
+              <a:t>You can return to them. </a:t>
+            </a:r>
+          </a:p>
+          <a:p>
+            <a:pPr lvl="1"/>
+            <a:r>
+              <a:rPr lang="en-US" dirty="0"/>
+              <a:t>We start off each lecture with a quiz from your reading! </a:t>
+            </a:r>
+          </a:p>
+        </p:txBody>
+      </p:sp>
+      <p:sp>
+        <p:nvSpPr>
+          <p:cNvPr id="6" name="TextBox 5">
+            <a:extLst>
+              <a:ext uri="{FF2B5EF4-FFF2-40B4-BE49-F238E27FC236}">
+                <a16:creationId xmlns:a16="http://schemas.microsoft.com/office/drawing/2014/main" id="{32A3B87A-BBC0-704B-AC99-3984206450D5}"/>
+              </a:ext>
+            </a:extLst>
+          </p:cNvPr>
+          <p:cNvSpPr txBox="1"/>
+          <p:nvPr/>
+        </p:nvSpPr>
+        <p:spPr>
+          <a:xfrm>
+            <a:off x="9654016" y="347157"/>
+            <a:ext cx="3892958" cy="1487523"/>
+          </a:xfrm>
+          <a:prstGeom prst="rect">
+            <a:avLst/>
+          </a:prstGeom>
+          <a:noFill/>
+        </p:spPr>
+        <p:txBody>
+          <a:bodyPr wrap="square" rtlCol="0">
+            <a:spAutoFit/>
+          </a:bodyPr>
+          <a:lstStyle/>
+          <a:p>
+            <a:r>
+              <a:rPr lang="en-US" sz="3022" dirty="0" err="1"/>
+              <a:t>Todo</a:t>
+            </a:r>
+            <a:r>
+              <a:rPr lang="en-US" sz="3022" dirty="0"/>
+              <a:t>:</a:t>
+            </a:r>
+          </a:p>
+          <a:p>
+            <a:r>
+              <a:rPr lang="en-US" sz="3022" dirty="0"/>
+              <a:t>Lab projects start!</a:t>
+            </a:r>
+          </a:p>
+          <a:p>
+            <a:r>
+              <a:rPr lang="en-US" sz="3022" dirty="0">
+                <a:solidFill>
+                  <a:schemeClr val="tx2"/>
+                </a:solidFill>
+              </a:rPr>
+              <a:t>1</a:t>
+            </a:r>
+            <a:r>
+              <a:rPr lang="en-US" sz="3022" baseline="30000" dirty="0">
+                <a:solidFill>
+                  <a:schemeClr val="tx2"/>
+                </a:solidFill>
+              </a:rPr>
+              <a:t>st</a:t>
+            </a:r>
+            <a:r>
+              <a:rPr lang="en-US" sz="3022" dirty="0">
+                <a:solidFill>
+                  <a:schemeClr val="tx2"/>
+                </a:solidFill>
+              </a:rPr>
+              <a:t> Essay Next Week!</a:t>
+            </a:r>
+          </a:p>
+        </p:txBody>
+      </p:sp>
+      <p:sp>
+        <p:nvSpPr>
+          <p:cNvPr id="7" name="TextBox 6">
+            <a:extLst>
+              <a:ext uri="{FF2B5EF4-FFF2-40B4-BE49-F238E27FC236}">
+                <a16:creationId xmlns:a16="http://schemas.microsoft.com/office/drawing/2014/main" id="{0AE4994E-F0C4-1A4D-A400-16F3B108C434}"/>
+              </a:ext>
+            </a:extLst>
+          </p:cNvPr>
+          <p:cNvSpPr txBox="1"/>
+          <p:nvPr/>
+        </p:nvSpPr>
+        <p:spPr>
+          <a:xfrm>
+            <a:off x="9654016" y="2940529"/>
+            <a:ext cx="4277448" cy="1394356"/>
+          </a:xfrm>
+          <a:prstGeom prst="rect">
+            <a:avLst/>
+          </a:prstGeom>
+          <a:noFill/>
+        </p:spPr>
+        <p:txBody>
+          <a:bodyPr wrap="square" rtlCol="0">
+            <a:spAutoFit/>
+          </a:bodyPr>
+          <a:lstStyle/>
+          <a:p>
+            <a:r>
+              <a:rPr lang="en-US" sz="3022" dirty="0"/>
+              <a:t>ACM-W this Week</a:t>
+            </a:r>
+          </a:p>
+          <a:p>
+            <a:r>
+              <a:rPr lang="en-US" sz="1813" dirty="0"/>
+              <a:t>Hike to </a:t>
+            </a:r>
+            <a:r>
+              <a:rPr lang="en-US" sz="1813" dirty="0" err="1"/>
+              <a:t>Horsetooth</a:t>
+            </a:r>
+            <a:r>
+              <a:rPr lang="en-US" sz="1813" dirty="0"/>
+              <a:t> Falls</a:t>
+            </a:r>
+          </a:p>
+          <a:p>
+            <a:r>
+              <a:rPr lang="en-US" sz="1813" dirty="0"/>
+              <a:t>Thursday, 5:30 PM </a:t>
+            </a:r>
+            <a:br>
+              <a:rPr lang="en-US" sz="1813" dirty="0"/>
+            </a:br>
+            <a:r>
+              <a:rPr lang="en-US" sz="1813" dirty="0"/>
+              <a:t>Meet outside CSB front of building</a:t>
+            </a:r>
+          </a:p>
+        </p:txBody>
+      </p:sp>
+      <p:sp>
+        <p:nvSpPr>
+          <p:cNvPr id="2" name="TextBox 1">
+            <a:extLst>
+              <a:ext uri="{FF2B5EF4-FFF2-40B4-BE49-F238E27FC236}">
+                <a16:creationId xmlns:a16="http://schemas.microsoft.com/office/drawing/2014/main" id="{92EEFA02-5996-374A-B048-76B916799C48}"/>
+              </a:ext>
+            </a:extLst>
+          </p:cNvPr>
+          <p:cNvSpPr txBox="1"/>
+          <p:nvPr/>
+        </p:nvSpPr>
+        <p:spPr>
+          <a:xfrm>
+            <a:off x="1480594" y="6183498"/>
+            <a:ext cx="8779968" cy="1015663"/>
+          </a:xfrm>
+          <a:prstGeom prst="rect">
+            <a:avLst/>
+          </a:prstGeom>
+          <a:solidFill>
+            <a:schemeClr val="accent2"/>
+          </a:solidFill>
+        </p:spPr>
+        <p:txBody>
+          <a:bodyPr wrap="none" rtlCol="0">
+            <a:spAutoFit/>
+          </a:bodyPr>
+          <a:lstStyle/>
+          <a:p>
+            <a:r>
+              <a:rPr lang="en-US" b="1" dirty="0"/>
+              <a:t>Opening Question (talk with others in your group *before* class starts)</a:t>
+            </a:r>
+          </a:p>
+          <a:p>
+            <a:r>
+              <a:rPr lang="en-US" dirty="0"/>
+              <a:t>What is your favorite poem or song? Why does it have meaning?</a:t>
+            </a:r>
+          </a:p>
+          <a:p>
+            <a:r>
+              <a:rPr lang="en-US" dirty="0"/>
+              <a:t>Does that meaning have context?</a:t>
             </a:r>
           </a:p>
         </p:txBody>
@@ -9157,29 +10173,1032 @@
     </p:spTree>
     <p:extLst>
       <p:ext uri="{BB962C8B-B14F-4D97-AF65-F5344CB8AC3E}">
-        <p14:creationId xmlns:p14="http://schemas.microsoft.com/office/powerpoint/2010/main" val="161816351"/>
+        <p14:creationId xmlns:p14="http://schemas.microsoft.com/office/powerpoint/2010/main" val="2801241116"/>
       </p:ext>
     </p:extLst>
   </p:cSld>
   <p:clrMapOvr>
     <a:masterClrMapping/>
   </p:clrMapOvr>
-  <mc:AlternateContent xmlns:mc="http://schemas.openxmlformats.org/markup-compatibility/2006" xmlns:p14="http://schemas.microsoft.com/office/powerpoint/2010/main">
-    <mc:Choice Requires="p14">
-      <p:transition p14:dur="300">
-        <p:fade/>
-      </p:transition>
-    </mc:Choice>
-    <mc:Fallback xmlns="">
-      <p:transition>
-        <p:fade/>
-      </p:transition>
-    </mc:Fallback>
-  </mc:AlternateContent>
+  <p:transition>
+    <p:fade/>
+  </p:transition>
 </p:sld>
 </file>
 
 <file path=ppt/slides/slide3.xml><?xml version="1.0" encoding="utf-8"?>
+<p:sld xmlns:a="http://schemas.openxmlformats.org/drawingml/2006/main" xmlns:r="http://schemas.openxmlformats.org/officeDocument/2006/relationships" xmlns:p="http://schemas.openxmlformats.org/presentationml/2006/main">
+  <p:cSld>
+    <p:spTree>
+      <p:nvGrpSpPr>
+        <p:cNvPr id="1" name="Shape 203"/>
+        <p:cNvGrpSpPr/>
+        <p:nvPr/>
+      </p:nvGrpSpPr>
+      <p:grpSpPr>
+        <a:xfrm>
+          <a:off x="0" y="0"/>
+          <a:ext cx="0" cy="0"/>
+          <a:chOff x="0" y="0"/>
+          <a:chExt cx="0" cy="0"/>
+        </a:xfrm>
+      </p:grpSpPr>
+      <p:sp>
+        <p:nvSpPr>
+          <p:cNvPr id="204" name="Google Shape;204;p41"/>
+          <p:cNvSpPr txBox="1">
+            <a:spLocks noGrp="1"/>
+          </p:cNvSpPr>
+          <p:nvPr>
+            <p:ph type="title"/>
+          </p:nvPr>
+        </p:nvSpPr>
+        <p:spPr>
+          <a:xfrm>
+            <a:off x="628075" y="751389"/>
+            <a:ext cx="12561413" cy="1015467"/>
+          </a:xfrm>
+          <a:prstGeom prst="rect">
+            <a:avLst/>
+          </a:prstGeom>
+        </p:spPr>
+        <p:txBody>
+          <a:bodyPr spcFirstLastPara="1" vert="horz" wrap="square" lIns="91422" tIns="91422" rIns="91422" bIns="91422" rtlCol="0" anchor="b" anchorCtr="0">
+            <a:noAutofit/>
+          </a:bodyPr>
+          <a:lstStyle/>
+          <a:p>
+            <a:r>
+              <a:rPr lang="en"/>
+              <a:t>Pioneer of Compiled Code </a:t>
+            </a:r>
+            <a:endParaRPr dirty="0"/>
+          </a:p>
+        </p:txBody>
+      </p:sp>
+      <p:sp>
+        <p:nvSpPr>
+          <p:cNvPr id="205" name="Google Shape;205;p41"/>
+          <p:cNvSpPr txBox="1">
+            <a:spLocks noGrp="1"/>
+          </p:cNvSpPr>
+          <p:nvPr>
+            <p:ph type="body" idx="1"/>
+          </p:nvPr>
+        </p:nvSpPr>
+        <p:spPr>
+          <a:xfrm>
+            <a:off x="628093" y="2009096"/>
+            <a:ext cx="8345867" cy="4753653"/>
+          </a:xfrm>
+          <a:prstGeom prst="rect">
+            <a:avLst/>
+          </a:prstGeom>
+        </p:spPr>
+        <p:txBody>
+          <a:bodyPr spcFirstLastPara="1" vert="horz" wrap="square" lIns="91422" tIns="91422" rIns="91422" bIns="91422" rtlCol="0" anchor="t" anchorCtr="0">
+            <a:noAutofit/>
+          </a:bodyPr>
+          <a:lstStyle/>
+          <a:p>
+            <a:r>
+              <a:rPr lang="en">
+                <a:solidFill>
+                  <a:srgbClr val="000000"/>
+                </a:solidFill>
+              </a:rPr>
+              <a:t>Admiral Grace Murray Hopper</a:t>
+            </a:r>
+            <a:endParaRPr dirty="0">
+              <a:solidFill>
+                <a:srgbClr val="000000"/>
+              </a:solidFill>
+            </a:endParaRPr>
+          </a:p>
+          <a:p>
+            <a:pPr lvl="1">
+              <a:spcBef>
+                <a:spcPts val="0"/>
+              </a:spcBef>
+            </a:pPr>
+            <a:r>
+              <a:rPr lang="en">
+                <a:solidFill>
+                  <a:srgbClr val="000000"/>
+                </a:solidFill>
+              </a:rPr>
+              <a:t>Nicknames, Amazing Grace, Grandma COBOL</a:t>
+            </a:r>
+            <a:endParaRPr dirty="0">
+              <a:solidFill>
+                <a:srgbClr val="000000"/>
+              </a:solidFill>
+            </a:endParaRPr>
+          </a:p>
+          <a:p>
+            <a:pPr>
+              <a:spcBef>
+                <a:spcPts val="0"/>
+              </a:spcBef>
+            </a:pPr>
+            <a:r>
+              <a:rPr lang="en">
+                <a:solidFill>
+                  <a:srgbClr val="000000"/>
+                </a:solidFill>
+              </a:rPr>
+              <a:t>Mark I computer</a:t>
+            </a:r>
+            <a:endParaRPr dirty="0">
+              <a:solidFill>
+                <a:srgbClr val="000000"/>
+              </a:solidFill>
+            </a:endParaRPr>
+          </a:p>
+          <a:p>
+            <a:pPr lvl="1">
+              <a:spcBef>
+                <a:spcPts val="0"/>
+              </a:spcBef>
+            </a:pPr>
+            <a:r>
+              <a:rPr lang="en">
+                <a:solidFill>
+                  <a:srgbClr val="000000"/>
+                </a:solidFill>
+              </a:rPr>
+              <a:t>Built by Howard Aiken,</a:t>
+            </a:r>
+            <a:endParaRPr dirty="0">
+              <a:solidFill>
+                <a:srgbClr val="000000"/>
+              </a:solidFill>
+            </a:endParaRPr>
+          </a:p>
+          <a:p>
+            <a:pPr lvl="1">
+              <a:spcBef>
+                <a:spcPts val="0"/>
+              </a:spcBef>
+            </a:pPr>
+            <a:r>
+              <a:rPr lang="en">
+                <a:solidFill>
+                  <a:srgbClr val="000000"/>
+                </a:solidFill>
+              </a:rPr>
+              <a:t>Programming by Grace Murray Hopper (and others). </a:t>
+            </a:r>
+            <a:endParaRPr dirty="0">
+              <a:solidFill>
+                <a:srgbClr val="000000"/>
+              </a:solidFill>
+            </a:endParaRPr>
+          </a:p>
+          <a:p>
+            <a:pPr>
+              <a:spcBef>
+                <a:spcPts val="0"/>
+              </a:spcBef>
+            </a:pPr>
+            <a:r>
+              <a:rPr lang="en">
+                <a:solidFill>
+                  <a:srgbClr val="000000"/>
+                </a:solidFill>
+              </a:rPr>
+              <a:t>Believed programing languages could be</a:t>
+            </a:r>
+            <a:endParaRPr dirty="0">
+              <a:solidFill>
+                <a:srgbClr val="000000"/>
+              </a:solidFill>
+            </a:endParaRPr>
+          </a:p>
+          <a:p>
+            <a:pPr lvl="1">
+              <a:spcBef>
+                <a:spcPts val="0"/>
+              </a:spcBef>
+            </a:pPr>
+            <a:r>
+              <a:rPr lang="en">
+                <a:solidFill>
+                  <a:srgbClr val="000000"/>
+                </a:solidFill>
+              </a:rPr>
+              <a:t>Machine independent</a:t>
+            </a:r>
+            <a:endParaRPr dirty="0">
+              <a:solidFill>
+                <a:srgbClr val="000000"/>
+              </a:solidFill>
+            </a:endParaRPr>
+          </a:p>
+          <a:p>
+            <a:pPr lvl="1">
+              <a:spcBef>
+                <a:spcPts val="0"/>
+              </a:spcBef>
+            </a:pPr>
+            <a:r>
+              <a:rPr lang="en">
+                <a:solidFill>
+                  <a:srgbClr val="000000"/>
+                </a:solidFill>
+              </a:rPr>
+              <a:t>Compiled from English to machine code</a:t>
+            </a:r>
+            <a:endParaRPr dirty="0">
+              <a:solidFill>
+                <a:srgbClr val="000000"/>
+              </a:solidFill>
+            </a:endParaRPr>
+          </a:p>
+          <a:p>
+            <a:pPr lvl="1">
+              <a:spcBef>
+                <a:spcPts val="0"/>
+              </a:spcBef>
+            </a:pPr>
+            <a:r>
+              <a:rPr lang="en">
+                <a:solidFill>
+                  <a:srgbClr val="000000"/>
+                </a:solidFill>
+              </a:rPr>
+              <a:t>Same program, multiple machines</a:t>
+            </a:r>
+            <a:endParaRPr dirty="0">
+              <a:solidFill>
+                <a:srgbClr val="000000"/>
+              </a:solidFill>
+            </a:endParaRPr>
+          </a:p>
+          <a:p>
+            <a:pPr lvl="1">
+              <a:spcBef>
+                <a:spcPts val="0"/>
+              </a:spcBef>
+            </a:pPr>
+            <a:r>
+              <a:rPr lang="en">
+                <a:solidFill>
+                  <a:srgbClr val="000000"/>
+                </a:solidFill>
+              </a:rPr>
+              <a:t>Invented the COBOL language</a:t>
+            </a:r>
+            <a:endParaRPr dirty="0">
+              <a:solidFill>
+                <a:srgbClr val="000000"/>
+              </a:solidFill>
+            </a:endParaRPr>
+          </a:p>
+          <a:p>
+            <a:pPr>
+              <a:spcBef>
+                <a:spcPts val="0"/>
+              </a:spcBef>
+            </a:pPr>
+            <a:r>
+              <a:rPr lang="en">
+                <a:solidFill>
+                  <a:srgbClr val="000000"/>
+                </a:solidFill>
+              </a:rPr>
+              <a:t>Also believed in Automatic Coding:</a:t>
+            </a:r>
+            <a:endParaRPr dirty="0">
+              <a:solidFill>
+                <a:srgbClr val="000000"/>
+              </a:solidFill>
+            </a:endParaRPr>
+          </a:p>
+          <a:p>
+            <a:pPr lvl="1">
+              <a:spcBef>
+                <a:spcPts val="0"/>
+              </a:spcBef>
+            </a:pPr>
+            <a:r>
+              <a:rPr lang="en">
+                <a:solidFill>
+                  <a:srgbClr val="000000"/>
+                </a:solidFill>
+              </a:rPr>
+              <a:t>Code that writes itself - eventually A.I. that writes code for you</a:t>
+            </a:r>
+            <a:endParaRPr dirty="0">
+              <a:solidFill>
+                <a:srgbClr val="000000"/>
+              </a:solidFill>
+            </a:endParaRPr>
+          </a:p>
+          <a:p>
+            <a:pPr lvl="1">
+              <a:spcBef>
+                <a:spcPts val="0"/>
+              </a:spcBef>
+            </a:pPr>
+            <a:r>
+              <a:rPr lang="en">
+                <a:solidFill>
+                  <a:srgbClr val="000000"/>
+                </a:solidFill>
+              </a:rPr>
+              <a:t>Pointed out later in life that “coding” is different than “programming”</a:t>
+            </a:r>
+            <a:endParaRPr dirty="0">
+              <a:solidFill>
+                <a:srgbClr val="000000"/>
+              </a:solidFill>
+            </a:endParaRPr>
+          </a:p>
+          <a:p>
+            <a:pPr>
+              <a:spcBef>
+                <a:spcPts val="0"/>
+              </a:spcBef>
+            </a:pPr>
+            <a:r>
+              <a:rPr lang="en">
+                <a:solidFill>
+                  <a:srgbClr val="000000"/>
+                </a:solidFill>
+              </a:rPr>
+              <a:t>Believed the </a:t>
+            </a:r>
+            <a:r>
+              <a:rPr lang="en" u="sng">
+                <a:solidFill>
+                  <a:srgbClr val="000000"/>
+                </a:solidFill>
+              </a:rPr>
+              <a:t>programmer was greater than the engineer</a:t>
+            </a:r>
+            <a:endParaRPr u="sng" dirty="0">
+              <a:solidFill>
+                <a:srgbClr val="000000"/>
+              </a:solidFill>
+            </a:endParaRPr>
+          </a:p>
+        </p:txBody>
+      </p:sp>
+      <p:pic>
+        <p:nvPicPr>
+          <p:cNvPr id="206" name="Google Shape;206;p41" descr="Commodore Grace M. Hopper, USN (covered).jpg"/>
+          <p:cNvPicPr preferRelativeResize="0"/>
+          <p:nvPr/>
+        </p:nvPicPr>
+        <p:blipFill>
+          <a:blip r:embed="rId3">
+            <a:alphaModFix/>
+          </a:blip>
+          <a:stretch>
+            <a:fillRect/>
+          </a:stretch>
+        </p:blipFill>
+        <p:spPr>
+          <a:xfrm>
+            <a:off x="9239463" y="1920736"/>
+            <a:ext cx="3870598" cy="4842016"/>
+          </a:xfrm>
+          <a:prstGeom prst="rect">
+            <a:avLst/>
+          </a:prstGeom>
+          <a:noFill/>
+          <a:ln>
+            <a:noFill/>
+          </a:ln>
+        </p:spPr>
+      </p:pic>
+      <p:sp>
+        <p:nvSpPr>
+          <p:cNvPr id="207" name="Google Shape;207;p41"/>
+          <p:cNvSpPr txBox="1"/>
+          <p:nvPr/>
+        </p:nvSpPr>
+        <p:spPr>
+          <a:xfrm>
+            <a:off x="9239462" y="6762751"/>
+            <a:ext cx="3870560" cy="608827"/>
+          </a:xfrm>
+          <a:prstGeom prst="rect">
+            <a:avLst/>
+          </a:prstGeom>
+          <a:noFill/>
+          <a:ln>
+            <a:noFill/>
+          </a:ln>
+        </p:spPr>
+        <p:txBody>
+          <a:bodyPr spcFirstLastPara="1" wrap="square" lIns="138153" tIns="138153" rIns="138153" bIns="138153" anchor="ctr" anchorCtr="0">
+            <a:noAutofit/>
+          </a:bodyPr>
+          <a:lstStyle/>
+          <a:p>
+            <a:r>
+              <a:rPr lang="en" sz="1058"/>
+              <a:t>By James S. Davis [Public domain], via Wikimedia Commons. </a:t>
+            </a:r>
+            <a:r>
+              <a:rPr lang="en" sz="1058" u="sng">
+                <a:solidFill>
+                  <a:schemeClr val="hlink"/>
+                </a:solidFill>
+                <a:hlinkClick r:id="rId4"/>
+              </a:rPr>
+              <a:t>Source</a:t>
+            </a:r>
+            <a:endParaRPr sz="1058" dirty="0"/>
+          </a:p>
+        </p:txBody>
+      </p:sp>
+    </p:spTree>
+  </p:cSld>
+  <p:clrMapOvr>
+    <a:masterClrMapping/>
+  </p:clrMapOvr>
+</p:sld>
+</file>
+
+<file path=ppt/slides/slide4.xml><?xml version="1.0" encoding="utf-8"?>
+<p:sld xmlns:a="http://schemas.openxmlformats.org/drawingml/2006/main" xmlns:r="http://schemas.openxmlformats.org/officeDocument/2006/relationships" xmlns:p="http://schemas.openxmlformats.org/presentationml/2006/main">
+  <p:cSld>
+    <p:spTree>
+      <p:nvGrpSpPr>
+        <p:cNvPr id="1" name="Shape 211"/>
+        <p:cNvGrpSpPr/>
+        <p:nvPr/>
+      </p:nvGrpSpPr>
+      <p:grpSpPr>
+        <a:xfrm>
+          <a:off x="0" y="0"/>
+          <a:ext cx="0" cy="0"/>
+          <a:chOff x="0" y="0"/>
+          <a:chExt cx="0" cy="0"/>
+        </a:xfrm>
+      </p:grpSpPr>
+      <p:sp>
+        <p:nvSpPr>
+          <p:cNvPr id="212" name="Google Shape;212;p42"/>
+          <p:cNvSpPr txBox="1">
+            <a:spLocks noGrp="1"/>
+          </p:cNvSpPr>
+          <p:nvPr>
+            <p:ph type="title"/>
+          </p:nvPr>
+        </p:nvSpPr>
+        <p:spPr>
+          <a:xfrm>
+            <a:off x="628075" y="751389"/>
+            <a:ext cx="12561413" cy="1015467"/>
+          </a:xfrm>
+          <a:prstGeom prst="rect">
+            <a:avLst/>
+          </a:prstGeom>
+        </p:spPr>
+        <p:txBody>
+          <a:bodyPr spcFirstLastPara="1" vert="horz" wrap="square" lIns="91422" tIns="91422" rIns="91422" bIns="91422" rtlCol="0" anchor="b" anchorCtr="0">
+            <a:noAutofit/>
+          </a:bodyPr>
+          <a:lstStyle/>
+          <a:p>
+            <a:r>
+              <a:rPr lang="en"/>
+              <a:t>Automatic Coding vs. Programming?</a:t>
+            </a:r>
+            <a:endParaRPr dirty="0"/>
+          </a:p>
+        </p:txBody>
+      </p:sp>
+      <p:sp>
+        <p:nvSpPr>
+          <p:cNvPr id="213" name="Google Shape;213;p42"/>
+          <p:cNvSpPr txBox="1">
+            <a:spLocks noGrp="1"/>
+          </p:cNvSpPr>
+          <p:nvPr>
+            <p:ph type="body" idx="1"/>
+          </p:nvPr>
+        </p:nvSpPr>
+        <p:spPr>
+          <a:xfrm>
+            <a:off x="673590" y="1976043"/>
+            <a:ext cx="5505733" cy="4597707"/>
+          </a:xfrm>
+          <a:prstGeom prst="rect">
+            <a:avLst/>
+          </a:prstGeom>
+        </p:spPr>
+        <p:txBody>
+          <a:bodyPr spcFirstLastPara="1" vert="horz" wrap="square" lIns="91422" tIns="91422" rIns="91422" bIns="91422" rtlCol="0" anchor="t" anchorCtr="0">
+            <a:noAutofit/>
+          </a:bodyPr>
+          <a:lstStyle/>
+          <a:p>
+            <a:r>
+              <a:rPr lang="en" dirty="0">
+                <a:solidFill>
+                  <a:srgbClr val="000000"/>
+                </a:solidFill>
+              </a:rPr>
+              <a:t>Coding </a:t>
+            </a:r>
+            <a:endParaRPr dirty="0">
+              <a:solidFill>
+                <a:srgbClr val="000000"/>
+              </a:solidFill>
+            </a:endParaRPr>
+          </a:p>
+          <a:p>
+            <a:pPr lvl="1">
+              <a:spcBef>
+                <a:spcPts val="0"/>
+              </a:spcBef>
+            </a:pPr>
+            <a:r>
+              <a:rPr lang="en" dirty="0">
+                <a:solidFill>
+                  <a:srgbClr val="000000"/>
+                </a:solidFill>
+              </a:rPr>
+              <a:t>Syntax</a:t>
+            </a:r>
+            <a:endParaRPr dirty="0">
+              <a:solidFill>
+                <a:srgbClr val="000000"/>
+              </a:solidFill>
+            </a:endParaRPr>
+          </a:p>
+          <a:p>
+            <a:pPr lvl="1">
+              <a:spcBef>
+                <a:spcPts val="0"/>
+              </a:spcBef>
+            </a:pPr>
+            <a:r>
+              <a:rPr lang="en" dirty="0">
+                <a:solidFill>
+                  <a:srgbClr val="000000"/>
+                </a:solidFill>
+              </a:rPr>
+              <a:t>How you do something</a:t>
+            </a:r>
+            <a:endParaRPr dirty="0">
+              <a:solidFill>
+                <a:srgbClr val="000000"/>
+              </a:solidFill>
+            </a:endParaRPr>
+          </a:p>
+          <a:p>
+            <a:pPr lvl="1">
+              <a:spcBef>
+                <a:spcPts val="0"/>
+              </a:spcBef>
+            </a:pPr>
+            <a:r>
+              <a:rPr lang="en" dirty="0">
+                <a:solidFill>
+                  <a:srgbClr val="000000"/>
+                </a:solidFill>
+              </a:rPr>
+              <a:t>What you are doing in this class</a:t>
+            </a:r>
+            <a:endParaRPr dirty="0">
+              <a:solidFill>
+                <a:srgbClr val="000000"/>
+              </a:solidFill>
+            </a:endParaRPr>
+          </a:p>
+          <a:p>
+            <a:pPr lvl="1">
+              <a:spcBef>
+                <a:spcPts val="0"/>
+              </a:spcBef>
+            </a:pPr>
+            <a:r>
+              <a:rPr lang="en" dirty="0">
+                <a:solidFill>
+                  <a:srgbClr val="000000"/>
+                </a:solidFill>
+              </a:rPr>
+              <a:t>It follows specific rules</a:t>
+            </a:r>
+            <a:endParaRPr dirty="0">
+              <a:solidFill>
+                <a:srgbClr val="000000"/>
+              </a:solidFill>
+            </a:endParaRPr>
+          </a:p>
+          <a:p>
+            <a:pPr lvl="1">
+              <a:spcBef>
+                <a:spcPts val="0"/>
+              </a:spcBef>
+            </a:pPr>
+            <a:r>
+              <a:rPr lang="en" dirty="0">
+                <a:solidFill>
+                  <a:srgbClr val="000000"/>
+                </a:solidFill>
+              </a:rPr>
+              <a:t>Can be self-taught</a:t>
+            </a:r>
+            <a:endParaRPr dirty="0">
+              <a:solidFill>
+                <a:srgbClr val="000000"/>
+              </a:solidFill>
+            </a:endParaRPr>
+          </a:p>
+          <a:p>
+            <a:pPr>
+              <a:spcBef>
+                <a:spcPts val="0"/>
+              </a:spcBef>
+            </a:pPr>
+            <a:r>
+              <a:rPr lang="en" dirty="0">
+                <a:solidFill>
+                  <a:srgbClr val="000000"/>
+                </a:solidFill>
+              </a:rPr>
+              <a:t>Programming</a:t>
+            </a:r>
+            <a:endParaRPr dirty="0">
+              <a:solidFill>
+                <a:srgbClr val="000000"/>
+              </a:solidFill>
+            </a:endParaRPr>
+          </a:p>
+          <a:p>
+            <a:pPr lvl="1">
+              <a:spcBef>
+                <a:spcPts val="0"/>
+              </a:spcBef>
+            </a:pPr>
+            <a:r>
+              <a:rPr lang="en" dirty="0">
+                <a:solidFill>
+                  <a:srgbClr val="000000"/>
+                </a:solidFill>
+              </a:rPr>
+              <a:t>Design</a:t>
+            </a:r>
+            <a:endParaRPr dirty="0">
+              <a:solidFill>
+                <a:srgbClr val="000000"/>
+              </a:solidFill>
+            </a:endParaRPr>
+          </a:p>
+          <a:p>
+            <a:pPr lvl="1">
+              <a:spcBef>
+                <a:spcPts val="0"/>
+              </a:spcBef>
+            </a:pPr>
+            <a:r>
+              <a:rPr lang="en" dirty="0">
+                <a:solidFill>
+                  <a:srgbClr val="000000"/>
+                </a:solidFill>
+              </a:rPr>
+              <a:t>Theory</a:t>
+            </a:r>
+            <a:endParaRPr dirty="0">
+              <a:solidFill>
+                <a:srgbClr val="000000"/>
+              </a:solidFill>
+            </a:endParaRPr>
+          </a:p>
+          <a:p>
+            <a:pPr lvl="1">
+              <a:spcBef>
+                <a:spcPts val="0"/>
+              </a:spcBef>
+            </a:pPr>
+            <a:r>
+              <a:rPr lang="en" dirty="0">
+                <a:solidFill>
+                  <a:srgbClr val="000000"/>
+                </a:solidFill>
+              </a:rPr>
+              <a:t>Specification</a:t>
+            </a:r>
+            <a:endParaRPr dirty="0">
+              <a:solidFill>
+                <a:srgbClr val="000000"/>
+              </a:solidFill>
+            </a:endParaRPr>
+          </a:p>
+          <a:p>
+            <a:pPr lvl="1">
+              <a:spcBef>
+                <a:spcPts val="0"/>
+              </a:spcBef>
+            </a:pPr>
+            <a:r>
+              <a:rPr lang="en" dirty="0">
+                <a:solidFill>
+                  <a:srgbClr val="000000"/>
+                </a:solidFill>
+              </a:rPr>
+              <a:t>It requires the creative component</a:t>
+            </a:r>
+            <a:endParaRPr dirty="0">
+              <a:solidFill>
+                <a:srgbClr val="000000"/>
+              </a:solidFill>
+            </a:endParaRPr>
+          </a:p>
+        </p:txBody>
+      </p:sp>
+      <p:sp>
+        <p:nvSpPr>
+          <p:cNvPr id="214" name="Google Shape;214;p42"/>
+          <p:cNvSpPr txBox="1"/>
+          <p:nvPr/>
+        </p:nvSpPr>
+        <p:spPr>
+          <a:xfrm>
+            <a:off x="6347723" y="1881177"/>
+            <a:ext cx="6726560" cy="1420293"/>
+          </a:xfrm>
+          <a:prstGeom prst="rect">
+            <a:avLst/>
+          </a:prstGeom>
+          <a:noFill/>
+          <a:ln>
+            <a:noFill/>
+          </a:ln>
+        </p:spPr>
+        <p:txBody>
+          <a:bodyPr spcFirstLastPara="1" wrap="square" lIns="138153" tIns="138153" rIns="138153" bIns="138153" anchor="t" anchorCtr="0">
+            <a:noAutofit/>
+          </a:bodyPr>
+          <a:lstStyle/>
+          <a:p>
+            <a:r>
+              <a:rPr lang="en" sz="2400" dirty="0"/>
+              <a:t>A good programmer has to be more than a coder. She has to be an problem solver, a designer, an artist and engineering.</a:t>
+            </a:r>
+            <a:endParaRPr sz="2400" dirty="0"/>
+          </a:p>
+        </p:txBody>
+      </p:sp>
+      <p:sp>
+        <p:nvSpPr>
+          <p:cNvPr id="215" name="Google Shape;215;p42"/>
+          <p:cNvSpPr/>
+          <p:nvPr/>
+        </p:nvSpPr>
+        <p:spPr>
+          <a:xfrm>
+            <a:off x="8393163" y="3391811"/>
+            <a:ext cx="1472427" cy="1007760"/>
+          </a:xfrm>
+          <a:prstGeom prst="rect">
+            <a:avLst/>
+          </a:prstGeom>
+          <a:solidFill>
+            <a:srgbClr val="C8C371"/>
+          </a:solidFill>
+          <a:ln w="9525" cap="flat" cmpd="sng">
+            <a:solidFill>
+              <a:srgbClr val="1E4D2B"/>
+            </a:solidFill>
+            <a:prstDash val="solid"/>
+            <a:round/>
+            <a:headEnd type="none" w="sm" len="sm"/>
+            <a:tailEnd type="none" w="sm" len="sm"/>
+          </a:ln>
+        </p:spPr>
+        <p:txBody>
+          <a:bodyPr spcFirstLastPara="1" wrap="square" lIns="138153" tIns="138153" rIns="138153" bIns="138153" anchor="ctr" anchorCtr="0">
+            <a:noAutofit/>
+          </a:bodyPr>
+          <a:lstStyle/>
+          <a:p>
+            <a:pPr algn="ctr"/>
+            <a:r>
+              <a:rPr lang="en" sz="3022"/>
+              <a:t>Divide</a:t>
+            </a:r>
+            <a:endParaRPr sz="3022" dirty="0"/>
+          </a:p>
+        </p:txBody>
+      </p:sp>
+      <p:sp>
+        <p:nvSpPr>
+          <p:cNvPr id="216" name="Google Shape;216;p42"/>
+          <p:cNvSpPr/>
+          <p:nvPr/>
+        </p:nvSpPr>
+        <p:spPr>
+          <a:xfrm>
+            <a:off x="7690876" y="4523256"/>
+            <a:ext cx="840933" cy="635573"/>
+          </a:xfrm>
+          <a:prstGeom prst="rect">
+            <a:avLst/>
+          </a:prstGeom>
+          <a:solidFill>
+            <a:srgbClr val="C8C371"/>
+          </a:solidFill>
+          <a:ln w="9525" cap="flat" cmpd="sng">
+            <a:solidFill>
+              <a:srgbClr val="1E4D2B"/>
+            </a:solidFill>
+            <a:prstDash val="solid"/>
+            <a:round/>
+            <a:headEnd type="none" w="sm" len="sm"/>
+            <a:tailEnd type="none" w="sm" len="sm"/>
+          </a:ln>
+        </p:spPr>
+        <p:txBody>
+          <a:bodyPr spcFirstLastPara="1" wrap="square" lIns="138153" tIns="138153" rIns="138153" bIns="138153" anchor="ctr" anchorCtr="0">
+            <a:noAutofit/>
+          </a:bodyPr>
+          <a:lstStyle/>
+          <a:p>
+            <a:pPr algn="ctr"/>
+            <a:r>
+              <a:rPr lang="en" sz="1058"/>
+              <a:t>Conquer</a:t>
+            </a:r>
+            <a:endParaRPr sz="1058" dirty="0"/>
+          </a:p>
+        </p:txBody>
+      </p:sp>
+      <p:sp>
+        <p:nvSpPr>
+          <p:cNvPr id="217" name="Google Shape;217;p42"/>
+          <p:cNvSpPr/>
+          <p:nvPr/>
+        </p:nvSpPr>
+        <p:spPr>
+          <a:xfrm>
+            <a:off x="8712500" y="4523256"/>
+            <a:ext cx="840933" cy="635573"/>
+          </a:xfrm>
+          <a:prstGeom prst="rect">
+            <a:avLst/>
+          </a:prstGeom>
+          <a:solidFill>
+            <a:srgbClr val="C8C371"/>
+          </a:solidFill>
+          <a:ln w="9525" cap="flat" cmpd="sng">
+            <a:solidFill>
+              <a:srgbClr val="1E4D2B"/>
+            </a:solidFill>
+            <a:prstDash val="solid"/>
+            <a:round/>
+            <a:headEnd type="none" w="sm" len="sm"/>
+            <a:tailEnd type="none" w="sm" len="sm"/>
+          </a:ln>
+        </p:spPr>
+        <p:txBody>
+          <a:bodyPr spcFirstLastPara="1" wrap="square" lIns="138153" tIns="138153" rIns="138153" bIns="138153" anchor="ctr" anchorCtr="0">
+            <a:noAutofit/>
+          </a:bodyPr>
+          <a:lstStyle/>
+          <a:p>
+            <a:pPr algn="ctr"/>
+            <a:r>
+              <a:rPr lang="en" sz="1058"/>
+              <a:t>Conquer</a:t>
+            </a:r>
+            <a:endParaRPr sz="1058" dirty="0"/>
+          </a:p>
+        </p:txBody>
+      </p:sp>
+      <p:sp>
+        <p:nvSpPr>
+          <p:cNvPr id="218" name="Google Shape;218;p42"/>
+          <p:cNvSpPr/>
+          <p:nvPr/>
+        </p:nvSpPr>
+        <p:spPr>
+          <a:xfrm>
+            <a:off x="9734126" y="4523256"/>
+            <a:ext cx="840933" cy="635573"/>
+          </a:xfrm>
+          <a:prstGeom prst="rect">
+            <a:avLst/>
+          </a:prstGeom>
+          <a:solidFill>
+            <a:srgbClr val="C8C371"/>
+          </a:solidFill>
+          <a:ln w="9525" cap="flat" cmpd="sng">
+            <a:solidFill>
+              <a:srgbClr val="1E4D2B"/>
+            </a:solidFill>
+            <a:prstDash val="solid"/>
+            <a:round/>
+            <a:headEnd type="none" w="sm" len="sm"/>
+            <a:tailEnd type="none" w="sm" len="sm"/>
+          </a:ln>
+        </p:spPr>
+        <p:txBody>
+          <a:bodyPr spcFirstLastPara="1" wrap="square" lIns="138153" tIns="138153" rIns="138153" bIns="138153" anchor="ctr" anchorCtr="0">
+            <a:noAutofit/>
+          </a:bodyPr>
+          <a:lstStyle/>
+          <a:p>
+            <a:pPr algn="ctr"/>
+            <a:r>
+              <a:rPr lang="en" sz="1058"/>
+              <a:t>Conquer</a:t>
+            </a:r>
+            <a:endParaRPr sz="1058" dirty="0"/>
+          </a:p>
+        </p:txBody>
+      </p:sp>
+      <p:sp>
+        <p:nvSpPr>
+          <p:cNvPr id="219" name="Google Shape;219;p42"/>
+          <p:cNvSpPr/>
+          <p:nvPr/>
+        </p:nvSpPr>
+        <p:spPr>
+          <a:xfrm>
+            <a:off x="8393163" y="5372855"/>
+            <a:ext cx="1472427" cy="1007760"/>
+          </a:xfrm>
+          <a:prstGeom prst="rect">
+            <a:avLst/>
+          </a:prstGeom>
+          <a:solidFill>
+            <a:srgbClr val="C8C371"/>
+          </a:solidFill>
+          <a:ln w="9525" cap="flat" cmpd="sng">
+            <a:solidFill>
+              <a:srgbClr val="1E4D2B"/>
+            </a:solidFill>
+            <a:prstDash val="solid"/>
+            <a:round/>
+            <a:headEnd type="none" w="sm" len="sm"/>
+            <a:tailEnd type="none" w="sm" len="sm"/>
+          </a:ln>
+        </p:spPr>
+        <p:txBody>
+          <a:bodyPr spcFirstLastPara="1" wrap="square" lIns="138153" tIns="138153" rIns="138153" bIns="138153" anchor="ctr" anchorCtr="0">
+            <a:noAutofit/>
+          </a:bodyPr>
+          <a:lstStyle/>
+          <a:p>
+            <a:pPr algn="ctr"/>
+            <a:r>
+              <a:rPr lang="en" sz="3022" dirty="0"/>
+              <a:t>Glue</a:t>
+            </a:r>
+            <a:endParaRPr sz="3022" dirty="0"/>
+          </a:p>
+        </p:txBody>
+      </p:sp>
+      <p:sp>
+        <p:nvSpPr>
+          <p:cNvPr id="220" name="Google Shape;220;p42"/>
+          <p:cNvSpPr txBox="1"/>
+          <p:nvPr/>
+        </p:nvSpPr>
+        <p:spPr>
+          <a:xfrm rot="2052303">
+            <a:off x="10704571" y="3791874"/>
+            <a:ext cx="2398539" cy="635440"/>
+          </a:xfrm>
+          <a:prstGeom prst="rect">
+            <a:avLst/>
+          </a:prstGeom>
+          <a:noFill/>
+          <a:ln>
+            <a:noFill/>
+          </a:ln>
+        </p:spPr>
+        <p:txBody>
+          <a:bodyPr spcFirstLastPara="1" wrap="square" lIns="138153" tIns="138153" rIns="138153" bIns="138153" anchor="t" anchorCtr="0">
+            <a:noAutofit/>
+          </a:bodyPr>
+          <a:lstStyle/>
+          <a:p>
+            <a:r>
+              <a:rPr lang="en" sz="3022" dirty="0"/>
+              <a:t>Remember</a:t>
+            </a:r>
+            <a:endParaRPr sz="3022" dirty="0"/>
+          </a:p>
+        </p:txBody>
+      </p:sp>
+    </p:spTree>
+  </p:cSld>
+  <p:clrMapOvr>
+    <a:masterClrMapping/>
+  </p:clrMapOvr>
+</p:sld>
+</file>
+
+<file path=ppt/slides/slide5.xml><?xml version="1.0" encoding="utf-8"?>
 <p:sld xmlns:a="http://schemas.openxmlformats.org/drawingml/2006/main" xmlns:r="http://schemas.openxmlformats.org/officeDocument/2006/relationships" xmlns:p="http://schemas.openxmlformats.org/presentationml/2006/main">
   <p:cSld>
     <p:spTree>
@@ -9936,7 +11955,7 @@
 </p:sld>
 </file>
 
-<file path=ppt/slides/slide4.xml><?xml version="1.0" encoding="utf-8"?>
+<file path=ppt/slides/slide6.xml><?xml version="1.0" encoding="utf-8"?>
 <p:sld xmlns:a="http://schemas.openxmlformats.org/drawingml/2006/main" xmlns:r="http://schemas.openxmlformats.org/officeDocument/2006/relationships" xmlns:p="http://schemas.openxmlformats.org/presentationml/2006/main">
   <p:cSld>
     <p:spTree>
@@ -10000,7 +12019,7 @@
         <p:spPr>
           <a:xfrm>
             <a:off x="628075" y="1776683"/>
-            <a:ext cx="12561453" cy="3057440"/>
+            <a:ext cx="12561453" cy="4064702"/>
           </a:xfrm>
         </p:spPr>
         <p:txBody>
@@ -10050,6 +12069,27 @@
             <a:r>
               <a:rPr lang="en-US" dirty="0"/>
               <a:t>Let’s Play Hangman! </a:t>
+            </a:r>
+          </a:p>
+          <a:p>
+            <a:pPr lvl="1"/>
+            <a:r>
+              <a:rPr lang="en-US" dirty="0"/>
+              <a:t>Go ahead and play a game or two! </a:t>
+            </a:r>
+          </a:p>
+          <a:p>
+            <a:pPr lvl="2"/>
+            <a:r>
+              <a:rPr lang="en-US" dirty="0"/>
+              <a:t>Put numbers under the dashes starting at 0 </a:t>
+            </a:r>
+          </a:p>
+          <a:p>
+            <a:pPr lvl="2"/>
+            <a:r>
+              <a:rPr lang="en-US" dirty="0"/>
+              <a:t>Try with more than one word / a saying for the challenge. </a:t>
             </a:r>
           </a:p>
         </p:txBody>
@@ -10079,7 +12119,7 @@
 </p:sld>
 </file>
 
-<file path=ppt/slides/slide5.xml><?xml version="1.0" encoding="utf-8"?>
+<file path=ppt/slides/slide7.xml><?xml version="1.0" encoding="utf-8"?>
 <p:sld xmlns:a="http://schemas.openxmlformats.org/drawingml/2006/main" xmlns:r="http://schemas.openxmlformats.org/officeDocument/2006/relationships" xmlns:p="http://schemas.openxmlformats.org/presentationml/2006/main">
   <p:cSld>
     <p:spTree>
@@ -12043,7 +14083,7 @@
 </p:sld>
 </file>
 
-<file path=ppt/slides/slide6.xml><?xml version="1.0" encoding="utf-8"?>
+<file path=ppt/slides/slide8.xml><?xml version="1.0" encoding="utf-8"?>
 <p:sld xmlns:a="http://schemas.openxmlformats.org/drawingml/2006/main" xmlns:r="http://schemas.openxmlformats.org/officeDocument/2006/relationships" xmlns:p="http://schemas.openxmlformats.org/presentationml/2006/main">
   <p:cSld>
     <p:spTree>
@@ -12546,11 +14586,10 @@
                 <a:solidFill>
                   <a:srgbClr val="6897BB"/>
                 </a:solidFill>
-                <a:effectLst/>
-                <a:latin typeface="Consolas" panose="020B0609020204030204" pitchFamily="49" charset="0"/>
-                <a:cs typeface="Consolas" panose="020B0609020204030204" pitchFamily="49" charset="0"/>
-              </a:rPr>
-              <a:t>10</a:t>
+                <a:latin typeface="Consolas" panose="020B0609020204030204" pitchFamily="49" charset="0"/>
+                <a:cs typeface="Consolas" panose="020B0609020204030204" pitchFamily="49" charset="0"/>
+              </a:rPr>
+              <a:t>9</a:t>
             </a:r>
             <a:r>
               <a:rPr lang="en-US" dirty="0">
@@ -12593,6 +14632,84 @@
             <a:r>
               <a:rPr lang="en-US" dirty="0"/>
               <a:t>Write it out!</a:t>
+            </a:r>
+          </a:p>
+        </p:txBody>
+      </p:sp>
+      <p:sp>
+        <p:nvSpPr>
+          <p:cNvPr id="4" name="TextBox 3">
+            <a:extLst>
+              <a:ext uri="{FF2B5EF4-FFF2-40B4-BE49-F238E27FC236}">
+                <a16:creationId xmlns:a16="http://schemas.microsoft.com/office/drawing/2014/main" id="{F1FD0BFC-3BB7-B840-B8FA-6C84F88652F3}"/>
+              </a:ext>
+            </a:extLst>
+          </p:cNvPr>
+          <p:cNvSpPr txBox="1"/>
+          <p:nvPr/>
+        </p:nvSpPr>
+        <p:spPr>
+          <a:xfrm>
+            <a:off x="9076266" y="2443481"/>
+            <a:ext cx="327334" cy="400110"/>
+          </a:xfrm>
+          <a:prstGeom prst="rect">
+            <a:avLst/>
+          </a:prstGeom>
+          <a:noFill/>
+        </p:spPr>
+        <p:txBody>
+          <a:bodyPr wrap="none" rtlCol="0">
+            <a:spAutoFit/>
+          </a:bodyPr>
+          <a:lstStyle/>
+          <a:p>
+            <a:r>
+              <a:rPr lang="en-US" dirty="0">
+                <a:solidFill>
+                  <a:schemeClr val="accent1"/>
+                </a:solidFill>
+              </a:rPr>
+              <a:t>0</a:t>
+            </a:r>
+          </a:p>
+        </p:txBody>
+      </p:sp>
+      <p:sp>
+        <p:nvSpPr>
+          <p:cNvPr id="6" name="TextBox 5">
+            <a:extLst>
+              <a:ext uri="{FF2B5EF4-FFF2-40B4-BE49-F238E27FC236}">
+                <a16:creationId xmlns:a16="http://schemas.microsoft.com/office/drawing/2014/main" id="{F144B3A7-404F-9843-9D6C-544DA93C5EA4}"/>
+              </a:ext>
+            </a:extLst>
+          </p:cNvPr>
+          <p:cNvSpPr txBox="1"/>
+          <p:nvPr/>
+        </p:nvSpPr>
+        <p:spPr>
+          <a:xfrm>
+            <a:off x="9076266" y="4839013"/>
+            <a:ext cx="1398140" cy="400110"/>
+          </a:xfrm>
+          <a:prstGeom prst="rect">
+            <a:avLst/>
+          </a:prstGeom>
+          <a:noFill/>
+        </p:spPr>
+        <p:txBody>
+          <a:bodyPr wrap="none" rtlCol="0">
+            <a:spAutoFit/>
+          </a:bodyPr>
+          <a:lstStyle/>
+          <a:p>
+            <a:r>
+              <a:rPr lang="en-US" dirty="0">
+                <a:solidFill>
+                  <a:schemeClr val="accent1"/>
+                </a:solidFill>
+              </a:rPr>
+              <a:t>Compiling </a:t>
             </a:r>
           </a:p>
         </p:txBody>
@@ -12640,7 +14757,7 @@
                             </p:stCondLst>
                             <p:childTnLst>
                               <p:par>
-                                <p:cTn id="5" presetID="9" presetClass="entr" presetSubtype="0" fill="hold" grpId="0" nodeType="clickEffect">
+                                <p:cTn id="5" presetID="45" presetClass="entr" presetSubtype="0" fill="hold" grpId="0" nodeType="clickEffect">
                                   <p:stCondLst>
                                     <p:cond delay="0"/>
                                   </p:stCondLst>
@@ -12648,6 +14765,105 @@
                                     <p:set>
                                       <p:cBhvr>
                                         <p:cTn id="6" dur="1" fill="hold">
+                                          <p:stCondLst>
+                                            <p:cond delay="0"/>
+                                          </p:stCondLst>
+                                        </p:cTn>
+                                        <p:tgtEl>
+                                          <p:spTgt spid="4"/>
+                                        </p:tgtEl>
+                                        <p:attrNameLst>
+                                          <p:attrName>style.visibility</p:attrName>
+                                        </p:attrNameLst>
+                                      </p:cBhvr>
+                                      <p:to>
+                                        <p:strVal val="visible"/>
+                                      </p:to>
+                                    </p:set>
+                                    <p:animEffect transition="in" filter="fade">
+                                      <p:cBhvr>
+                                        <p:cTn id="7" dur="2000"/>
+                                        <p:tgtEl>
+                                          <p:spTgt spid="4"/>
+                                        </p:tgtEl>
+                                      </p:cBhvr>
+                                    </p:animEffect>
+                                    <p:anim calcmode="lin" valueType="num">
+                                      <p:cBhvr>
+                                        <p:cTn id="8" dur="2000" fill="hold"/>
+                                        <p:tgtEl>
+                                          <p:spTgt spid="4"/>
+                                        </p:tgtEl>
+                                        <p:attrNameLst>
+                                          <p:attrName>ppt_w</p:attrName>
+                                        </p:attrNameLst>
+                                      </p:cBhvr>
+                                      <p:tavLst>
+                                        <p:tav tm="0" fmla="#ppt_w*sin(2.5*pi*$)">
+                                          <p:val>
+                                            <p:fltVal val="0"/>
+                                          </p:val>
+                                        </p:tav>
+                                        <p:tav tm="100000">
+                                          <p:val>
+                                            <p:fltVal val="1"/>
+                                          </p:val>
+                                        </p:tav>
+                                      </p:tavLst>
+                                    </p:anim>
+                                    <p:anim calcmode="lin" valueType="num">
+                                      <p:cBhvr>
+                                        <p:cTn id="9" dur="2000" fill="hold"/>
+                                        <p:tgtEl>
+                                          <p:spTgt spid="4"/>
+                                        </p:tgtEl>
+                                        <p:attrNameLst>
+                                          <p:attrName>ppt_h</p:attrName>
+                                        </p:attrNameLst>
+                                      </p:cBhvr>
+                                      <p:tavLst>
+                                        <p:tav tm="0">
+                                          <p:val>
+                                            <p:strVal val="#ppt_h"/>
+                                          </p:val>
+                                        </p:tav>
+                                        <p:tav tm="100000">
+                                          <p:val>
+                                            <p:strVal val="#ppt_h"/>
+                                          </p:val>
+                                        </p:tav>
+                                      </p:tavLst>
+                                    </p:anim>
+                                  </p:childTnLst>
+                                </p:cTn>
+                              </p:par>
+                            </p:childTnLst>
+                          </p:cTn>
+                        </p:par>
+                      </p:childTnLst>
+                    </p:cTn>
+                  </p:par>
+                  <p:par>
+                    <p:cTn id="10" fill="hold">
+                      <p:stCondLst>
+                        <p:cond delay="indefinite"/>
+                      </p:stCondLst>
+                      <p:childTnLst>
+                        <p:par>
+                          <p:cTn id="11" fill="hold">
+                            <p:stCondLst>
+                              <p:cond delay="0"/>
+                            </p:stCondLst>
+                            <p:childTnLst>
+                              <p:par>
+                                <p:cTn id="12" presetID="9" presetClass="entr" presetSubtype="0" fill="hold" grpId="0" nodeType="clickEffect">
+                                  <p:stCondLst>
+                                    <p:cond delay="0"/>
+                                  </p:stCondLst>
+                                  <p:childTnLst>
+                                    <p:set>
+                                      <p:cBhvr>
+                                        <p:cTn id="13" dur="1" fill="hold">
                                           <p:stCondLst>
                                             <p:cond delay="0"/>
                                           </p:stCondLst>
@@ -12665,7 +14881,7 @@
                                     </p:set>
                                     <p:animEffect transition="in" filter="dissolve">
                                       <p:cBhvr>
-                                        <p:cTn id="7" dur="500"/>
+                                        <p:cTn id="14" dur="500"/>
                                         <p:tgtEl>
                                           <p:spTgt spid="9"/>
                                         </p:tgtEl>
@@ -12675,14 +14891,14 @@
                                 </p:cTn>
                               </p:par>
                               <p:par>
-                                <p:cTn id="8" presetID="9" presetClass="entr" presetSubtype="0" fill="hold" grpId="0" nodeType="withEffect">
+                                <p:cTn id="15" presetID="9" presetClass="entr" presetSubtype="0" fill="hold" grpId="0" nodeType="withEffect">
                                   <p:stCondLst>
                                     <p:cond delay="0"/>
                                   </p:stCondLst>
                                   <p:childTnLst>
                                     <p:set>
                                       <p:cBhvr>
-                                        <p:cTn id="9" dur="1" fill="hold">
+                                        <p:cTn id="16" dur="1" fill="hold">
                                           <p:stCondLst>
                                             <p:cond delay="0"/>
                                           </p:stCondLst>
@@ -12700,7 +14916,7 @@
                                     </p:set>
                                     <p:animEffect transition="in" filter="dissolve">
                                       <p:cBhvr>
-                                        <p:cTn id="10" dur="500"/>
+                                        <p:cTn id="17" dur="500"/>
                                         <p:tgtEl>
                                           <p:spTgt spid="12"/>
                                         </p:tgtEl>
@@ -12710,14 +14926,14 @@
                                 </p:cTn>
                               </p:par>
                               <p:par>
-                                <p:cTn id="11" presetID="9" presetClass="entr" presetSubtype="0" fill="hold" grpId="0" nodeType="withEffect">
+                                <p:cTn id="18" presetID="9" presetClass="entr" presetSubtype="0" fill="hold" grpId="0" nodeType="withEffect">
                                   <p:stCondLst>
                                     <p:cond delay="0"/>
                                   </p:stCondLst>
                                   <p:childTnLst>
                                     <p:set>
                                       <p:cBhvr>
-                                        <p:cTn id="12" dur="1" fill="hold">
+                                        <p:cTn id="19" dur="1" fill="hold">
                                           <p:stCondLst>
                                             <p:cond delay="0"/>
                                           </p:stCondLst>
@@ -12735,12 +14951,111 @@
                                     </p:set>
                                     <p:animEffect transition="in" filter="dissolve">
                                       <p:cBhvr>
-                                        <p:cTn id="13" dur="500"/>
+                                        <p:cTn id="20" dur="500"/>
                                         <p:tgtEl>
                                           <p:spTgt spid="11"/>
                                         </p:tgtEl>
                                       </p:cBhvr>
                                     </p:animEffect>
+                                  </p:childTnLst>
+                                </p:cTn>
+                              </p:par>
+                            </p:childTnLst>
+                          </p:cTn>
+                        </p:par>
+                      </p:childTnLst>
+                    </p:cTn>
+                  </p:par>
+                  <p:par>
+                    <p:cTn id="21" fill="hold">
+                      <p:stCondLst>
+                        <p:cond delay="indefinite"/>
+                      </p:stCondLst>
+                      <p:childTnLst>
+                        <p:par>
+                          <p:cTn id="22" fill="hold">
+                            <p:stCondLst>
+                              <p:cond delay="0"/>
+                            </p:stCondLst>
+                            <p:childTnLst>
+                              <p:par>
+                                <p:cTn id="23" presetID="45" presetClass="entr" presetSubtype="0" fill="hold" grpId="0" nodeType="clickEffect">
+                                  <p:stCondLst>
+                                    <p:cond delay="0"/>
+                                  </p:stCondLst>
+                                  <p:childTnLst>
+                                    <p:set>
+                                      <p:cBhvr>
+                                        <p:cTn id="24" dur="1" fill="hold">
+                                          <p:stCondLst>
+                                            <p:cond delay="0"/>
+                                          </p:stCondLst>
+                                        </p:cTn>
+                                        <p:tgtEl>
+                                          <p:spTgt spid="6"/>
+                                        </p:tgtEl>
+                                        <p:attrNameLst>
+                                          <p:attrName>style.visibility</p:attrName>
+                                        </p:attrNameLst>
+                                      </p:cBhvr>
+                                      <p:to>
+                                        <p:strVal val="visible"/>
+                                      </p:to>
+                                    </p:set>
+                                    <p:animEffect transition="in" filter="fade">
+                                      <p:cBhvr>
+                                        <p:cTn id="25" dur="2000"/>
+                                        <p:tgtEl>
+                                          <p:spTgt spid="6"/>
+                                        </p:tgtEl>
+                                      </p:cBhvr>
+                                    </p:animEffect>
+                                    <p:anim calcmode="lin" valueType="num">
+                                      <p:cBhvr>
+                                        <p:cTn id="26" dur="2000" fill="hold"/>
+                                        <p:tgtEl>
+                                          <p:spTgt spid="6"/>
+                                        </p:tgtEl>
+                                        <p:attrNameLst>
+                                          <p:attrName>ppt_w</p:attrName>
+                                        </p:attrNameLst>
+                                      </p:cBhvr>
+                                      <p:tavLst>
+                                        <p:tav tm="0" fmla="#ppt_w*sin(2.5*pi*$)">
+                                          <p:val>
+                                            <p:fltVal val="0"/>
+                                          </p:val>
+                                        </p:tav>
+                                        <p:tav tm="100000">
+                                          <p:val>
+                                            <p:fltVal val="1"/>
+                                          </p:val>
+                                        </p:tav>
+                                      </p:tavLst>
+                                    </p:anim>
+                                    <p:anim calcmode="lin" valueType="num">
+                                      <p:cBhvr>
+                                        <p:cTn id="27" dur="2000" fill="hold"/>
+                                        <p:tgtEl>
+                                          <p:spTgt spid="6"/>
+                                        </p:tgtEl>
+                                        <p:attrNameLst>
+                                          <p:attrName>ppt_h</p:attrName>
+                                        </p:attrNameLst>
+                                      </p:cBhvr>
+                                      <p:tavLst>
+                                        <p:tav tm="0">
+                                          <p:val>
+                                            <p:strVal val="#ppt_h"/>
+                                          </p:val>
+                                        </p:tav>
+                                        <p:tav tm="100000">
+                                          <p:val>
+                                            <p:strVal val="#ppt_h"/>
+                                          </p:val>
+                                        </p:tav>
+                                      </p:tavLst>
+                                    </p:anim>
                                   </p:childTnLst>
                                 </p:cTn>
                               </p:par>
@@ -12775,12 +15090,14 @@
       <p:bldP spid="9" grpId="0"/>
       <p:bldP spid="11" grpId="0"/>
       <p:bldP spid="12" grpId="0"/>
+      <p:bldP spid="4" grpId="0"/>
+      <p:bldP spid="6" grpId="0"/>
     </p:bldLst>
   </p:timing>
 </p:sld>
 </file>
 
-<file path=ppt/slides/slide7.xml><?xml version="1.0" encoding="utf-8"?>
+<file path=ppt/slides/slide9.xml><?xml version="1.0" encoding="utf-8"?>
 <p:sld xmlns:a="http://schemas.openxmlformats.org/drawingml/2006/main" xmlns:r="http://schemas.openxmlformats.org/officeDocument/2006/relationships" xmlns:p="http://schemas.openxmlformats.org/presentationml/2006/main">
   <p:cSld>
     <p:spTree>
@@ -14144,1480 +16461,27 @@
                       </p:childTnLst>
                     </p:cTn>
                   </p:par>
-                </p:childTnLst>
-              </p:cTn>
-              <p:prevCondLst>
-                <p:cond evt="onPrev" delay="0">
-                  <p:tgtEl>
-                    <p:sldTgt/>
-                  </p:tgtEl>
-                </p:cond>
-              </p:prevCondLst>
-              <p:nextCondLst>
-                <p:cond evt="onNext" delay="0">
-                  <p:tgtEl>
-                    <p:sldTgt/>
-                  </p:tgtEl>
-                </p:cond>
-              </p:nextCondLst>
-            </p:seq>
-          </p:childTnLst>
-        </p:cTn>
-      </p:par>
-    </p:tnLst>
-    <p:bldLst>
-      <p:bldP spid="5" grpId="0"/>
-      <p:bldP spid="7" grpId="0"/>
-      <p:bldP spid="8" grpId="0"/>
-    </p:bldLst>
-  </p:timing>
-</p:sld>
-</file>
-
-<file path=ppt/slides/slide8.xml><?xml version="1.0" encoding="utf-8"?>
-<p:sld xmlns:a="http://schemas.openxmlformats.org/drawingml/2006/main" xmlns:r="http://schemas.openxmlformats.org/officeDocument/2006/relationships" xmlns:p="http://schemas.openxmlformats.org/presentationml/2006/main">
-  <p:cSld>
-    <p:spTree>
-      <p:nvGrpSpPr>
-        <p:cNvPr id="1" name=""/>
-        <p:cNvGrpSpPr/>
-        <p:nvPr/>
-      </p:nvGrpSpPr>
-      <p:grpSpPr>
-        <a:xfrm>
-          <a:off x="0" y="0"/>
-          <a:ext cx="0" cy="0"/>
-          <a:chOff x="0" y="0"/>
-          <a:chExt cx="0" cy="0"/>
-        </a:xfrm>
-      </p:grpSpPr>
-      <p:sp>
-        <p:nvSpPr>
-          <p:cNvPr id="2" name="Title 1">
-            <a:extLst>
-              <a:ext uri="{FF2B5EF4-FFF2-40B4-BE49-F238E27FC236}">
-                <a16:creationId xmlns:a16="http://schemas.microsoft.com/office/drawing/2014/main" id="{C66C17A0-EADA-8946-9A5B-E244739A3578}"/>
-              </a:ext>
-            </a:extLst>
-          </p:cNvPr>
-          <p:cNvSpPr>
-            <a:spLocks noGrp="1"/>
-          </p:cNvSpPr>
-          <p:nvPr>
-            <p:ph type="title"/>
-          </p:nvPr>
-        </p:nvSpPr>
-        <p:spPr/>
-        <p:txBody>
-          <a:bodyPr/>
-          <a:lstStyle/>
-          <a:p>
-            <a:r>
-              <a:rPr lang="en-US" dirty="0"/>
-              <a:t>String Formatting</a:t>
-            </a:r>
-          </a:p>
-        </p:txBody>
-      </p:sp>
-      <p:sp>
-        <p:nvSpPr>
-          <p:cNvPr id="3" name="Text Placeholder 2">
-            <a:extLst>
-              <a:ext uri="{FF2B5EF4-FFF2-40B4-BE49-F238E27FC236}">
-                <a16:creationId xmlns:a16="http://schemas.microsoft.com/office/drawing/2014/main" id="{A93B9A90-28B0-684D-801C-4AA0EEE8FFDC}"/>
-              </a:ext>
-            </a:extLst>
-          </p:cNvPr>
-          <p:cNvSpPr>
-            <a:spLocks noGrp="1"/>
-          </p:cNvSpPr>
-          <p:nvPr>
-            <p:ph type="body" sz="quarter" idx="10"/>
-          </p:nvPr>
-        </p:nvSpPr>
-        <p:spPr>
-          <a:xfrm>
-            <a:off x="628075" y="2185844"/>
-            <a:ext cx="6750625" cy="2388917"/>
-          </a:xfrm>
-        </p:spPr>
-        <p:txBody>
-          <a:bodyPr/>
-          <a:lstStyle/>
-          <a:p>
-            <a:r>
-              <a:rPr lang="en-US" dirty="0"/>
-              <a:t>The above code is messy! </a:t>
-            </a:r>
-          </a:p>
-          <a:p>
-            <a:r>
-              <a:rPr lang="en-US" dirty="0"/>
-              <a:t>String has built in formatting options (every extensive)</a:t>
-            </a:r>
-          </a:p>
-          <a:p>
-            <a:r>
-              <a:rPr lang="en-US" dirty="0"/>
-              <a:t>{} – means fill in this location with a variable</a:t>
-            </a:r>
-          </a:p>
-          <a:p>
-            <a:r>
-              <a:rPr lang="en-US" dirty="0"/>
-              <a:t>{0} – take the first variable in the list, and use that</a:t>
-            </a:r>
-          </a:p>
-          <a:p>
-            <a:r>
-              <a:rPr lang="en-US" dirty="0"/>
-              <a:t>{name} – uses the variable name</a:t>
-            </a:r>
-          </a:p>
-        </p:txBody>
-      </p:sp>
-      <p:sp>
-        <p:nvSpPr>
-          <p:cNvPr id="5" name="Rectangle 4">
-            <a:extLst>
-              <a:ext uri="{FF2B5EF4-FFF2-40B4-BE49-F238E27FC236}">
-                <a16:creationId xmlns:a16="http://schemas.microsoft.com/office/drawing/2014/main" id="{1C71EBB2-9A46-644C-99D4-D23F21950992}"/>
-              </a:ext>
-            </a:extLst>
-          </p:cNvPr>
-          <p:cNvSpPr/>
-          <p:nvPr/>
-        </p:nvSpPr>
-        <p:spPr>
-          <a:xfrm>
-            <a:off x="1034474" y="1537592"/>
-            <a:ext cx="10738425" cy="400110"/>
-          </a:xfrm>
-          <a:prstGeom prst="rect">
-            <a:avLst/>
-          </a:prstGeom>
-        </p:spPr>
-        <p:txBody>
-          <a:bodyPr wrap="square">
-            <a:spAutoFit/>
-          </a:bodyPr>
-          <a:lstStyle/>
-          <a:p>
-            <a:r>
-              <a:rPr lang="en-US" dirty="0">
-                <a:solidFill>
-                  <a:srgbClr val="8888C6"/>
-                </a:solidFill>
-                <a:latin typeface="Consolas" panose="020B0609020204030204" pitchFamily="49" charset="0"/>
-                <a:cs typeface="Consolas" panose="020B0609020204030204" pitchFamily="49" charset="0"/>
-              </a:rPr>
-              <a:t>print</a:t>
-            </a:r>
-            <a:r>
-              <a:rPr lang="en-US" dirty="0">
-                <a:latin typeface="Consolas" panose="020B0609020204030204" pitchFamily="49" charset="0"/>
-                <a:cs typeface="Consolas" panose="020B0609020204030204" pitchFamily="49" charset="0"/>
-              </a:rPr>
-              <a:t>(</a:t>
-            </a:r>
-            <a:r>
-              <a:rPr lang="en-US" dirty="0" err="1">
-                <a:latin typeface="Consolas" panose="020B0609020204030204" pitchFamily="49" charset="0"/>
-                <a:cs typeface="Consolas" panose="020B0609020204030204" pitchFamily="49" charset="0"/>
-              </a:rPr>
-              <a:t>finitial</a:t>
-            </a:r>
-            <a:r>
-              <a:rPr lang="en-US" dirty="0">
-                <a:latin typeface="Consolas" panose="020B0609020204030204" pitchFamily="49" charset="0"/>
-                <a:cs typeface="Consolas" panose="020B0609020204030204" pitchFamily="49" charset="0"/>
-              </a:rPr>
-              <a:t> + </a:t>
-            </a:r>
-            <a:r>
-              <a:rPr lang="en-US" dirty="0">
-                <a:solidFill>
-                  <a:srgbClr val="6A8759"/>
-                </a:solidFill>
-                <a:latin typeface="Consolas" panose="020B0609020204030204" pitchFamily="49" charset="0"/>
-                <a:cs typeface="Consolas" panose="020B0609020204030204" pitchFamily="49" charset="0"/>
-              </a:rPr>
-              <a:t>"." </a:t>
-            </a:r>
-            <a:r>
-              <a:rPr lang="en-US" dirty="0">
-                <a:latin typeface="Consolas" panose="020B0609020204030204" pitchFamily="49" charset="0"/>
-                <a:cs typeface="Consolas" panose="020B0609020204030204" pitchFamily="49" charset="0"/>
-              </a:rPr>
-              <a:t>+ </a:t>
-            </a:r>
-            <a:r>
-              <a:rPr lang="en-US" dirty="0" err="1">
-                <a:latin typeface="Consolas" panose="020B0609020204030204" pitchFamily="49" charset="0"/>
-                <a:cs typeface="Consolas" panose="020B0609020204030204" pitchFamily="49" charset="0"/>
-              </a:rPr>
-              <a:t>minitial</a:t>
-            </a:r>
-            <a:r>
-              <a:rPr lang="en-US" dirty="0">
-                <a:latin typeface="Consolas" panose="020B0609020204030204" pitchFamily="49" charset="0"/>
-                <a:cs typeface="Consolas" panose="020B0609020204030204" pitchFamily="49" charset="0"/>
-              </a:rPr>
-              <a:t> + </a:t>
-            </a:r>
-            <a:r>
-              <a:rPr lang="en-US" dirty="0">
-                <a:solidFill>
-                  <a:srgbClr val="6A8759"/>
-                </a:solidFill>
-                <a:latin typeface="Consolas" panose="020B0609020204030204" pitchFamily="49" charset="0"/>
-                <a:cs typeface="Consolas" panose="020B0609020204030204" pitchFamily="49" charset="0"/>
-              </a:rPr>
-              <a:t>". " </a:t>
-            </a:r>
-            <a:r>
-              <a:rPr lang="en-US" dirty="0">
-                <a:latin typeface="Consolas" panose="020B0609020204030204" pitchFamily="49" charset="0"/>
-                <a:cs typeface="Consolas" panose="020B0609020204030204" pitchFamily="49" charset="0"/>
-              </a:rPr>
-              <a:t>+ </a:t>
-            </a:r>
-            <a:r>
-              <a:rPr lang="en-US" dirty="0" err="1">
-                <a:latin typeface="Consolas" panose="020B0609020204030204" pitchFamily="49" charset="0"/>
-                <a:cs typeface="Consolas" panose="020B0609020204030204" pitchFamily="49" charset="0"/>
-              </a:rPr>
-              <a:t>lname</a:t>
-            </a:r>
-            <a:r>
-              <a:rPr lang="en-US" dirty="0">
-                <a:latin typeface="Consolas" panose="020B0609020204030204" pitchFamily="49" charset="0"/>
-                <a:cs typeface="Consolas" panose="020B0609020204030204" pitchFamily="49" charset="0"/>
-              </a:rPr>
-              <a:t> + str(</a:t>
-            </a:r>
-            <a:r>
-              <a:rPr lang="en-US" dirty="0" err="1">
-                <a:latin typeface="Consolas" panose="020B0609020204030204" pitchFamily="49" charset="0"/>
-                <a:cs typeface="Consolas" panose="020B0609020204030204" pitchFamily="49" charset="0"/>
-              </a:rPr>
-              <a:t>len</a:t>
-            </a:r>
-            <a:r>
-              <a:rPr lang="en-US" dirty="0">
-                <a:latin typeface="Consolas" panose="020B0609020204030204" pitchFamily="49" charset="0"/>
-                <a:cs typeface="Consolas" panose="020B0609020204030204" pitchFamily="49" charset="0"/>
-              </a:rPr>
-              <a:t>(</a:t>
-            </a:r>
-            <a:r>
-              <a:rPr lang="en-US" dirty="0" err="1">
-                <a:latin typeface="Consolas" panose="020B0609020204030204" pitchFamily="49" charset="0"/>
-                <a:cs typeface="Consolas" panose="020B0609020204030204" pitchFamily="49" charset="0"/>
-              </a:rPr>
-              <a:t>lname</a:t>
-            </a:r>
-            <a:r>
-              <a:rPr lang="en-US" dirty="0">
-                <a:latin typeface="Consolas" panose="020B0609020204030204" pitchFamily="49" charset="0"/>
-                <a:cs typeface="Consolas" panose="020B0609020204030204" pitchFamily="49" charset="0"/>
-              </a:rPr>
-              <a:t>)))</a:t>
-            </a:r>
-            <a:endParaRPr lang="en-US" dirty="0"/>
-          </a:p>
-        </p:txBody>
-      </p:sp>
-      <p:sp>
-        <p:nvSpPr>
-          <p:cNvPr id="6" name="Rectangle 5">
-            <a:extLst>
-              <a:ext uri="{FF2B5EF4-FFF2-40B4-BE49-F238E27FC236}">
-                <a16:creationId xmlns:a16="http://schemas.microsoft.com/office/drawing/2014/main" id="{7DFD6745-21F2-454A-9040-19CD789E8C2C}"/>
-              </a:ext>
-            </a:extLst>
-          </p:cNvPr>
-          <p:cNvSpPr/>
-          <p:nvPr/>
-        </p:nvSpPr>
-        <p:spPr>
-          <a:xfrm>
-            <a:off x="129886" y="5048741"/>
-            <a:ext cx="9052213" cy="830997"/>
-          </a:xfrm>
-          <a:prstGeom prst="rect">
-            <a:avLst/>
-          </a:prstGeom>
-        </p:spPr>
-        <p:txBody>
-          <a:bodyPr wrap="square">
-            <a:spAutoFit/>
-          </a:bodyPr>
-          <a:lstStyle/>
-          <a:p>
-            <a:r>
-              <a:rPr lang="en-US" sz="1600" dirty="0">
-                <a:latin typeface="Consolas" panose="020B0609020204030204" pitchFamily="49" charset="0"/>
-                <a:cs typeface="Consolas" panose="020B0609020204030204" pitchFamily="49" charset="0"/>
-              </a:rPr>
-              <a:t>combined = </a:t>
-            </a:r>
-            <a:r>
-              <a:rPr lang="en-US" sz="1600" dirty="0">
-                <a:solidFill>
-                  <a:srgbClr val="6A8759"/>
-                </a:solidFill>
-                <a:latin typeface="Consolas" panose="020B0609020204030204" pitchFamily="49" charset="0"/>
-                <a:cs typeface="Consolas" panose="020B0609020204030204" pitchFamily="49" charset="0"/>
-              </a:rPr>
-              <a:t>"{}.{}. {}"</a:t>
-            </a:r>
-            <a:r>
-              <a:rPr lang="en-US" sz="1600" dirty="0">
-                <a:latin typeface="Consolas" panose="020B0609020204030204" pitchFamily="49" charset="0"/>
-                <a:cs typeface="Consolas" panose="020B0609020204030204" pitchFamily="49" charset="0"/>
-              </a:rPr>
-              <a:t>.format(</a:t>
-            </a:r>
-            <a:r>
-              <a:rPr lang="en-US" sz="1600" dirty="0" err="1">
-                <a:latin typeface="Consolas" panose="020B0609020204030204" pitchFamily="49" charset="0"/>
-                <a:cs typeface="Consolas" panose="020B0609020204030204" pitchFamily="49" charset="0"/>
-              </a:rPr>
-              <a:t>finitial</a:t>
-            </a:r>
-            <a:r>
-              <a:rPr lang="en-US" sz="1600" dirty="0">
-                <a:solidFill>
-                  <a:srgbClr val="CC7832"/>
-                </a:solidFill>
-                <a:latin typeface="Consolas" panose="020B0609020204030204" pitchFamily="49" charset="0"/>
-                <a:cs typeface="Consolas" panose="020B0609020204030204" pitchFamily="49" charset="0"/>
-              </a:rPr>
-              <a:t>, </a:t>
-            </a:r>
-            <a:r>
-              <a:rPr lang="en-US" sz="1600" dirty="0" err="1">
-                <a:latin typeface="Consolas" panose="020B0609020204030204" pitchFamily="49" charset="0"/>
-                <a:cs typeface="Consolas" panose="020B0609020204030204" pitchFamily="49" charset="0"/>
-              </a:rPr>
-              <a:t>minitial</a:t>
-            </a:r>
-            <a:r>
-              <a:rPr lang="en-US" sz="1600" dirty="0">
-                <a:solidFill>
-                  <a:srgbClr val="CC7832"/>
-                </a:solidFill>
-                <a:latin typeface="Consolas" panose="020B0609020204030204" pitchFamily="49" charset="0"/>
-                <a:cs typeface="Consolas" panose="020B0609020204030204" pitchFamily="49" charset="0"/>
-              </a:rPr>
-              <a:t>, </a:t>
-            </a:r>
-            <a:r>
-              <a:rPr lang="en-US" sz="1600" dirty="0" err="1">
-                <a:latin typeface="Consolas" panose="020B0609020204030204" pitchFamily="49" charset="0"/>
-                <a:cs typeface="Consolas" panose="020B0609020204030204" pitchFamily="49" charset="0"/>
-              </a:rPr>
-              <a:t>lname</a:t>
-            </a:r>
-            <a:r>
-              <a:rPr lang="en-US" sz="1600" dirty="0">
-                <a:latin typeface="Consolas" panose="020B0609020204030204" pitchFamily="49" charset="0"/>
-                <a:cs typeface="Consolas" panose="020B0609020204030204" pitchFamily="49" charset="0"/>
-              </a:rPr>
-              <a:t>)</a:t>
-            </a:r>
-            <a:br>
-              <a:rPr lang="en-US" sz="1600" dirty="0">
-                <a:latin typeface="Consolas" panose="020B0609020204030204" pitchFamily="49" charset="0"/>
-                <a:cs typeface="Consolas" panose="020B0609020204030204" pitchFamily="49" charset="0"/>
-              </a:rPr>
-            </a:br>
-            <a:r>
-              <a:rPr lang="en-US" sz="1600" dirty="0">
-                <a:latin typeface="Consolas" panose="020B0609020204030204" pitchFamily="49" charset="0"/>
-                <a:cs typeface="Consolas" panose="020B0609020204030204" pitchFamily="49" charset="0"/>
-              </a:rPr>
-              <a:t>message = </a:t>
-            </a:r>
-            <a:r>
-              <a:rPr lang="en-US" sz="1600" dirty="0">
-                <a:solidFill>
-                  <a:srgbClr val="6A8759"/>
-                </a:solidFill>
-                <a:latin typeface="Consolas" panose="020B0609020204030204" pitchFamily="49" charset="0"/>
-                <a:cs typeface="Consolas" panose="020B0609020204030204" pitchFamily="49" charset="0"/>
-              </a:rPr>
-              <a:t>"{name} is {length} </a:t>
-            </a:r>
-            <a:r>
-              <a:rPr lang="en-US" sz="1600" dirty="0" err="1">
-                <a:solidFill>
-                  <a:srgbClr val="6A8759"/>
-                </a:solidFill>
-                <a:latin typeface="Consolas" panose="020B0609020204030204" pitchFamily="49" charset="0"/>
-                <a:cs typeface="Consolas" panose="020B0609020204030204" pitchFamily="49" charset="0"/>
-              </a:rPr>
-              <a:t>long"</a:t>
-            </a:r>
-            <a:r>
-              <a:rPr lang="en-US" sz="1600" dirty="0" err="1">
-                <a:latin typeface="Consolas" panose="020B0609020204030204" pitchFamily="49" charset="0"/>
-                <a:cs typeface="Consolas" panose="020B0609020204030204" pitchFamily="49" charset="0"/>
-              </a:rPr>
-              <a:t>.format</a:t>
-            </a:r>
-            <a:r>
-              <a:rPr lang="en-US" sz="1600" dirty="0">
-                <a:latin typeface="Consolas" panose="020B0609020204030204" pitchFamily="49" charset="0"/>
-                <a:cs typeface="Consolas" panose="020B0609020204030204" pitchFamily="49" charset="0"/>
-              </a:rPr>
-              <a:t>(</a:t>
-            </a:r>
-            <a:r>
-              <a:rPr lang="en-US" sz="1600" dirty="0">
-                <a:solidFill>
-                  <a:srgbClr val="AA4926"/>
-                </a:solidFill>
-                <a:latin typeface="Consolas" panose="020B0609020204030204" pitchFamily="49" charset="0"/>
-                <a:cs typeface="Consolas" panose="020B0609020204030204" pitchFamily="49" charset="0"/>
-              </a:rPr>
-              <a:t>length</a:t>
-            </a:r>
-            <a:r>
-              <a:rPr lang="en-US" sz="1600" dirty="0">
-                <a:latin typeface="Consolas" panose="020B0609020204030204" pitchFamily="49" charset="0"/>
-                <a:cs typeface="Consolas" panose="020B0609020204030204" pitchFamily="49" charset="0"/>
-              </a:rPr>
-              <a:t>=</a:t>
-            </a:r>
-            <a:r>
-              <a:rPr lang="en-US" sz="1600" dirty="0" err="1">
-                <a:solidFill>
-                  <a:srgbClr val="8888C6"/>
-                </a:solidFill>
-                <a:latin typeface="Consolas" panose="020B0609020204030204" pitchFamily="49" charset="0"/>
-                <a:cs typeface="Consolas" panose="020B0609020204030204" pitchFamily="49" charset="0"/>
-              </a:rPr>
-              <a:t>len</a:t>
-            </a:r>
-            <a:r>
-              <a:rPr lang="en-US" sz="1600" dirty="0">
-                <a:latin typeface="Consolas" panose="020B0609020204030204" pitchFamily="49" charset="0"/>
-                <a:cs typeface="Consolas" panose="020B0609020204030204" pitchFamily="49" charset="0"/>
-              </a:rPr>
-              <a:t>(combined)</a:t>
-            </a:r>
-            <a:r>
-              <a:rPr lang="en-US" sz="1600" dirty="0">
-                <a:solidFill>
-                  <a:srgbClr val="CC7832"/>
-                </a:solidFill>
-                <a:latin typeface="Consolas" panose="020B0609020204030204" pitchFamily="49" charset="0"/>
-                <a:cs typeface="Consolas" panose="020B0609020204030204" pitchFamily="49" charset="0"/>
-              </a:rPr>
-              <a:t>, </a:t>
-            </a:r>
-            <a:r>
-              <a:rPr lang="en-US" sz="1600" dirty="0">
-                <a:solidFill>
-                  <a:srgbClr val="AA4926"/>
-                </a:solidFill>
-                <a:latin typeface="Consolas" panose="020B0609020204030204" pitchFamily="49" charset="0"/>
-                <a:cs typeface="Consolas" panose="020B0609020204030204" pitchFamily="49" charset="0"/>
-              </a:rPr>
-              <a:t>name</a:t>
-            </a:r>
-            <a:r>
-              <a:rPr lang="en-US" sz="1600" dirty="0">
-                <a:latin typeface="Consolas" panose="020B0609020204030204" pitchFamily="49" charset="0"/>
-                <a:cs typeface="Consolas" panose="020B0609020204030204" pitchFamily="49" charset="0"/>
-              </a:rPr>
-              <a:t>=combined)</a:t>
-            </a:r>
-            <a:br>
-              <a:rPr lang="en-US" sz="1600" dirty="0">
-                <a:latin typeface="Consolas" panose="020B0609020204030204" pitchFamily="49" charset="0"/>
-                <a:cs typeface="Consolas" panose="020B0609020204030204" pitchFamily="49" charset="0"/>
-              </a:rPr>
-            </a:br>
-            <a:r>
-              <a:rPr lang="en-US" sz="1600" dirty="0">
-                <a:solidFill>
-                  <a:srgbClr val="8888C6"/>
-                </a:solidFill>
-                <a:latin typeface="Consolas" panose="020B0609020204030204" pitchFamily="49" charset="0"/>
-                <a:cs typeface="Consolas" panose="020B0609020204030204" pitchFamily="49" charset="0"/>
-              </a:rPr>
-              <a:t>print</a:t>
-            </a:r>
-            <a:r>
-              <a:rPr lang="en-US" sz="1600" dirty="0">
-                <a:latin typeface="Consolas" panose="020B0609020204030204" pitchFamily="49" charset="0"/>
-                <a:cs typeface="Consolas" panose="020B0609020204030204" pitchFamily="49" charset="0"/>
-              </a:rPr>
-              <a:t>(message)</a:t>
-            </a:r>
-          </a:p>
-        </p:txBody>
-      </p:sp>
-    </p:spTree>
-    <p:extLst>
-      <p:ext uri="{BB962C8B-B14F-4D97-AF65-F5344CB8AC3E}">
-        <p14:creationId xmlns:p14="http://schemas.microsoft.com/office/powerpoint/2010/main" val="2892209983"/>
-      </p:ext>
-    </p:extLst>
-  </p:cSld>
-  <p:clrMapOvr>
-    <a:masterClrMapping/>
-  </p:clrMapOvr>
-  <mc:AlternateContent xmlns:mc="http://schemas.openxmlformats.org/markup-compatibility/2006" xmlns:p14="http://schemas.microsoft.com/office/powerpoint/2010/main">
-    <mc:Choice Requires="p14">
-      <p:transition p14:dur="300">
-        <p:fade/>
-      </p:transition>
-    </mc:Choice>
-    <mc:Fallback xmlns="">
-      <p:transition>
-        <p:fade/>
-      </p:transition>
-    </mc:Fallback>
-  </mc:AlternateContent>
-</p:sld>
-</file>
-
-<file path=ppt/slides/slide9.xml><?xml version="1.0" encoding="utf-8"?>
-<p:sld xmlns:a="http://schemas.openxmlformats.org/drawingml/2006/main" xmlns:r="http://schemas.openxmlformats.org/officeDocument/2006/relationships" xmlns:p="http://schemas.openxmlformats.org/presentationml/2006/main">
-  <p:cSld>
-    <p:spTree>
-      <p:nvGrpSpPr>
-        <p:cNvPr id="1" name=""/>
-        <p:cNvGrpSpPr/>
-        <p:nvPr/>
-      </p:nvGrpSpPr>
-      <p:grpSpPr>
-        <a:xfrm>
-          <a:off x="0" y="0"/>
-          <a:ext cx="0" cy="0"/>
-          <a:chOff x="0" y="0"/>
-          <a:chExt cx="0" cy="0"/>
-        </a:xfrm>
-      </p:grpSpPr>
-      <p:sp>
-        <p:nvSpPr>
-          <p:cNvPr id="2" name="Title 1">
-            <a:extLst>
-              <a:ext uri="{FF2B5EF4-FFF2-40B4-BE49-F238E27FC236}">
-                <a16:creationId xmlns:a16="http://schemas.microsoft.com/office/drawing/2014/main" id="{3B83A2FE-E558-6A4B-B512-7F1183B63E55}"/>
-              </a:ext>
-            </a:extLst>
-          </p:cNvPr>
-          <p:cNvSpPr>
-            <a:spLocks noGrp="1"/>
-          </p:cNvSpPr>
-          <p:nvPr>
-            <p:ph type="title"/>
-          </p:nvPr>
-        </p:nvSpPr>
-        <p:spPr/>
-        <p:txBody>
-          <a:bodyPr/>
-          <a:lstStyle/>
-          <a:p>
-            <a:r>
-              <a:rPr lang="en-US" dirty="0"/>
-              <a:t>Formatting Numbers?</a:t>
-            </a:r>
-          </a:p>
-        </p:txBody>
-      </p:sp>
-      <p:sp>
-        <p:nvSpPr>
-          <p:cNvPr id="3" name="Text Placeholder 2">
-            <a:extLst>
-              <a:ext uri="{FF2B5EF4-FFF2-40B4-BE49-F238E27FC236}">
-                <a16:creationId xmlns:a16="http://schemas.microsoft.com/office/drawing/2014/main" id="{033187C7-F2AB-3246-98E5-87E8257D7849}"/>
-              </a:ext>
-            </a:extLst>
-          </p:cNvPr>
-          <p:cNvSpPr>
-            <a:spLocks noGrp="1"/>
-          </p:cNvSpPr>
-          <p:nvPr>
-            <p:ph type="body" sz="quarter" idx="10"/>
-          </p:nvPr>
-        </p:nvSpPr>
-        <p:spPr>
-          <a:xfrm>
-            <a:off x="628075" y="1776682"/>
-            <a:ext cx="4858325" cy="967637"/>
-          </a:xfrm>
-        </p:spPr>
-        <p:txBody>
-          <a:bodyPr/>
-          <a:lstStyle/>
-          <a:p>
-            <a:r>
-              <a:rPr lang="en-US" dirty="0"/>
-              <a:t>:d and :.</a:t>
-            </a:r>
-            <a:r>
-              <a:rPr lang="en-US" dirty="0" err="1"/>
-              <a:t>nf</a:t>
-            </a:r>
-            <a:r>
-              <a:rPr lang="en-US" dirty="0"/>
-              <a:t> are most common</a:t>
-            </a:r>
-          </a:p>
-          <a:p>
-            <a:r>
-              <a:rPr lang="en-US" dirty="0"/>
-              <a:t>especially for precents!</a:t>
-            </a:r>
-          </a:p>
-        </p:txBody>
-      </p:sp>
-      <p:pic>
-        <p:nvPicPr>
-          <p:cNvPr id="4" name="Picture 3">
-            <a:extLst>
-              <a:ext uri="{FF2B5EF4-FFF2-40B4-BE49-F238E27FC236}">
-                <a16:creationId xmlns:a16="http://schemas.microsoft.com/office/drawing/2014/main" id="{717E43FF-D470-FE4D-BE1B-70B576974989}"/>
-              </a:ext>
-            </a:extLst>
-          </p:cNvPr>
-          <p:cNvPicPr>
-            <a:picLocks noChangeAspect="1"/>
-          </p:cNvPicPr>
-          <p:nvPr/>
-        </p:nvPicPr>
-        <p:blipFill>
-          <a:blip r:embed="rId2"/>
-          <a:stretch>
-            <a:fillRect/>
-          </a:stretch>
-        </p:blipFill>
-        <p:spPr>
-          <a:xfrm>
-            <a:off x="6908800" y="1350000"/>
-            <a:ext cx="5981700" cy="3044793"/>
-          </a:xfrm>
-          <a:prstGeom prst="rect">
-            <a:avLst/>
-          </a:prstGeom>
-        </p:spPr>
-      </p:pic>
-      <p:sp>
-        <p:nvSpPr>
-          <p:cNvPr id="5" name="Rectangle 4">
-            <a:extLst>
-              <a:ext uri="{FF2B5EF4-FFF2-40B4-BE49-F238E27FC236}">
-                <a16:creationId xmlns:a16="http://schemas.microsoft.com/office/drawing/2014/main" id="{B15A0681-D38E-C241-8D5D-AD60FDA94218}"/>
-              </a:ext>
-            </a:extLst>
-          </p:cNvPr>
-          <p:cNvSpPr/>
-          <p:nvPr/>
-        </p:nvSpPr>
-        <p:spPr>
-          <a:xfrm>
-            <a:off x="368300" y="2872397"/>
-            <a:ext cx="6908800" cy="923330"/>
-          </a:xfrm>
-          <a:prstGeom prst="rect">
-            <a:avLst/>
-          </a:prstGeom>
-        </p:spPr>
-        <p:txBody>
-          <a:bodyPr>
-            <a:spAutoFit/>
-          </a:bodyPr>
-          <a:lstStyle/>
-          <a:p>
-            <a:r>
-              <a:rPr lang="en-US" sz="1800" dirty="0" err="1">
-                <a:latin typeface="Consolas" panose="020B0609020204030204" pitchFamily="49" charset="0"/>
-                <a:cs typeface="Consolas" panose="020B0609020204030204" pitchFamily="49" charset="0"/>
-              </a:rPr>
-              <a:t>thirty_three</a:t>
-            </a:r>
-            <a:r>
-              <a:rPr lang="en-US" sz="1800" dirty="0">
-                <a:latin typeface="Consolas" panose="020B0609020204030204" pitchFamily="49" charset="0"/>
-                <a:cs typeface="Consolas" panose="020B0609020204030204" pitchFamily="49" charset="0"/>
-              </a:rPr>
-              <a:t> = </a:t>
-            </a:r>
-            <a:r>
-              <a:rPr lang="en-US" sz="1800" dirty="0">
-                <a:solidFill>
-                  <a:srgbClr val="6897BB"/>
-                </a:solidFill>
-                <a:latin typeface="Consolas" panose="020B0609020204030204" pitchFamily="49" charset="0"/>
-                <a:cs typeface="Consolas" panose="020B0609020204030204" pitchFamily="49" charset="0"/>
-              </a:rPr>
-              <a:t>1</a:t>
-            </a:r>
-            <a:r>
-              <a:rPr lang="en-US" sz="1800" dirty="0">
-                <a:latin typeface="Consolas" panose="020B0609020204030204" pitchFamily="49" charset="0"/>
-                <a:cs typeface="Consolas" panose="020B0609020204030204" pitchFamily="49" charset="0"/>
-              </a:rPr>
-              <a:t>/</a:t>
-            </a:r>
-            <a:r>
-              <a:rPr lang="en-US" sz="1800" dirty="0">
-                <a:solidFill>
-                  <a:srgbClr val="6897BB"/>
-                </a:solidFill>
-                <a:latin typeface="Consolas" panose="020B0609020204030204" pitchFamily="49" charset="0"/>
-                <a:cs typeface="Consolas" panose="020B0609020204030204" pitchFamily="49" charset="0"/>
-              </a:rPr>
-              <a:t>3 </a:t>
-            </a:r>
-            <a:r>
-              <a:rPr lang="en-US" sz="1800" dirty="0">
-                <a:latin typeface="Consolas" panose="020B0609020204030204" pitchFamily="49" charset="0"/>
-                <a:cs typeface="Consolas" panose="020B0609020204030204" pitchFamily="49" charset="0"/>
-              </a:rPr>
-              <a:t>* </a:t>
-            </a:r>
-            <a:r>
-              <a:rPr lang="en-US" sz="1800" dirty="0">
-                <a:solidFill>
-                  <a:srgbClr val="6897BB"/>
-                </a:solidFill>
-                <a:latin typeface="Consolas" panose="020B0609020204030204" pitchFamily="49" charset="0"/>
-                <a:cs typeface="Consolas" panose="020B0609020204030204" pitchFamily="49" charset="0"/>
-              </a:rPr>
-              <a:t>100</a:t>
-            </a:r>
-            <a:br>
-              <a:rPr lang="en-US" sz="1800" dirty="0">
-                <a:solidFill>
-                  <a:srgbClr val="6897BB"/>
-                </a:solidFill>
-                <a:latin typeface="Consolas" panose="020B0609020204030204" pitchFamily="49" charset="0"/>
-                <a:cs typeface="Consolas" panose="020B0609020204030204" pitchFamily="49" charset="0"/>
-              </a:rPr>
-            </a:br>
-            <a:r>
-              <a:rPr lang="en-US" sz="1800" dirty="0">
-                <a:solidFill>
-                  <a:srgbClr val="8888C6"/>
-                </a:solidFill>
-                <a:latin typeface="Consolas" panose="020B0609020204030204" pitchFamily="49" charset="0"/>
-                <a:cs typeface="Consolas" panose="020B0609020204030204" pitchFamily="49" charset="0"/>
-              </a:rPr>
-              <a:t>print</a:t>
-            </a:r>
-            <a:r>
-              <a:rPr lang="en-US" sz="1800" dirty="0">
-                <a:latin typeface="Consolas" panose="020B0609020204030204" pitchFamily="49" charset="0"/>
-                <a:cs typeface="Consolas" panose="020B0609020204030204" pitchFamily="49" charset="0"/>
-              </a:rPr>
-              <a:t>(</a:t>
-            </a:r>
-            <a:r>
-              <a:rPr lang="en-US" sz="1800" dirty="0">
-                <a:solidFill>
-                  <a:srgbClr val="8888C6"/>
-                </a:solidFill>
-                <a:latin typeface="Consolas" panose="020B0609020204030204" pitchFamily="49" charset="0"/>
-                <a:cs typeface="Consolas" panose="020B0609020204030204" pitchFamily="49" charset="0"/>
-              </a:rPr>
-              <a:t>str</a:t>
-            </a:r>
-            <a:r>
-              <a:rPr lang="en-US" sz="1800" dirty="0">
-                <a:latin typeface="Consolas" panose="020B0609020204030204" pitchFamily="49" charset="0"/>
-                <a:cs typeface="Consolas" panose="020B0609020204030204" pitchFamily="49" charset="0"/>
-              </a:rPr>
-              <a:t>(</a:t>
-            </a:r>
-            <a:r>
-              <a:rPr lang="en-US" sz="1800" dirty="0" err="1">
-                <a:latin typeface="Consolas" panose="020B0609020204030204" pitchFamily="49" charset="0"/>
-                <a:cs typeface="Consolas" panose="020B0609020204030204" pitchFamily="49" charset="0"/>
-              </a:rPr>
-              <a:t>thirty_three</a:t>
-            </a:r>
-            <a:r>
-              <a:rPr lang="en-US" sz="1800" dirty="0">
-                <a:latin typeface="Consolas" panose="020B0609020204030204" pitchFamily="49" charset="0"/>
-                <a:cs typeface="Consolas" panose="020B0609020204030204" pitchFamily="49" charset="0"/>
-              </a:rPr>
-              <a:t>) + </a:t>
-            </a:r>
-            <a:r>
-              <a:rPr lang="en-US" sz="1800" dirty="0">
-                <a:solidFill>
-                  <a:srgbClr val="6A8759"/>
-                </a:solidFill>
-                <a:latin typeface="Consolas" panose="020B0609020204030204" pitchFamily="49" charset="0"/>
-                <a:cs typeface="Consolas" panose="020B0609020204030204" pitchFamily="49" charset="0"/>
-              </a:rPr>
-              <a:t>"%"</a:t>
-            </a:r>
-            <a:r>
-              <a:rPr lang="en-US" sz="1800" dirty="0">
-                <a:latin typeface="Consolas" panose="020B0609020204030204" pitchFamily="49" charset="0"/>
-                <a:cs typeface="Consolas" panose="020B0609020204030204" pitchFamily="49" charset="0"/>
-              </a:rPr>
-              <a:t>)</a:t>
-            </a:r>
-            <a:br>
-              <a:rPr lang="en-US" sz="1800" dirty="0">
-                <a:latin typeface="Consolas" panose="020B0609020204030204" pitchFamily="49" charset="0"/>
-                <a:cs typeface="Consolas" panose="020B0609020204030204" pitchFamily="49" charset="0"/>
-              </a:rPr>
-            </a:br>
-            <a:r>
-              <a:rPr lang="en-US" sz="1800" dirty="0">
-                <a:solidFill>
-                  <a:srgbClr val="8888C6"/>
-                </a:solidFill>
-                <a:latin typeface="Consolas" panose="020B0609020204030204" pitchFamily="49" charset="0"/>
-                <a:cs typeface="Consolas" panose="020B0609020204030204" pitchFamily="49" charset="0"/>
-              </a:rPr>
-              <a:t>print</a:t>
-            </a:r>
-            <a:r>
-              <a:rPr lang="en-US" sz="1800" dirty="0">
-                <a:latin typeface="Consolas" panose="020B0609020204030204" pitchFamily="49" charset="0"/>
-                <a:cs typeface="Consolas" panose="020B0609020204030204" pitchFamily="49" charset="0"/>
-              </a:rPr>
-              <a:t>(</a:t>
-            </a:r>
-            <a:r>
-              <a:rPr lang="en-US" sz="1800" dirty="0">
-                <a:solidFill>
-                  <a:srgbClr val="6A8759"/>
-                </a:solidFill>
-                <a:latin typeface="Consolas" panose="020B0609020204030204" pitchFamily="49" charset="0"/>
-                <a:cs typeface="Consolas" panose="020B0609020204030204" pitchFamily="49" charset="0"/>
-              </a:rPr>
-              <a:t>"{:.2f}%"</a:t>
-            </a:r>
-            <a:r>
-              <a:rPr lang="en-US" sz="1800" dirty="0">
-                <a:latin typeface="Consolas" panose="020B0609020204030204" pitchFamily="49" charset="0"/>
-                <a:cs typeface="Consolas" panose="020B0609020204030204" pitchFamily="49" charset="0"/>
-              </a:rPr>
-              <a:t>.format(</a:t>
-            </a:r>
-            <a:r>
-              <a:rPr lang="en-US" sz="1800" dirty="0" err="1">
-                <a:latin typeface="Consolas" panose="020B0609020204030204" pitchFamily="49" charset="0"/>
-                <a:cs typeface="Consolas" panose="020B0609020204030204" pitchFamily="49" charset="0"/>
-              </a:rPr>
-              <a:t>thirty_three</a:t>
-            </a:r>
-            <a:r>
-              <a:rPr lang="en-US" sz="1800" dirty="0">
-                <a:latin typeface="Consolas" panose="020B0609020204030204" pitchFamily="49" charset="0"/>
-                <a:cs typeface="Consolas" panose="020B0609020204030204" pitchFamily="49" charset="0"/>
-              </a:rPr>
-              <a:t>))</a:t>
-            </a:r>
-          </a:p>
-        </p:txBody>
-      </p:sp>
-      <p:sp>
-        <p:nvSpPr>
-          <p:cNvPr id="6" name="Rectangle 5">
-            <a:extLst>
-              <a:ext uri="{FF2B5EF4-FFF2-40B4-BE49-F238E27FC236}">
-                <a16:creationId xmlns:a16="http://schemas.microsoft.com/office/drawing/2014/main" id="{AAB0B331-A9D0-D04E-A42A-61EB698A86C1}"/>
-              </a:ext>
-            </a:extLst>
-          </p:cNvPr>
-          <p:cNvSpPr/>
-          <p:nvPr/>
-        </p:nvSpPr>
-        <p:spPr>
-          <a:xfrm>
-            <a:off x="952500" y="4152994"/>
-            <a:ext cx="3695700" cy="707886"/>
-          </a:xfrm>
-          <a:prstGeom prst="rect">
-            <a:avLst/>
-          </a:prstGeom>
-        </p:spPr>
-        <p:txBody>
-          <a:bodyPr wrap="square">
-            <a:spAutoFit/>
-          </a:bodyPr>
-          <a:lstStyle/>
-          <a:p>
-            <a:r>
-              <a:rPr lang="en-US" dirty="0"/>
-              <a:t>33.33333333333333%</a:t>
-            </a:r>
-          </a:p>
-          <a:p>
-            <a:r>
-              <a:rPr lang="en-US" dirty="0"/>
-              <a:t>33.33%</a:t>
-            </a:r>
-          </a:p>
-        </p:txBody>
-      </p:sp>
-      <p:sp>
-        <p:nvSpPr>
-          <p:cNvPr id="7" name="Text Placeholder 2">
-            <a:extLst>
-              <a:ext uri="{FF2B5EF4-FFF2-40B4-BE49-F238E27FC236}">
-                <a16:creationId xmlns:a16="http://schemas.microsoft.com/office/drawing/2014/main" id="{0B992BD9-AB64-6144-89C6-BC4D39D6C175}"/>
-              </a:ext>
-            </a:extLst>
-          </p:cNvPr>
-          <p:cNvSpPr txBox="1">
-            <a:spLocks/>
-          </p:cNvSpPr>
-          <p:nvPr/>
-        </p:nvSpPr>
-        <p:spPr>
-          <a:xfrm>
-            <a:off x="628075" y="4860880"/>
-            <a:ext cx="5188525" cy="857671"/>
-          </a:xfrm>
-          <a:prstGeom prst="rect">
-            <a:avLst/>
-          </a:prstGeom>
-        </p:spPr>
-        <p:txBody>
-          <a:bodyPr vert="horz" wrap="square" lIns="91440" tIns="91440" rIns="91440" bIns="91440" rtlCol="0">
-            <a:spAutoFit/>
-          </a:bodyPr>
-          <a:lstStyle>
-            <a:lvl1pPr marL="524712" indent="-524712" algn="l" defTabSz="699614" rtl="0" eaLnBrk="1" latinLnBrk="0" hangingPunct="1">
-              <a:lnSpc>
-                <a:spcPct val="120000"/>
-              </a:lnSpc>
-              <a:spcBef>
-                <a:spcPts val="600"/>
-              </a:spcBef>
-              <a:spcAft>
-                <a:spcPts val="600"/>
-              </a:spcAft>
-              <a:buFont typeface="Arial"/>
-              <a:buChar char="•"/>
-              <a:defRPr sz="1800" b="0" i="0" kern="1200">
-                <a:solidFill>
-                  <a:srgbClr val="092529"/>
-                </a:solidFill>
-                <a:latin typeface="Proxima Nova" charset="0"/>
-                <a:ea typeface="Proxima Nova" charset="0"/>
-                <a:cs typeface="Proxima Nova" charset="0"/>
-              </a:defRPr>
-            </a:lvl1pPr>
-            <a:lvl2pPr marL="1136875" indent="-437261" algn="l" defTabSz="699614" rtl="0" eaLnBrk="1" latinLnBrk="0" hangingPunct="1">
-              <a:lnSpc>
-                <a:spcPct val="120000"/>
-              </a:lnSpc>
-              <a:spcBef>
-                <a:spcPts val="0"/>
-              </a:spcBef>
-              <a:spcAft>
-                <a:spcPts val="600"/>
-              </a:spcAft>
-              <a:buFont typeface="Arial"/>
-              <a:buChar char="–"/>
-              <a:defRPr sz="1600" b="0" i="0" kern="1200">
-                <a:solidFill>
-                  <a:srgbClr val="092529"/>
-                </a:solidFill>
-                <a:latin typeface="Proxima Nova" charset="0"/>
-                <a:ea typeface="Proxima Nova" charset="0"/>
-                <a:cs typeface="Proxima Nova" charset="0"/>
-              </a:defRPr>
-            </a:lvl2pPr>
-            <a:lvl3pPr marL="1749040" indent="-349807" algn="l" defTabSz="699614" rtl="0" eaLnBrk="1" latinLnBrk="0" hangingPunct="1">
-              <a:lnSpc>
-                <a:spcPct val="120000"/>
-              </a:lnSpc>
-              <a:spcBef>
-                <a:spcPts val="0"/>
-              </a:spcBef>
-              <a:spcAft>
-                <a:spcPts val="600"/>
-              </a:spcAft>
-              <a:buFont typeface="Arial"/>
-              <a:buChar char="•"/>
-              <a:defRPr sz="1600" b="0" i="0" kern="1200">
-                <a:solidFill>
-                  <a:srgbClr val="092529"/>
-                </a:solidFill>
-                <a:latin typeface="Proxima Nova" charset="0"/>
-                <a:ea typeface="Proxima Nova" charset="0"/>
-                <a:cs typeface="Proxima Nova" charset="0"/>
-              </a:defRPr>
-            </a:lvl3pPr>
-            <a:lvl4pPr marL="2448655" indent="-349807" algn="l" defTabSz="699614" rtl="0" eaLnBrk="1" latinLnBrk="0" hangingPunct="1">
-              <a:lnSpc>
-                <a:spcPct val="120000"/>
-              </a:lnSpc>
-              <a:spcBef>
-                <a:spcPts val="0"/>
-              </a:spcBef>
-              <a:spcAft>
-                <a:spcPts val="600"/>
-              </a:spcAft>
-              <a:buFont typeface="Arial"/>
-              <a:buChar char="–"/>
-              <a:defRPr sz="1600" b="0" i="0" kern="1200">
-                <a:solidFill>
-                  <a:srgbClr val="092529"/>
-                </a:solidFill>
-                <a:latin typeface="Proxima Nova" charset="0"/>
-                <a:ea typeface="Proxima Nova" charset="0"/>
-                <a:cs typeface="Proxima Nova" charset="0"/>
-              </a:defRPr>
-            </a:lvl4pPr>
-            <a:lvl5pPr marL="3148272" indent="-349807" algn="l" defTabSz="699614" rtl="0" eaLnBrk="1" latinLnBrk="0" hangingPunct="1">
-              <a:spcBef>
-                <a:spcPct val="20000"/>
-              </a:spcBef>
-              <a:buFont typeface="Arial"/>
-              <a:buChar char="»"/>
-              <a:defRPr sz="1648" b="0" kern="1200">
-                <a:solidFill>
-                  <a:srgbClr val="092529"/>
-                </a:solidFill>
-                <a:latin typeface="Franklin Gothic Book" charset="0"/>
-                <a:ea typeface="Franklin Gothic Book" charset="0"/>
-                <a:cs typeface="Franklin Gothic Book" charset="0"/>
-              </a:defRPr>
-            </a:lvl5pPr>
-            <a:lvl6pPr marL="3847888" indent="-349807" algn="l" defTabSz="699614" rtl="0" eaLnBrk="1" latinLnBrk="0" hangingPunct="1">
-              <a:spcBef>
-                <a:spcPct val="20000"/>
-              </a:spcBef>
-              <a:buFont typeface="Arial"/>
-              <a:buChar char="•"/>
-              <a:defRPr sz="3022" kern="1200">
-                <a:solidFill>
-                  <a:schemeClr val="tx1"/>
-                </a:solidFill>
-                <a:latin typeface="+mn-lt"/>
-                <a:ea typeface="+mn-ea"/>
-                <a:cs typeface="+mn-cs"/>
-              </a:defRPr>
-            </a:lvl6pPr>
-            <a:lvl7pPr marL="4547505" indent="-349807" algn="l" defTabSz="699614" rtl="0" eaLnBrk="1" latinLnBrk="0" hangingPunct="1">
-              <a:spcBef>
-                <a:spcPct val="20000"/>
-              </a:spcBef>
-              <a:buFont typeface="Arial"/>
-              <a:buChar char="•"/>
-              <a:defRPr sz="3022" kern="1200">
-                <a:solidFill>
-                  <a:schemeClr val="tx1"/>
-                </a:solidFill>
-                <a:latin typeface="+mn-lt"/>
-                <a:ea typeface="+mn-ea"/>
-                <a:cs typeface="+mn-cs"/>
-              </a:defRPr>
-            </a:lvl7pPr>
-            <a:lvl8pPr marL="5247119" indent="-349807" algn="l" defTabSz="699614" rtl="0" eaLnBrk="1" latinLnBrk="0" hangingPunct="1">
-              <a:spcBef>
-                <a:spcPct val="20000"/>
-              </a:spcBef>
-              <a:buFont typeface="Arial"/>
-              <a:buChar char="•"/>
-              <a:defRPr sz="3022" kern="1200">
-                <a:solidFill>
-                  <a:schemeClr val="tx1"/>
-                </a:solidFill>
-                <a:latin typeface="+mn-lt"/>
-                <a:ea typeface="+mn-ea"/>
-                <a:cs typeface="+mn-cs"/>
-              </a:defRPr>
-            </a:lvl8pPr>
-            <a:lvl9pPr marL="5946736" indent="-349807" algn="l" defTabSz="699614" rtl="0" eaLnBrk="1" latinLnBrk="0" hangingPunct="1">
-              <a:spcBef>
-                <a:spcPct val="20000"/>
-              </a:spcBef>
-              <a:buFont typeface="Arial"/>
-              <a:buChar char="•"/>
-              <a:defRPr sz="3022" kern="1200">
-                <a:solidFill>
-                  <a:schemeClr val="tx1"/>
-                </a:solidFill>
-                <a:latin typeface="+mn-lt"/>
-                <a:ea typeface="+mn-ea"/>
-                <a:cs typeface="+mn-cs"/>
-              </a:defRPr>
-            </a:lvl9pPr>
-          </a:lstStyle>
-          <a:p>
-            <a:r>
-              <a:rPr lang="en-US" dirty="0"/>
-              <a:t>also, common &lt;N</a:t>
-            </a:r>
-          </a:p>
-          <a:p>
-            <a:pPr lvl="1"/>
-            <a:r>
-              <a:rPr lang="en-US" dirty="0"/>
-              <a:t> “pads” with spacing, so always length N</a:t>
-            </a:r>
-          </a:p>
-        </p:txBody>
-      </p:sp>
-      <p:sp>
-        <p:nvSpPr>
-          <p:cNvPr id="8" name="Rectangle 7">
-            <a:extLst>
-              <a:ext uri="{FF2B5EF4-FFF2-40B4-BE49-F238E27FC236}">
-                <a16:creationId xmlns:a16="http://schemas.microsoft.com/office/drawing/2014/main" id="{F0E82879-1526-1746-9539-CF95D2301942}"/>
-              </a:ext>
-            </a:extLst>
-          </p:cNvPr>
-          <p:cNvSpPr/>
-          <p:nvPr/>
-        </p:nvSpPr>
-        <p:spPr>
-          <a:xfrm>
-            <a:off x="368300" y="5973869"/>
-            <a:ext cx="3550972" cy="369332"/>
-          </a:xfrm>
-          <a:prstGeom prst="rect">
-            <a:avLst/>
-          </a:prstGeom>
-        </p:spPr>
-        <p:txBody>
-          <a:bodyPr wrap="none">
-            <a:spAutoFit/>
-          </a:bodyPr>
-          <a:lstStyle/>
-          <a:p>
-            <a:r>
-              <a:rPr lang="en-US" sz="1800" dirty="0">
-                <a:solidFill>
-                  <a:srgbClr val="8888C6"/>
-                </a:solidFill>
-              </a:rPr>
-              <a:t>print</a:t>
-            </a:r>
-            <a:r>
-              <a:rPr lang="en-US" sz="1800" dirty="0"/>
-              <a:t>(</a:t>
-            </a:r>
-            <a:r>
-              <a:rPr lang="en-US" sz="1800" dirty="0">
-                <a:solidFill>
-                  <a:srgbClr val="6A8759"/>
-                </a:solidFill>
-              </a:rPr>
-              <a:t>"|{:&lt;30}|"</a:t>
-            </a:r>
-            <a:r>
-              <a:rPr lang="en-US" sz="1800" dirty="0"/>
-              <a:t>.format(combined))</a:t>
-            </a:r>
-          </a:p>
-        </p:txBody>
-      </p:sp>
-      <p:sp>
-        <p:nvSpPr>
-          <p:cNvPr id="9" name="Rectangle 8">
-            <a:extLst>
-              <a:ext uri="{FF2B5EF4-FFF2-40B4-BE49-F238E27FC236}">
-                <a16:creationId xmlns:a16="http://schemas.microsoft.com/office/drawing/2014/main" id="{060C515A-EC5E-534D-9D9E-76DDC5F2E5D3}"/>
-              </a:ext>
-            </a:extLst>
-          </p:cNvPr>
-          <p:cNvSpPr/>
-          <p:nvPr/>
-        </p:nvSpPr>
-        <p:spPr>
-          <a:xfrm>
-            <a:off x="1611215" y="6460597"/>
-            <a:ext cx="3036985" cy="400110"/>
-          </a:xfrm>
-          <a:prstGeom prst="rect">
-            <a:avLst/>
-          </a:prstGeom>
-        </p:spPr>
-        <p:txBody>
-          <a:bodyPr wrap="none">
-            <a:spAutoFit/>
-          </a:bodyPr>
-          <a:lstStyle/>
-          <a:p>
-            <a:r>
-              <a:rPr lang="en-US" dirty="0"/>
-              <a:t>|H.P. Lovecraft                |</a:t>
-            </a:r>
-          </a:p>
-        </p:txBody>
-      </p:sp>
-    </p:spTree>
-    <p:extLst>
-      <p:ext uri="{BB962C8B-B14F-4D97-AF65-F5344CB8AC3E}">
-        <p14:creationId xmlns:p14="http://schemas.microsoft.com/office/powerpoint/2010/main" val="267991261"/>
-      </p:ext>
-    </p:extLst>
-  </p:cSld>
-  <p:clrMapOvr>
-    <a:masterClrMapping/>
-  </p:clrMapOvr>
-  <mc:AlternateContent xmlns:mc="http://schemas.openxmlformats.org/markup-compatibility/2006" xmlns:p14="http://schemas.microsoft.com/office/powerpoint/2010/main">
-    <mc:Choice Requires="p14">
-      <p:transition p14:dur="300">
-        <p:fade/>
-      </p:transition>
-    </mc:Choice>
-    <mc:Fallback xmlns="">
-      <p:transition>
-        <p:fade/>
-      </p:transition>
-    </mc:Fallback>
-  </mc:AlternateContent>
-  <p:timing>
-    <p:tnLst>
-      <p:par>
-        <p:cTn id="1" dur="indefinite" restart="never" nodeType="tmRoot">
-          <p:childTnLst>
-            <p:seq concurrent="1" nextAc="seek">
-              <p:cTn id="2" dur="indefinite" nodeType="mainSeq">
-                <p:childTnLst>
                   <p:par>
-                    <p:cTn id="3" fill="hold">
+                    <p:cTn id="22" fill="hold">
                       <p:stCondLst>
                         <p:cond delay="indefinite"/>
                       </p:stCondLst>
                       <p:childTnLst>
                         <p:par>
-                          <p:cTn id="4" fill="hold">
+                          <p:cTn id="23" fill="hold">
                             <p:stCondLst>
                               <p:cond delay="0"/>
                             </p:stCondLst>
                             <p:childTnLst>
                               <p:par>
-                                <p:cTn id="5" presetID="9" presetClass="entr" presetSubtype="0" fill="hold" grpId="0" nodeType="clickEffect">
+                                <p:cTn id="24" presetID="9" presetClass="entr" presetSubtype="0" fill="hold" grpId="0" nodeType="clickEffect">
                                   <p:stCondLst>
                                     <p:cond delay="0"/>
                                   </p:stCondLst>
                                   <p:childTnLst>
                                     <p:set>
                                       <p:cBhvr>
-                                        <p:cTn id="6" dur="1" fill="hold">
-                                          <p:stCondLst>
-                                            <p:cond delay="0"/>
-                                          </p:stCondLst>
-                                        </p:cTn>
-                                        <p:tgtEl>
-                                          <p:spTgt spid="5"/>
-                                        </p:tgtEl>
-                                        <p:attrNameLst>
-                                          <p:attrName>style.visibility</p:attrName>
-                                        </p:attrNameLst>
-                                      </p:cBhvr>
-                                      <p:to>
-                                        <p:strVal val="visible"/>
-                                      </p:to>
-                                    </p:set>
-                                    <p:animEffect transition="in" filter="dissolve">
-                                      <p:cBhvr>
-                                        <p:cTn id="7" dur="500"/>
-                                        <p:tgtEl>
-                                          <p:spTgt spid="5"/>
-                                        </p:tgtEl>
-                                      </p:cBhvr>
-                                    </p:animEffect>
-                                  </p:childTnLst>
-                                </p:cTn>
-                              </p:par>
-                            </p:childTnLst>
-                          </p:cTn>
-                        </p:par>
-                      </p:childTnLst>
-                    </p:cTn>
-                  </p:par>
-                  <p:par>
-                    <p:cTn id="8" fill="hold">
-                      <p:stCondLst>
-                        <p:cond delay="indefinite"/>
-                      </p:stCondLst>
-                      <p:childTnLst>
-                        <p:par>
-                          <p:cTn id="9" fill="hold">
-                            <p:stCondLst>
-                              <p:cond delay="0"/>
-                            </p:stCondLst>
-                            <p:childTnLst>
-                              <p:par>
-                                <p:cTn id="10" presetID="9" presetClass="entr" presetSubtype="0" fill="hold" grpId="0" nodeType="clickEffect">
-                                  <p:stCondLst>
-                                    <p:cond delay="0"/>
-                                  </p:stCondLst>
-                                  <p:childTnLst>
-                                    <p:set>
-                                      <p:cBhvr>
-                                        <p:cTn id="11" dur="1" fill="hold">
-                                          <p:stCondLst>
-                                            <p:cond delay="0"/>
-                                          </p:stCondLst>
-                                        </p:cTn>
-                                        <p:tgtEl>
-                                          <p:spTgt spid="6"/>
-                                        </p:tgtEl>
-                                        <p:attrNameLst>
-                                          <p:attrName>style.visibility</p:attrName>
-                                        </p:attrNameLst>
-                                      </p:cBhvr>
-                                      <p:to>
-                                        <p:strVal val="visible"/>
-                                      </p:to>
-                                    </p:set>
-                                    <p:animEffect transition="in" filter="dissolve">
-                                      <p:cBhvr>
-                                        <p:cTn id="12" dur="500"/>
-                                        <p:tgtEl>
-                                          <p:spTgt spid="6"/>
-                                        </p:tgtEl>
-                                      </p:cBhvr>
-                                    </p:animEffect>
-                                  </p:childTnLst>
-                                </p:cTn>
-                              </p:par>
-                            </p:childTnLst>
-                          </p:cTn>
-                        </p:par>
-                      </p:childTnLst>
-                    </p:cTn>
-                  </p:par>
-                  <p:par>
-                    <p:cTn id="13" fill="hold">
-                      <p:stCondLst>
-                        <p:cond delay="indefinite"/>
-                      </p:stCondLst>
-                      <p:childTnLst>
-                        <p:par>
-                          <p:cTn id="14" fill="hold">
-                            <p:stCondLst>
-                              <p:cond delay="0"/>
-                            </p:stCondLst>
-                            <p:childTnLst>
-                              <p:par>
-                                <p:cTn id="15" presetID="9" presetClass="entr" presetSubtype="0" fill="hold" grpId="0" nodeType="clickEffect">
-                                  <p:stCondLst>
-                                    <p:cond delay="0"/>
-                                  </p:stCondLst>
-                                  <p:childTnLst>
-                                    <p:set>
-                                      <p:cBhvr>
-                                        <p:cTn id="16" dur="1" fill="hold">
-                                          <p:stCondLst>
-                                            <p:cond delay="0"/>
-                                          </p:stCondLst>
-                                        </p:cTn>
-                                        <p:tgtEl>
-                                          <p:spTgt spid="7"/>
-                                        </p:tgtEl>
-                                        <p:attrNameLst>
-                                          <p:attrName>style.visibility</p:attrName>
-                                        </p:attrNameLst>
-                                      </p:cBhvr>
-                                      <p:to>
-                                        <p:strVal val="visible"/>
-                                      </p:to>
-                                    </p:set>
-                                    <p:animEffect transition="in" filter="dissolve">
-                                      <p:cBhvr>
-                                        <p:cTn id="17" dur="500"/>
-                                        <p:tgtEl>
-                                          <p:spTgt spid="7"/>
-                                        </p:tgtEl>
-                                      </p:cBhvr>
-                                    </p:animEffect>
-                                  </p:childTnLst>
-                                </p:cTn>
-                              </p:par>
-                            </p:childTnLst>
-                          </p:cTn>
-                        </p:par>
-                      </p:childTnLst>
-                    </p:cTn>
-                  </p:par>
-                  <p:par>
-                    <p:cTn id="18" fill="hold">
-                      <p:stCondLst>
-                        <p:cond delay="indefinite"/>
-                      </p:stCondLst>
-                      <p:childTnLst>
-                        <p:par>
-                          <p:cTn id="19" fill="hold">
-                            <p:stCondLst>
-                              <p:cond delay="0"/>
-                            </p:stCondLst>
-                            <p:childTnLst>
-                              <p:par>
-                                <p:cTn id="20" presetID="9" presetClass="entr" presetSubtype="0" fill="hold" grpId="0" nodeType="clickEffect">
-                                  <p:stCondLst>
-                                    <p:cond delay="0"/>
-                                  </p:stCondLst>
-                                  <p:childTnLst>
-                                    <p:set>
-                                      <p:cBhvr>
-                                        <p:cTn id="21" dur="1" fill="hold">
-                                          <p:stCondLst>
-                                            <p:cond delay="0"/>
-                                          </p:stCondLst>
-                                        </p:cTn>
-                                        <p:tgtEl>
-                                          <p:spTgt spid="8"/>
-                                        </p:tgtEl>
-                                        <p:attrNameLst>
-                                          <p:attrName>style.visibility</p:attrName>
-                                        </p:attrNameLst>
-                                      </p:cBhvr>
-                                      <p:to>
-                                        <p:strVal val="visible"/>
-                                      </p:to>
-                                    </p:set>
-                                    <p:animEffect transition="in" filter="dissolve">
-                                      <p:cBhvr>
-                                        <p:cTn id="22" dur="500"/>
-                                        <p:tgtEl>
-                                          <p:spTgt spid="8"/>
-                                        </p:tgtEl>
-                                      </p:cBhvr>
-                                    </p:animEffect>
-                                  </p:childTnLst>
-                                </p:cTn>
-                              </p:par>
-                            </p:childTnLst>
-                          </p:cTn>
-                        </p:par>
-                      </p:childTnLst>
-                    </p:cTn>
-                  </p:par>
-                  <p:par>
-                    <p:cTn id="23" fill="hold">
-                      <p:stCondLst>
-                        <p:cond delay="indefinite"/>
-                      </p:stCondLst>
-                      <p:childTnLst>
-                        <p:par>
-                          <p:cTn id="24" fill="hold">
-                            <p:stCondLst>
-                              <p:cond delay="0"/>
-                            </p:stCondLst>
-                            <p:childTnLst>
-                              <p:par>
-                                <p:cTn id="25" presetID="9" presetClass="entr" presetSubtype="0" fill="hold" grpId="0" nodeType="clickEffect">
-                                  <p:stCondLst>
-                                    <p:cond delay="0"/>
-                                  </p:stCondLst>
-                                  <p:childTnLst>
-                                    <p:set>
-                                      <p:cBhvr>
-                                        <p:cTn id="26" dur="1" fill="hold">
+                                        <p:cTn id="25" dur="1" fill="hold">
                                           <p:stCondLst>
                                             <p:cond delay="0"/>
                                           </p:stCondLst>
@@ -15635,7 +16499,7 @@
                                     </p:set>
                                     <p:animEffect transition="in" filter="dissolve">
                                       <p:cBhvr>
-                                        <p:cTn id="27" dur="500"/>
+                                        <p:cTn id="26" dur="500"/>
                                         <p:tgtEl>
                                           <p:spTgt spid="9"/>
                                         </p:tgtEl>
@@ -15673,7 +16537,6 @@
     </p:tnLst>
     <p:bldLst>
       <p:bldP spid="5" grpId="0"/>
-      <p:bldP spid="6" grpId="0"/>
       <p:bldP spid="7" grpId="0"/>
       <p:bldP spid="8" grpId="0"/>
       <p:bldP spid="9" grpId="0"/>

--- a/Slides/On-Campus/02_02-StringsAndAmazingGrace.pptx
+++ b/Slides/On-Campus/02_02-StringsAndAmazingGrace.pptx
@@ -13,8 +13,8 @@
   <p:sldIdLst>
     <p:sldId id="256" r:id="rId2"/>
     <p:sldId id="274" r:id="rId3"/>
-    <p:sldId id="258" r:id="rId4"/>
-    <p:sldId id="259" r:id="rId5"/>
+    <p:sldId id="259" r:id="rId4"/>
+    <p:sldId id="258" r:id="rId5"/>
     <p:sldId id="257" r:id="rId6"/>
     <p:sldId id="261" r:id="rId7"/>
     <p:sldId id="262" r:id="rId8"/>
@@ -226,7 +226,7 @@
           <a:p>
             <a:fld id="{4D7E51A5-B478-1E40-8CBB-0DAA8831E99D}" type="datetimeFigureOut">
               <a:rPr lang="en-US" smtClean="0"/>
-              <a:t>9/1/21</a:t>
+              <a:t>9/2/21</a:t>
             </a:fld>
             <a:endParaRPr lang="en-US"/>
           </a:p>
@@ -445,7 +445,7 @@
           <a:p>
             <a:fld id="{D0ED587F-861E-6740-9643-E3DDAE89B8D6}" type="datetimeFigureOut">
               <a:rPr lang="en-US" smtClean="0"/>
-              <a:t>9/1/21</a:t>
+              <a:t>9/2/21</a:t>
             </a:fld>
             <a:endParaRPr lang="en-US"/>
           </a:p>
@@ -717,6 +717,110 @@
   <p:cSld>
     <p:spTree>
       <p:nvGrpSpPr>
+        <p:cNvPr id="1" name="Shape 208"/>
+        <p:cNvGrpSpPr/>
+        <p:nvPr/>
+      </p:nvGrpSpPr>
+      <p:grpSpPr>
+        <a:xfrm>
+          <a:off x="0" y="0"/>
+          <a:ext cx="0" cy="0"/>
+          <a:chOff x="0" y="0"/>
+          <a:chExt cx="0" cy="0"/>
+        </a:xfrm>
+      </p:grpSpPr>
+      <p:sp>
+        <p:nvSpPr>
+          <p:cNvPr id="209" name="Google Shape;209;g7cf647abce_0_23:notes"/>
+          <p:cNvSpPr>
+            <a:spLocks noGrp="1" noRot="1" noChangeAspect="1"/>
+          </p:cNvSpPr>
+          <p:nvPr>
+            <p:ph type="sldImg" idx="2"/>
+          </p:nvPr>
+        </p:nvSpPr>
+        <p:spPr>
+          <a:xfrm>
+            <a:off x="381000" y="685800"/>
+            <a:ext cx="6096000" cy="3429000"/>
+          </a:xfrm>
+          <a:custGeom>
+            <a:avLst/>
+            <a:gdLst/>
+            <a:ahLst/>
+            <a:cxnLst/>
+            <a:rect l="l" t="t" r="r" b="b"/>
+            <a:pathLst>
+              <a:path w="120000" h="120000" extrusionOk="0">
+                <a:moveTo>
+                  <a:pt x="0" y="0"/>
+                </a:moveTo>
+                <a:lnTo>
+                  <a:pt x="120000" y="0"/>
+                </a:lnTo>
+                <a:lnTo>
+                  <a:pt x="120000" y="120000"/>
+                </a:lnTo>
+                <a:lnTo>
+                  <a:pt x="0" y="120000"/>
+                </a:lnTo>
+                <a:close/>
+              </a:path>
+            </a:pathLst>
+          </a:custGeom>
+        </p:spPr>
+      </p:sp>
+      <p:sp>
+        <p:nvSpPr>
+          <p:cNvPr id="210" name="Google Shape;210;g7cf647abce_0_23:notes"/>
+          <p:cNvSpPr txBox="1">
+            <a:spLocks noGrp="1"/>
+          </p:cNvSpPr>
+          <p:nvPr>
+            <p:ph type="body" idx="1"/>
+          </p:nvPr>
+        </p:nvSpPr>
+        <p:spPr>
+          <a:xfrm>
+            <a:off x="685800" y="4343400"/>
+            <a:ext cx="5486400" cy="4114800"/>
+          </a:xfrm>
+          <a:prstGeom prst="rect">
+            <a:avLst/>
+          </a:prstGeom>
+        </p:spPr>
+        <p:txBody>
+          <a:bodyPr spcFirstLastPara="1" wrap="square" lIns="91425" tIns="91425" rIns="91425" bIns="91425" anchor="t" anchorCtr="0">
+            <a:noAutofit/>
+          </a:bodyPr>
+          <a:lstStyle/>
+          <a:p>
+            <a:pPr marL="0" lvl="0" indent="0" algn="l" rtl="0">
+              <a:spcBef>
+                <a:spcPts val="0"/>
+              </a:spcBef>
+              <a:spcAft>
+                <a:spcPts val="0"/>
+              </a:spcAft>
+              <a:buNone/>
+            </a:pPr>
+            <a:endParaRPr dirty="0"/>
+          </a:p>
+        </p:txBody>
+      </p:sp>
+    </p:spTree>
+  </p:cSld>
+  <p:clrMapOvr>
+    <a:masterClrMapping/>
+  </p:clrMapOvr>
+</p:notes>
+</file>
+
+<file path=ppt/notesSlides/notesSlide2.xml><?xml version="1.0" encoding="utf-8"?>
+<p:notes xmlns:a="http://schemas.openxmlformats.org/drawingml/2006/main" xmlns:r="http://schemas.openxmlformats.org/officeDocument/2006/relationships" xmlns:p="http://schemas.openxmlformats.org/presentationml/2006/main" showMasterSp="0" showMasterPhAnim="0">
+  <p:cSld>
+    <p:spTree>
+      <p:nvGrpSpPr>
         <p:cNvPr id="1" name="Shape 200"/>
         <p:cNvGrpSpPr/>
         <p:nvPr/>
@@ -773,110 +877,6 @@
       <p:sp>
         <p:nvSpPr>
           <p:cNvPr id="202" name="Google Shape;202;g7cf647abce_0_16:notes"/>
-          <p:cNvSpPr txBox="1">
-            <a:spLocks noGrp="1"/>
-          </p:cNvSpPr>
-          <p:nvPr>
-            <p:ph type="body" idx="1"/>
-          </p:nvPr>
-        </p:nvSpPr>
-        <p:spPr>
-          <a:xfrm>
-            <a:off x="685800" y="4343400"/>
-            <a:ext cx="5486400" cy="4114800"/>
-          </a:xfrm>
-          <a:prstGeom prst="rect">
-            <a:avLst/>
-          </a:prstGeom>
-        </p:spPr>
-        <p:txBody>
-          <a:bodyPr spcFirstLastPara="1" wrap="square" lIns="91425" tIns="91425" rIns="91425" bIns="91425" anchor="t" anchorCtr="0">
-            <a:noAutofit/>
-          </a:bodyPr>
-          <a:lstStyle/>
-          <a:p>
-            <a:pPr marL="0" lvl="0" indent="0" algn="l" rtl="0">
-              <a:spcBef>
-                <a:spcPts val="0"/>
-              </a:spcBef>
-              <a:spcAft>
-                <a:spcPts val="0"/>
-              </a:spcAft>
-              <a:buNone/>
-            </a:pPr>
-            <a:endParaRPr dirty="0"/>
-          </a:p>
-        </p:txBody>
-      </p:sp>
-    </p:spTree>
-  </p:cSld>
-  <p:clrMapOvr>
-    <a:masterClrMapping/>
-  </p:clrMapOvr>
-</p:notes>
-</file>
-
-<file path=ppt/notesSlides/notesSlide2.xml><?xml version="1.0" encoding="utf-8"?>
-<p:notes xmlns:a="http://schemas.openxmlformats.org/drawingml/2006/main" xmlns:r="http://schemas.openxmlformats.org/officeDocument/2006/relationships" xmlns:p="http://schemas.openxmlformats.org/presentationml/2006/main" showMasterSp="0" showMasterPhAnim="0">
-  <p:cSld>
-    <p:spTree>
-      <p:nvGrpSpPr>
-        <p:cNvPr id="1" name="Shape 208"/>
-        <p:cNvGrpSpPr/>
-        <p:nvPr/>
-      </p:nvGrpSpPr>
-      <p:grpSpPr>
-        <a:xfrm>
-          <a:off x="0" y="0"/>
-          <a:ext cx="0" cy="0"/>
-          <a:chOff x="0" y="0"/>
-          <a:chExt cx="0" cy="0"/>
-        </a:xfrm>
-      </p:grpSpPr>
-      <p:sp>
-        <p:nvSpPr>
-          <p:cNvPr id="209" name="Google Shape;209;g7cf647abce_0_23:notes"/>
-          <p:cNvSpPr>
-            <a:spLocks noGrp="1" noRot="1" noChangeAspect="1"/>
-          </p:cNvSpPr>
-          <p:nvPr>
-            <p:ph type="sldImg" idx="2"/>
-          </p:nvPr>
-        </p:nvSpPr>
-        <p:spPr>
-          <a:xfrm>
-            <a:off x="381000" y="685800"/>
-            <a:ext cx="6096000" cy="3429000"/>
-          </a:xfrm>
-          <a:custGeom>
-            <a:avLst/>
-            <a:gdLst/>
-            <a:ahLst/>
-            <a:cxnLst/>
-            <a:rect l="l" t="t" r="r" b="b"/>
-            <a:pathLst>
-              <a:path w="120000" h="120000" extrusionOk="0">
-                <a:moveTo>
-                  <a:pt x="0" y="0"/>
-                </a:moveTo>
-                <a:lnTo>
-                  <a:pt x="120000" y="0"/>
-                </a:lnTo>
-                <a:lnTo>
-                  <a:pt x="120000" y="120000"/>
-                </a:lnTo>
-                <a:lnTo>
-                  <a:pt x="0" y="120000"/>
-                </a:lnTo>
-                <a:close/>
-              </a:path>
-            </a:pathLst>
-          </a:custGeom>
-        </p:spPr>
-      </p:sp>
-      <p:sp>
-        <p:nvSpPr>
-          <p:cNvPr id="210" name="Google Shape;210;g7cf647abce_0_23:notes"/>
           <p:cNvSpPr txBox="1">
             <a:spLocks noGrp="1"/>
           </p:cNvSpPr>
@@ -9512,7 +9512,7 @@
                 <a:latin typeface="Consolas" panose="020B0609020204030204" pitchFamily="49" charset="0"/>
                 <a:cs typeface="Consolas" panose="020B0609020204030204" pitchFamily="49" charset="0"/>
               </a:rPr>
-              <a:t>("Amy", 0.985) =&gt; “Melody,98.50%”</a:t>
+              <a:t>("Amy", 0.985) =&gt; “Amy,98.50%”</a:t>
             </a:r>
           </a:p>
           <a:p>
@@ -9558,7 +9558,7 @@
                 <a:latin typeface="Consolas" panose="020B0609020204030204" pitchFamily="49" charset="0"/>
                 <a:cs typeface="Consolas" panose="020B0609020204030204" pitchFamily="49" charset="0"/>
               </a:rPr>
-              <a:t>", 0.80687) =&gt; “Rory,80.69%”</a:t>
+              <a:t>", 0.80687) =&gt; “DrW,80.69%”</a:t>
             </a:r>
           </a:p>
         </p:txBody>
@@ -10191,6 +10191,581 @@
   <p:cSld>
     <p:spTree>
       <p:nvGrpSpPr>
+        <p:cNvPr id="1" name="Shape 211"/>
+        <p:cNvGrpSpPr/>
+        <p:nvPr/>
+      </p:nvGrpSpPr>
+      <p:grpSpPr>
+        <a:xfrm>
+          <a:off x="0" y="0"/>
+          <a:ext cx="0" cy="0"/>
+          <a:chOff x="0" y="0"/>
+          <a:chExt cx="0" cy="0"/>
+        </a:xfrm>
+      </p:grpSpPr>
+      <p:sp>
+        <p:nvSpPr>
+          <p:cNvPr id="212" name="Google Shape;212;p42"/>
+          <p:cNvSpPr txBox="1">
+            <a:spLocks noGrp="1"/>
+          </p:cNvSpPr>
+          <p:nvPr>
+            <p:ph type="title"/>
+          </p:nvPr>
+        </p:nvSpPr>
+        <p:spPr>
+          <a:xfrm>
+            <a:off x="628075" y="751389"/>
+            <a:ext cx="12561413" cy="1015467"/>
+          </a:xfrm>
+          <a:prstGeom prst="rect">
+            <a:avLst/>
+          </a:prstGeom>
+        </p:spPr>
+        <p:txBody>
+          <a:bodyPr spcFirstLastPara="1" vert="horz" wrap="square" lIns="91422" tIns="91422" rIns="91422" bIns="91422" rtlCol="0" anchor="b" anchorCtr="0">
+            <a:noAutofit/>
+          </a:bodyPr>
+          <a:lstStyle/>
+          <a:p>
+            <a:r>
+              <a:rPr lang="en"/>
+              <a:t>Automatic Coding vs. Programming?</a:t>
+            </a:r>
+            <a:endParaRPr dirty="0"/>
+          </a:p>
+        </p:txBody>
+      </p:sp>
+      <p:sp>
+        <p:nvSpPr>
+          <p:cNvPr id="213" name="Google Shape;213;p42"/>
+          <p:cNvSpPr txBox="1">
+            <a:spLocks noGrp="1"/>
+          </p:cNvSpPr>
+          <p:nvPr>
+            <p:ph type="body" idx="1"/>
+          </p:nvPr>
+        </p:nvSpPr>
+        <p:spPr>
+          <a:xfrm>
+            <a:off x="673590" y="1976043"/>
+            <a:ext cx="5505733" cy="4597707"/>
+          </a:xfrm>
+          <a:prstGeom prst="rect">
+            <a:avLst/>
+          </a:prstGeom>
+        </p:spPr>
+        <p:txBody>
+          <a:bodyPr spcFirstLastPara="1" vert="horz" wrap="square" lIns="91422" tIns="91422" rIns="91422" bIns="91422" rtlCol="0" anchor="t" anchorCtr="0">
+            <a:noAutofit/>
+          </a:bodyPr>
+          <a:lstStyle/>
+          <a:p>
+            <a:r>
+              <a:rPr lang="en" dirty="0">
+                <a:solidFill>
+                  <a:srgbClr val="000000"/>
+                </a:solidFill>
+              </a:rPr>
+              <a:t>Coding </a:t>
+            </a:r>
+            <a:endParaRPr dirty="0">
+              <a:solidFill>
+                <a:srgbClr val="000000"/>
+              </a:solidFill>
+            </a:endParaRPr>
+          </a:p>
+          <a:p>
+            <a:pPr lvl="1">
+              <a:spcBef>
+                <a:spcPts val="0"/>
+              </a:spcBef>
+            </a:pPr>
+            <a:r>
+              <a:rPr lang="en" dirty="0">
+                <a:solidFill>
+                  <a:srgbClr val="000000"/>
+                </a:solidFill>
+              </a:rPr>
+              <a:t>Syntax</a:t>
+            </a:r>
+            <a:endParaRPr dirty="0">
+              <a:solidFill>
+                <a:srgbClr val="000000"/>
+              </a:solidFill>
+            </a:endParaRPr>
+          </a:p>
+          <a:p>
+            <a:pPr lvl="1">
+              <a:spcBef>
+                <a:spcPts val="0"/>
+              </a:spcBef>
+            </a:pPr>
+            <a:r>
+              <a:rPr lang="en" dirty="0">
+                <a:solidFill>
+                  <a:srgbClr val="000000"/>
+                </a:solidFill>
+              </a:rPr>
+              <a:t>How you do something</a:t>
+            </a:r>
+            <a:endParaRPr dirty="0">
+              <a:solidFill>
+                <a:srgbClr val="000000"/>
+              </a:solidFill>
+            </a:endParaRPr>
+          </a:p>
+          <a:p>
+            <a:pPr lvl="1">
+              <a:spcBef>
+                <a:spcPts val="0"/>
+              </a:spcBef>
+            </a:pPr>
+            <a:r>
+              <a:rPr lang="en" dirty="0">
+                <a:solidFill>
+                  <a:srgbClr val="000000"/>
+                </a:solidFill>
+              </a:rPr>
+              <a:t>What you are doing in this class</a:t>
+            </a:r>
+            <a:endParaRPr dirty="0">
+              <a:solidFill>
+                <a:srgbClr val="000000"/>
+              </a:solidFill>
+            </a:endParaRPr>
+          </a:p>
+          <a:p>
+            <a:pPr lvl="1">
+              <a:spcBef>
+                <a:spcPts val="0"/>
+              </a:spcBef>
+            </a:pPr>
+            <a:r>
+              <a:rPr lang="en" dirty="0">
+                <a:solidFill>
+                  <a:srgbClr val="000000"/>
+                </a:solidFill>
+              </a:rPr>
+              <a:t>It follows specific rules</a:t>
+            </a:r>
+            <a:endParaRPr dirty="0">
+              <a:solidFill>
+                <a:srgbClr val="000000"/>
+              </a:solidFill>
+            </a:endParaRPr>
+          </a:p>
+          <a:p>
+            <a:pPr lvl="1">
+              <a:spcBef>
+                <a:spcPts val="0"/>
+              </a:spcBef>
+            </a:pPr>
+            <a:r>
+              <a:rPr lang="en" dirty="0">
+                <a:solidFill>
+                  <a:srgbClr val="000000"/>
+                </a:solidFill>
+              </a:rPr>
+              <a:t>Can be self-taught</a:t>
+            </a:r>
+            <a:endParaRPr dirty="0">
+              <a:solidFill>
+                <a:srgbClr val="000000"/>
+              </a:solidFill>
+            </a:endParaRPr>
+          </a:p>
+          <a:p>
+            <a:pPr>
+              <a:spcBef>
+                <a:spcPts val="0"/>
+              </a:spcBef>
+            </a:pPr>
+            <a:r>
+              <a:rPr lang="en" dirty="0">
+                <a:solidFill>
+                  <a:srgbClr val="000000"/>
+                </a:solidFill>
+              </a:rPr>
+              <a:t>Programming</a:t>
+            </a:r>
+            <a:endParaRPr dirty="0">
+              <a:solidFill>
+                <a:srgbClr val="000000"/>
+              </a:solidFill>
+            </a:endParaRPr>
+          </a:p>
+          <a:p>
+            <a:pPr lvl="1">
+              <a:spcBef>
+                <a:spcPts val="0"/>
+              </a:spcBef>
+            </a:pPr>
+            <a:r>
+              <a:rPr lang="en" dirty="0">
+                <a:solidFill>
+                  <a:srgbClr val="000000"/>
+                </a:solidFill>
+              </a:rPr>
+              <a:t>Design</a:t>
+            </a:r>
+            <a:endParaRPr dirty="0">
+              <a:solidFill>
+                <a:srgbClr val="000000"/>
+              </a:solidFill>
+            </a:endParaRPr>
+          </a:p>
+          <a:p>
+            <a:pPr lvl="1">
+              <a:spcBef>
+                <a:spcPts val="0"/>
+              </a:spcBef>
+            </a:pPr>
+            <a:r>
+              <a:rPr lang="en" dirty="0">
+                <a:solidFill>
+                  <a:srgbClr val="000000"/>
+                </a:solidFill>
+              </a:rPr>
+              <a:t>Theory</a:t>
+            </a:r>
+            <a:endParaRPr dirty="0">
+              <a:solidFill>
+                <a:srgbClr val="000000"/>
+              </a:solidFill>
+            </a:endParaRPr>
+          </a:p>
+          <a:p>
+            <a:pPr lvl="1">
+              <a:spcBef>
+                <a:spcPts val="0"/>
+              </a:spcBef>
+            </a:pPr>
+            <a:r>
+              <a:rPr lang="en" dirty="0">
+                <a:solidFill>
+                  <a:srgbClr val="000000"/>
+                </a:solidFill>
+              </a:rPr>
+              <a:t>Specification</a:t>
+            </a:r>
+            <a:endParaRPr dirty="0">
+              <a:solidFill>
+                <a:srgbClr val="000000"/>
+              </a:solidFill>
+            </a:endParaRPr>
+          </a:p>
+          <a:p>
+            <a:pPr lvl="1">
+              <a:spcBef>
+                <a:spcPts val="0"/>
+              </a:spcBef>
+            </a:pPr>
+            <a:r>
+              <a:rPr lang="en" dirty="0">
+                <a:solidFill>
+                  <a:srgbClr val="000000"/>
+                </a:solidFill>
+              </a:rPr>
+              <a:t>It requires the creative component</a:t>
+            </a:r>
+            <a:endParaRPr dirty="0">
+              <a:solidFill>
+                <a:srgbClr val="000000"/>
+              </a:solidFill>
+            </a:endParaRPr>
+          </a:p>
+        </p:txBody>
+      </p:sp>
+      <p:sp>
+        <p:nvSpPr>
+          <p:cNvPr id="214" name="Google Shape;214;p42"/>
+          <p:cNvSpPr txBox="1"/>
+          <p:nvPr/>
+        </p:nvSpPr>
+        <p:spPr>
+          <a:xfrm>
+            <a:off x="6347723" y="1881177"/>
+            <a:ext cx="6726560" cy="1420293"/>
+          </a:xfrm>
+          <a:prstGeom prst="rect">
+            <a:avLst/>
+          </a:prstGeom>
+          <a:noFill/>
+          <a:ln>
+            <a:noFill/>
+          </a:ln>
+        </p:spPr>
+        <p:txBody>
+          <a:bodyPr spcFirstLastPara="1" wrap="square" lIns="138153" tIns="138153" rIns="138153" bIns="138153" anchor="t" anchorCtr="0">
+            <a:noAutofit/>
+          </a:bodyPr>
+          <a:lstStyle/>
+          <a:p>
+            <a:r>
+              <a:rPr lang="en" sz="2400" dirty="0"/>
+              <a:t>A good programmer has to be more than a coder. She has to be an problem solver, a designer, an artist and engineering.</a:t>
+            </a:r>
+            <a:endParaRPr sz="2400" dirty="0"/>
+          </a:p>
+        </p:txBody>
+      </p:sp>
+      <p:sp>
+        <p:nvSpPr>
+          <p:cNvPr id="215" name="Google Shape;215;p42"/>
+          <p:cNvSpPr/>
+          <p:nvPr/>
+        </p:nvSpPr>
+        <p:spPr>
+          <a:xfrm>
+            <a:off x="8393163" y="3391811"/>
+            <a:ext cx="1472427" cy="1007760"/>
+          </a:xfrm>
+          <a:prstGeom prst="rect">
+            <a:avLst/>
+          </a:prstGeom>
+          <a:solidFill>
+            <a:srgbClr val="C8C371"/>
+          </a:solidFill>
+          <a:ln w="9525" cap="flat" cmpd="sng">
+            <a:solidFill>
+              <a:srgbClr val="1E4D2B"/>
+            </a:solidFill>
+            <a:prstDash val="solid"/>
+            <a:round/>
+            <a:headEnd type="none" w="sm" len="sm"/>
+            <a:tailEnd type="none" w="sm" len="sm"/>
+          </a:ln>
+        </p:spPr>
+        <p:txBody>
+          <a:bodyPr spcFirstLastPara="1" wrap="square" lIns="138153" tIns="138153" rIns="138153" bIns="138153" anchor="ctr" anchorCtr="0">
+            <a:noAutofit/>
+          </a:bodyPr>
+          <a:lstStyle/>
+          <a:p>
+            <a:pPr algn="ctr"/>
+            <a:r>
+              <a:rPr lang="en" sz="3022"/>
+              <a:t>Divide</a:t>
+            </a:r>
+            <a:endParaRPr sz="3022" dirty="0"/>
+          </a:p>
+        </p:txBody>
+      </p:sp>
+      <p:sp>
+        <p:nvSpPr>
+          <p:cNvPr id="216" name="Google Shape;216;p42"/>
+          <p:cNvSpPr/>
+          <p:nvPr/>
+        </p:nvSpPr>
+        <p:spPr>
+          <a:xfrm>
+            <a:off x="7690876" y="4523256"/>
+            <a:ext cx="840933" cy="635573"/>
+          </a:xfrm>
+          <a:prstGeom prst="rect">
+            <a:avLst/>
+          </a:prstGeom>
+          <a:solidFill>
+            <a:srgbClr val="C8C371"/>
+          </a:solidFill>
+          <a:ln w="9525" cap="flat" cmpd="sng">
+            <a:solidFill>
+              <a:srgbClr val="1E4D2B"/>
+            </a:solidFill>
+            <a:prstDash val="solid"/>
+            <a:round/>
+            <a:headEnd type="none" w="sm" len="sm"/>
+            <a:tailEnd type="none" w="sm" len="sm"/>
+          </a:ln>
+        </p:spPr>
+        <p:txBody>
+          <a:bodyPr spcFirstLastPara="1" wrap="square" lIns="138153" tIns="138153" rIns="138153" bIns="138153" anchor="ctr" anchorCtr="0">
+            <a:noAutofit/>
+          </a:bodyPr>
+          <a:lstStyle/>
+          <a:p>
+            <a:pPr algn="ctr"/>
+            <a:r>
+              <a:rPr lang="en" sz="1058"/>
+              <a:t>Conquer</a:t>
+            </a:r>
+            <a:endParaRPr sz="1058" dirty="0"/>
+          </a:p>
+        </p:txBody>
+      </p:sp>
+      <p:sp>
+        <p:nvSpPr>
+          <p:cNvPr id="217" name="Google Shape;217;p42"/>
+          <p:cNvSpPr/>
+          <p:nvPr/>
+        </p:nvSpPr>
+        <p:spPr>
+          <a:xfrm>
+            <a:off x="8712500" y="4523256"/>
+            <a:ext cx="840933" cy="635573"/>
+          </a:xfrm>
+          <a:prstGeom prst="rect">
+            <a:avLst/>
+          </a:prstGeom>
+          <a:solidFill>
+            <a:srgbClr val="C8C371"/>
+          </a:solidFill>
+          <a:ln w="9525" cap="flat" cmpd="sng">
+            <a:solidFill>
+              <a:srgbClr val="1E4D2B"/>
+            </a:solidFill>
+            <a:prstDash val="solid"/>
+            <a:round/>
+            <a:headEnd type="none" w="sm" len="sm"/>
+            <a:tailEnd type="none" w="sm" len="sm"/>
+          </a:ln>
+        </p:spPr>
+        <p:txBody>
+          <a:bodyPr spcFirstLastPara="1" wrap="square" lIns="138153" tIns="138153" rIns="138153" bIns="138153" anchor="ctr" anchorCtr="0">
+            <a:noAutofit/>
+          </a:bodyPr>
+          <a:lstStyle/>
+          <a:p>
+            <a:pPr algn="ctr"/>
+            <a:r>
+              <a:rPr lang="en" sz="1058"/>
+              <a:t>Conquer</a:t>
+            </a:r>
+            <a:endParaRPr sz="1058" dirty="0"/>
+          </a:p>
+        </p:txBody>
+      </p:sp>
+      <p:sp>
+        <p:nvSpPr>
+          <p:cNvPr id="218" name="Google Shape;218;p42"/>
+          <p:cNvSpPr/>
+          <p:nvPr/>
+        </p:nvSpPr>
+        <p:spPr>
+          <a:xfrm>
+            <a:off x="9734126" y="4523256"/>
+            <a:ext cx="840933" cy="635573"/>
+          </a:xfrm>
+          <a:prstGeom prst="rect">
+            <a:avLst/>
+          </a:prstGeom>
+          <a:solidFill>
+            <a:srgbClr val="C8C371"/>
+          </a:solidFill>
+          <a:ln w="9525" cap="flat" cmpd="sng">
+            <a:solidFill>
+              <a:srgbClr val="1E4D2B"/>
+            </a:solidFill>
+            <a:prstDash val="solid"/>
+            <a:round/>
+            <a:headEnd type="none" w="sm" len="sm"/>
+            <a:tailEnd type="none" w="sm" len="sm"/>
+          </a:ln>
+        </p:spPr>
+        <p:txBody>
+          <a:bodyPr spcFirstLastPara="1" wrap="square" lIns="138153" tIns="138153" rIns="138153" bIns="138153" anchor="ctr" anchorCtr="0">
+            <a:noAutofit/>
+          </a:bodyPr>
+          <a:lstStyle/>
+          <a:p>
+            <a:pPr algn="ctr"/>
+            <a:r>
+              <a:rPr lang="en" sz="1058"/>
+              <a:t>Conquer</a:t>
+            </a:r>
+            <a:endParaRPr sz="1058" dirty="0"/>
+          </a:p>
+        </p:txBody>
+      </p:sp>
+      <p:sp>
+        <p:nvSpPr>
+          <p:cNvPr id="219" name="Google Shape;219;p42"/>
+          <p:cNvSpPr/>
+          <p:nvPr/>
+        </p:nvSpPr>
+        <p:spPr>
+          <a:xfrm>
+            <a:off x="8393163" y="5372855"/>
+            <a:ext cx="1472427" cy="1007760"/>
+          </a:xfrm>
+          <a:prstGeom prst="rect">
+            <a:avLst/>
+          </a:prstGeom>
+          <a:solidFill>
+            <a:srgbClr val="C8C371"/>
+          </a:solidFill>
+          <a:ln w="9525" cap="flat" cmpd="sng">
+            <a:solidFill>
+              <a:srgbClr val="1E4D2B"/>
+            </a:solidFill>
+            <a:prstDash val="solid"/>
+            <a:round/>
+            <a:headEnd type="none" w="sm" len="sm"/>
+            <a:tailEnd type="none" w="sm" len="sm"/>
+          </a:ln>
+        </p:spPr>
+        <p:txBody>
+          <a:bodyPr spcFirstLastPara="1" wrap="square" lIns="138153" tIns="138153" rIns="138153" bIns="138153" anchor="ctr" anchorCtr="0">
+            <a:noAutofit/>
+          </a:bodyPr>
+          <a:lstStyle/>
+          <a:p>
+            <a:pPr algn="ctr"/>
+            <a:r>
+              <a:rPr lang="en" sz="3022" dirty="0"/>
+              <a:t>Glue</a:t>
+            </a:r>
+            <a:endParaRPr sz="3022" dirty="0"/>
+          </a:p>
+        </p:txBody>
+      </p:sp>
+      <p:sp>
+        <p:nvSpPr>
+          <p:cNvPr id="220" name="Google Shape;220;p42"/>
+          <p:cNvSpPr txBox="1"/>
+          <p:nvPr/>
+        </p:nvSpPr>
+        <p:spPr>
+          <a:xfrm rot="2052303">
+            <a:off x="10704571" y="3791874"/>
+            <a:ext cx="2398539" cy="635440"/>
+          </a:xfrm>
+          <a:prstGeom prst="rect">
+            <a:avLst/>
+          </a:prstGeom>
+          <a:noFill/>
+          <a:ln>
+            <a:noFill/>
+          </a:ln>
+        </p:spPr>
+        <p:txBody>
+          <a:bodyPr spcFirstLastPara="1" wrap="square" lIns="138153" tIns="138153" rIns="138153" bIns="138153" anchor="t" anchorCtr="0">
+            <a:noAutofit/>
+          </a:bodyPr>
+          <a:lstStyle/>
+          <a:p>
+            <a:r>
+              <a:rPr lang="en" sz="3022" dirty="0"/>
+              <a:t>Remember</a:t>
+            </a:r>
+            <a:endParaRPr sz="3022" dirty="0"/>
+          </a:p>
+        </p:txBody>
+      </p:sp>
+    </p:spTree>
+  </p:cSld>
+  <p:clrMapOvr>
+    <a:masterClrMapping/>
+  </p:clrMapOvr>
+</p:sld>
+</file>
+
+<file path=ppt/slides/slide4.xml><?xml version="1.0" encoding="utf-8"?>
+<p:sld xmlns:a="http://schemas.openxmlformats.org/drawingml/2006/main" xmlns:r="http://schemas.openxmlformats.org/officeDocument/2006/relationships" xmlns:p="http://schemas.openxmlformats.org/presentationml/2006/main">
+  <p:cSld>
+    <p:spTree>
+      <p:nvGrpSpPr>
         <p:cNvPr id="1" name="Shape 203"/>
         <p:cNvGrpSpPr/>
         <p:nvPr/>
@@ -10612,581 +11187,6 @@
               <a:t>Source</a:t>
             </a:r>
             <a:endParaRPr sz="1058" dirty="0"/>
-          </a:p>
-        </p:txBody>
-      </p:sp>
-    </p:spTree>
-  </p:cSld>
-  <p:clrMapOvr>
-    <a:masterClrMapping/>
-  </p:clrMapOvr>
-</p:sld>
-</file>
-
-<file path=ppt/slides/slide4.xml><?xml version="1.0" encoding="utf-8"?>
-<p:sld xmlns:a="http://schemas.openxmlformats.org/drawingml/2006/main" xmlns:r="http://schemas.openxmlformats.org/officeDocument/2006/relationships" xmlns:p="http://schemas.openxmlformats.org/presentationml/2006/main">
-  <p:cSld>
-    <p:spTree>
-      <p:nvGrpSpPr>
-        <p:cNvPr id="1" name="Shape 211"/>
-        <p:cNvGrpSpPr/>
-        <p:nvPr/>
-      </p:nvGrpSpPr>
-      <p:grpSpPr>
-        <a:xfrm>
-          <a:off x="0" y="0"/>
-          <a:ext cx="0" cy="0"/>
-          <a:chOff x="0" y="0"/>
-          <a:chExt cx="0" cy="0"/>
-        </a:xfrm>
-      </p:grpSpPr>
-      <p:sp>
-        <p:nvSpPr>
-          <p:cNvPr id="212" name="Google Shape;212;p42"/>
-          <p:cNvSpPr txBox="1">
-            <a:spLocks noGrp="1"/>
-          </p:cNvSpPr>
-          <p:nvPr>
-            <p:ph type="title"/>
-          </p:nvPr>
-        </p:nvSpPr>
-        <p:spPr>
-          <a:xfrm>
-            <a:off x="628075" y="751389"/>
-            <a:ext cx="12561413" cy="1015467"/>
-          </a:xfrm>
-          <a:prstGeom prst="rect">
-            <a:avLst/>
-          </a:prstGeom>
-        </p:spPr>
-        <p:txBody>
-          <a:bodyPr spcFirstLastPara="1" vert="horz" wrap="square" lIns="91422" tIns="91422" rIns="91422" bIns="91422" rtlCol="0" anchor="b" anchorCtr="0">
-            <a:noAutofit/>
-          </a:bodyPr>
-          <a:lstStyle/>
-          <a:p>
-            <a:r>
-              <a:rPr lang="en"/>
-              <a:t>Automatic Coding vs. Programming?</a:t>
-            </a:r>
-            <a:endParaRPr dirty="0"/>
-          </a:p>
-        </p:txBody>
-      </p:sp>
-      <p:sp>
-        <p:nvSpPr>
-          <p:cNvPr id="213" name="Google Shape;213;p42"/>
-          <p:cNvSpPr txBox="1">
-            <a:spLocks noGrp="1"/>
-          </p:cNvSpPr>
-          <p:nvPr>
-            <p:ph type="body" idx="1"/>
-          </p:nvPr>
-        </p:nvSpPr>
-        <p:spPr>
-          <a:xfrm>
-            <a:off x="673590" y="1976043"/>
-            <a:ext cx="5505733" cy="4597707"/>
-          </a:xfrm>
-          <a:prstGeom prst="rect">
-            <a:avLst/>
-          </a:prstGeom>
-        </p:spPr>
-        <p:txBody>
-          <a:bodyPr spcFirstLastPara="1" vert="horz" wrap="square" lIns="91422" tIns="91422" rIns="91422" bIns="91422" rtlCol="0" anchor="t" anchorCtr="0">
-            <a:noAutofit/>
-          </a:bodyPr>
-          <a:lstStyle/>
-          <a:p>
-            <a:r>
-              <a:rPr lang="en" dirty="0">
-                <a:solidFill>
-                  <a:srgbClr val="000000"/>
-                </a:solidFill>
-              </a:rPr>
-              <a:t>Coding </a:t>
-            </a:r>
-            <a:endParaRPr dirty="0">
-              <a:solidFill>
-                <a:srgbClr val="000000"/>
-              </a:solidFill>
-            </a:endParaRPr>
-          </a:p>
-          <a:p>
-            <a:pPr lvl="1">
-              <a:spcBef>
-                <a:spcPts val="0"/>
-              </a:spcBef>
-            </a:pPr>
-            <a:r>
-              <a:rPr lang="en" dirty="0">
-                <a:solidFill>
-                  <a:srgbClr val="000000"/>
-                </a:solidFill>
-              </a:rPr>
-              <a:t>Syntax</a:t>
-            </a:r>
-            <a:endParaRPr dirty="0">
-              <a:solidFill>
-                <a:srgbClr val="000000"/>
-              </a:solidFill>
-            </a:endParaRPr>
-          </a:p>
-          <a:p>
-            <a:pPr lvl="1">
-              <a:spcBef>
-                <a:spcPts val="0"/>
-              </a:spcBef>
-            </a:pPr>
-            <a:r>
-              <a:rPr lang="en" dirty="0">
-                <a:solidFill>
-                  <a:srgbClr val="000000"/>
-                </a:solidFill>
-              </a:rPr>
-              <a:t>How you do something</a:t>
-            </a:r>
-            <a:endParaRPr dirty="0">
-              <a:solidFill>
-                <a:srgbClr val="000000"/>
-              </a:solidFill>
-            </a:endParaRPr>
-          </a:p>
-          <a:p>
-            <a:pPr lvl="1">
-              <a:spcBef>
-                <a:spcPts val="0"/>
-              </a:spcBef>
-            </a:pPr>
-            <a:r>
-              <a:rPr lang="en" dirty="0">
-                <a:solidFill>
-                  <a:srgbClr val="000000"/>
-                </a:solidFill>
-              </a:rPr>
-              <a:t>What you are doing in this class</a:t>
-            </a:r>
-            <a:endParaRPr dirty="0">
-              <a:solidFill>
-                <a:srgbClr val="000000"/>
-              </a:solidFill>
-            </a:endParaRPr>
-          </a:p>
-          <a:p>
-            <a:pPr lvl="1">
-              <a:spcBef>
-                <a:spcPts val="0"/>
-              </a:spcBef>
-            </a:pPr>
-            <a:r>
-              <a:rPr lang="en" dirty="0">
-                <a:solidFill>
-                  <a:srgbClr val="000000"/>
-                </a:solidFill>
-              </a:rPr>
-              <a:t>It follows specific rules</a:t>
-            </a:r>
-            <a:endParaRPr dirty="0">
-              <a:solidFill>
-                <a:srgbClr val="000000"/>
-              </a:solidFill>
-            </a:endParaRPr>
-          </a:p>
-          <a:p>
-            <a:pPr lvl="1">
-              <a:spcBef>
-                <a:spcPts val="0"/>
-              </a:spcBef>
-            </a:pPr>
-            <a:r>
-              <a:rPr lang="en" dirty="0">
-                <a:solidFill>
-                  <a:srgbClr val="000000"/>
-                </a:solidFill>
-              </a:rPr>
-              <a:t>Can be self-taught</a:t>
-            </a:r>
-            <a:endParaRPr dirty="0">
-              <a:solidFill>
-                <a:srgbClr val="000000"/>
-              </a:solidFill>
-            </a:endParaRPr>
-          </a:p>
-          <a:p>
-            <a:pPr>
-              <a:spcBef>
-                <a:spcPts val="0"/>
-              </a:spcBef>
-            </a:pPr>
-            <a:r>
-              <a:rPr lang="en" dirty="0">
-                <a:solidFill>
-                  <a:srgbClr val="000000"/>
-                </a:solidFill>
-              </a:rPr>
-              <a:t>Programming</a:t>
-            </a:r>
-            <a:endParaRPr dirty="0">
-              <a:solidFill>
-                <a:srgbClr val="000000"/>
-              </a:solidFill>
-            </a:endParaRPr>
-          </a:p>
-          <a:p>
-            <a:pPr lvl="1">
-              <a:spcBef>
-                <a:spcPts val="0"/>
-              </a:spcBef>
-            </a:pPr>
-            <a:r>
-              <a:rPr lang="en" dirty="0">
-                <a:solidFill>
-                  <a:srgbClr val="000000"/>
-                </a:solidFill>
-              </a:rPr>
-              <a:t>Design</a:t>
-            </a:r>
-            <a:endParaRPr dirty="0">
-              <a:solidFill>
-                <a:srgbClr val="000000"/>
-              </a:solidFill>
-            </a:endParaRPr>
-          </a:p>
-          <a:p>
-            <a:pPr lvl="1">
-              <a:spcBef>
-                <a:spcPts val="0"/>
-              </a:spcBef>
-            </a:pPr>
-            <a:r>
-              <a:rPr lang="en" dirty="0">
-                <a:solidFill>
-                  <a:srgbClr val="000000"/>
-                </a:solidFill>
-              </a:rPr>
-              <a:t>Theory</a:t>
-            </a:r>
-            <a:endParaRPr dirty="0">
-              <a:solidFill>
-                <a:srgbClr val="000000"/>
-              </a:solidFill>
-            </a:endParaRPr>
-          </a:p>
-          <a:p>
-            <a:pPr lvl="1">
-              <a:spcBef>
-                <a:spcPts val="0"/>
-              </a:spcBef>
-            </a:pPr>
-            <a:r>
-              <a:rPr lang="en" dirty="0">
-                <a:solidFill>
-                  <a:srgbClr val="000000"/>
-                </a:solidFill>
-              </a:rPr>
-              <a:t>Specification</a:t>
-            </a:r>
-            <a:endParaRPr dirty="0">
-              <a:solidFill>
-                <a:srgbClr val="000000"/>
-              </a:solidFill>
-            </a:endParaRPr>
-          </a:p>
-          <a:p>
-            <a:pPr lvl="1">
-              <a:spcBef>
-                <a:spcPts val="0"/>
-              </a:spcBef>
-            </a:pPr>
-            <a:r>
-              <a:rPr lang="en" dirty="0">
-                <a:solidFill>
-                  <a:srgbClr val="000000"/>
-                </a:solidFill>
-              </a:rPr>
-              <a:t>It requires the creative component</a:t>
-            </a:r>
-            <a:endParaRPr dirty="0">
-              <a:solidFill>
-                <a:srgbClr val="000000"/>
-              </a:solidFill>
-            </a:endParaRPr>
-          </a:p>
-        </p:txBody>
-      </p:sp>
-      <p:sp>
-        <p:nvSpPr>
-          <p:cNvPr id="214" name="Google Shape;214;p42"/>
-          <p:cNvSpPr txBox="1"/>
-          <p:nvPr/>
-        </p:nvSpPr>
-        <p:spPr>
-          <a:xfrm>
-            <a:off x="6347723" y="1881177"/>
-            <a:ext cx="6726560" cy="1420293"/>
-          </a:xfrm>
-          <a:prstGeom prst="rect">
-            <a:avLst/>
-          </a:prstGeom>
-          <a:noFill/>
-          <a:ln>
-            <a:noFill/>
-          </a:ln>
-        </p:spPr>
-        <p:txBody>
-          <a:bodyPr spcFirstLastPara="1" wrap="square" lIns="138153" tIns="138153" rIns="138153" bIns="138153" anchor="t" anchorCtr="0">
-            <a:noAutofit/>
-          </a:bodyPr>
-          <a:lstStyle/>
-          <a:p>
-            <a:r>
-              <a:rPr lang="en" sz="2400" dirty="0"/>
-              <a:t>A good programmer has to be more than a coder. She has to be an problem solver, a designer, an artist and engineering.</a:t>
-            </a:r>
-            <a:endParaRPr sz="2400" dirty="0"/>
-          </a:p>
-        </p:txBody>
-      </p:sp>
-      <p:sp>
-        <p:nvSpPr>
-          <p:cNvPr id="215" name="Google Shape;215;p42"/>
-          <p:cNvSpPr/>
-          <p:nvPr/>
-        </p:nvSpPr>
-        <p:spPr>
-          <a:xfrm>
-            <a:off x="8393163" y="3391811"/>
-            <a:ext cx="1472427" cy="1007760"/>
-          </a:xfrm>
-          <a:prstGeom prst="rect">
-            <a:avLst/>
-          </a:prstGeom>
-          <a:solidFill>
-            <a:srgbClr val="C8C371"/>
-          </a:solidFill>
-          <a:ln w="9525" cap="flat" cmpd="sng">
-            <a:solidFill>
-              <a:srgbClr val="1E4D2B"/>
-            </a:solidFill>
-            <a:prstDash val="solid"/>
-            <a:round/>
-            <a:headEnd type="none" w="sm" len="sm"/>
-            <a:tailEnd type="none" w="sm" len="sm"/>
-          </a:ln>
-        </p:spPr>
-        <p:txBody>
-          <a:bodyPr spcFirstLastPara="1" wrap="square" lIns="138153" tIns="138153" rIns="138153" bIns="138153" anchor="ctr" anchorCtr="0">
-            <a:noAutofit/>
-          </a:bodyPr>
-          <a:lstStyle/>
-          <a:p>
-            <a:pPr algn="ctr"/>
-            <a:r>
-              <a:rPr lang="en" sz="3022"/>
-              <a:t>Divide</a:t>
-            </a:r>
-            <a:endParaRPr sz="3022" dirty="0"/>
-          </a:p>
-        </p:txBody>
-      </p:sp>
-      <p:sp>
-        <p:nvSpPr>
-          <p:cNvPr id="216" name="Google Shape;216;p42"/>
-          <p:cNvSpPr/>
-          <p:nvPr/>
-        </p:nvSpPr>
-        <p:spPr>
-          <a:xfrm>
-            <a:off x="7690876" y="4523256"/>
-            <a:ext cx="840933" cy="635573"/>
-          </a:xfrm>
-          <a:prstGeom prst="rect">
-            <a:avLst/>
-          </a:prstGeom>
-          <a:solidFill>
-            <a:srgbClr val="C8C371"/>
-          </a:solidFill>
-          <a:ln w="9525" cap="flat" cmpd="sng">
-            <a:solidFill>
-              <a:srgbClr val="1E4D2B"/>
-            </a:solidFill>
-            <a:prstDash val="solid"/>
-            <a:round/>
-            <a:headEnd type="none" w="sm" len="sm"/>
-            <a:tailEnd type="none" w="sm" len="sm"/>
-          </a:ln>
-        </p:spPr>
-        <p:txBody>
-          <a:bodyPr spcFirstLastPara="1" wrap="square" lIns="138153" tIns="138153" rIns="138153" bIns="138153" anchor="ctr" anchorCtr="0">
-            <a:noAutofit/>
-          </a:bodyPr>
-          <a:lstStyle/>
-          <a:p>
-            <a:pPr algn="ctr"/>
-            <a:r>
-              <a:rPr lang="en" sz="1058"/>
-              <a:t>Conquer</a:t>
-            </a:r>
-            <a:endParaRPr sz="1058" dirty="0"/>
-          </a:p>
-        </p:txBody>
-      </p:sp>
-      <p:sp>
-        <p:nvSpPr>
-          <p:cNvPr id="217" name="Google Shape;217;p42"/>
-          <p:cNvSpPr/>
-          <p:nvPr/>
-        </p:nvSpPr>
-        <p:spPr>
-          <a:xfrm>
-            <a:off x="8712500" y="4523256"/>
-            <a:ext cx="840933" cy="635573"/>
-          </a:xfrm>
-          <a:prstGeom prst="rect">
-            <a:avLst/>
-          </a:prstGeom>
-          <a:solidFill>
-            <a:srgbClr val="C8C371"/>
-          </a:solidFill>
-          <a:ln w="9525" cap="flat" cmpd="sng">
-            <a:solidFill>
-              <a:srgbClr val="1E4D2B"/>
-            </a:solidFill>
-            <a:prstDash val="solid"/>
-            <a:round/>
-            <a:headEnd type="none" w="sm" len="sm"/>
-            <a:tailEnd type="none" w="sm" len="sm"/>
-          </a:ln>
-        </p:spPr>
-        <p:txBody>
-          <a:bodyPr spcFirstLastPara="1" wrap="square" lIns="138153" tIns="138153" rIns="138153" bIns="138153" anchor="ctr" anchorCtr="0">
-            <a:noAutofit/>
-          </a:bodyPr>
-          <a:lstStyle/>
-          <a:p>
-            <a:pPr algn="ctr"/>
-            <a:r>
-              <a:rPr lang="en" sz="1058"/>
-              <a:t>Conquer</a:t>
-            </a:r>
-            <a:endParaRPr sz="1058" dirty="0"/>
-          </a:p>
-        </p:txBody>
-      </p:sp>
-      <p:sp>
-        <p:nvSpPr>
-          <p:cNvPr id="218" name="Google Shape;218;p42"/>
-          <p:cNvSpPr/>
-          <p:nvPr/>
-        </p:nvSpPr>
-        <p:spPr>
-          <a:xfrm>
-            <a:off x="9734126" y="4523256"/>
-            <a:ext cx="840933" cy="635573"/>
-          </a:xfrm>
-          <a:prstGeom prst="rect">
-            <a:avLst/>
-          </a:prstGeom>
-          <a:solidFill>
-            <a:srgbClr val="C8C371"/>
-          </a:solidFill>
-          <a:ln w="9525" cap="flat" cmpd="sng">
-            <a:solidFill>
-              <a:srgbClr val="1E4D2B"/>
-            </a:solidFill>
-            <a:prstDash val="solid"/>
-            <a:round/>
-            <a:headEnd type="none" w="sm" len="sm"/>
-            <a:tailEnd type="none" w="sm" len="sm"/>
-          </a:ln>
-        </p:spPr>
-        <p:txBody>
-          <a:bodyPr spcFirstLastPara="1" wrap="square" lIns="138153" tIns="138153" rIns="138153" bIns="138153" anchor="ctr" anchorCtr="0">
-            <a:noAutofit/>
-          </a:bodyPr>
-          <a:lstStyle/>
-          <a:p>
-            <a:pPr algn="ctr"/>
-            <a:r>
-              <a:rPr lang="en" sz="1058"/>
-              <a:t>Conquer</a:t>
-            </a:r>
-            <a:endParaRPr sz="1058" dirty="0"/>
-          </a:p>
-        </p:txBody>
-      </p:sp>
-      <p:sp>
-        <p:nvSpPr>
-          <p:cNvPr id="219" name="Google Shape;219;p42"/>
-          <p:cNvSpPr/>
-          <p:nvPr/>
-        </p:nvSpPr>
-        <p:spPr>
-          <a:xfrm>
-            <a:off x="8393163" y="5372855"/>
-            <a:ext cx="1472427" cy="1007760"/>
-          </a:xfrm>
-          <a:prstGeom prst="rect">
-            <a:avLst/>
-          </a:prstGeom>
-          <a:solidFill>
-            <a:srgbClr val="C8C371"/>
-          </a:solidFill>
-          <a:ln w="9525" cap="flat" cmpd="sng">
-            <a:solidFill>
-              <a:srgbClr val="1E4D2B"/>
-            </a:solidFill>
-            <a:prstDash val="solid"/>
-            <a:round/>
-            <a:headEnd type="none" w="sm" len="sm"/>
-            <a:tailEnd type="none" w="sm" len="sm"/>
-          </a:ln>
-        </p:spPr>
-        <p:txBody>
-          <a:bodyPr spcFirstLastPara="1" wrap="square" lIns="138153" tIns="138153" rIns="138153" bIns="138153" anchor="ctr" anchorCtr="0">
-            <a:noAutofit/>
-          </a:bodyPr>
-          <a:lstStyle/>
-          <a:p>
-            <a:pPr algn="ctr"/>
-            <a:r>
-              <a:rPr lang="en" sz="3022" dirty="0"/>
-              <a:t>Glue</a:t>
-            </a:r>
-            <a:endParaRPr sz="3022" dirty="0"/>
-          </a:p>
-        </p:txBody>
-      </p:sp>
-      <p:sp>
-        <p:nvSpPr>
-          <p:cNvPr id="220" name="Google Shape;220;p42"/>
-          <p:cNvSpPr txBox="1"/>
-          <p:nvPr/>
-        </p:nvSpPr>
-        <p:spPr>
-          <a:xfrm rot="2052303">
-            <a:off x="10704571" y="3791874"/>
-            <a:ext cx="2398539" cy="635440"/>
-          </a:xfrm>
-          <a:prstGeom prst="rect">
-            <a:avLst/>
-          </a:prstGeom>
-          <a:noFill/>
-          <a:ln>
-            <a:noFill/>
-          </a:ln>
-        </p:spPr>
-        <p:txBody>
-          <a:bodyPr spcFirstLastPara="1" wrap="square" lIns="138153" tIns="138153" rIns="138153" bIns="138153" anchor="t" anchorCtr="0">
-            <a:noAutofit/>
-          </a:bodyPr>
-          <a:lstStyle/>
-          <a:p>
-            <a:r>
-              <a:rPr lang="en" sz="3022" dirty="0"/>
-              <a:t>Remember</a:t>
-            </a:r>
-            <a:endParaRPr sz="3022" dirty="0"/>
           </a:p>
         </p:txBody>
       </p:sp>
